--- a/presentations/01_nlp_intro.pptx
+++ b/presentations/01_nlp_intro.pptx
@@ -3343,7 +3343,7 @@
           <a:p>
             <a:fld id="{FD93C9B2-20F6-4DB1-B471-224337D0AC79}" type="datetimeFigureOut">
               <a:rPr lang="en-US" smtClean="0"/>
-              <a:t>2/25/2022</a:t>
+              <a:t>5/25/2022</a:t>
             </a:fld>
             <a:endParaRPr lang="en-US"/>
           </a:p>
@@ -4564,113 +4564,117 @@
           <a:bodyPr/>
           <a:lstStyle/>
           <a:p>
-            <a:pPr marL="0" marR="0" lvl="0" indent="0" algn="l" defTabSz="914400" rtl="0" eaLnBrk="1" fontAlgn="auto" latinLnBrk="0" hangingPunct="1">
-              <a:lnSpc>
-                <a:spcPct val="100000"/>
-              </a:lnSpc>
-              <a:spcBef>
-                <a:spcPts val="0"/>
-              </a:spcBef>
-              <a:spcAft>
-                <a:spcPts val="0"/>
-              </a:spcAft>
-              <a:buClrTx/>
-              <a:buSzTx/>
-              <a:buFontTx/>
+            <a:pPr marL="0" indent="0">
+              <a:buFont typeface="Arial" panose="020B0604020202020204" pitchFamily="34" charset="0"/>
               <a:buNone/>
-              <a:tabLst/>
-              <a:defRPr/>
             </a:pPr>
             <a:r>
-              <a:rPr lang="en-US" dirty="0"/>
-              <a:t>Exercise 4.01 starts on page 166 of the textbook.  For additional information, please watch the exercise 4.01 orientation video.</a:t>
-            </a:r>
-          </a:p>
-          <a:p>
-            <a:pPr marL="0" marR="0" lvl="0" indent="0" algn="l" defTabSz="914400" rtl="0" eaLnBrk="1" fontAlgn="auto" latinLnBrk="0" hangingPunct="1">
-              <a:lnSpc>
-                <a:spcPct val="100000"/>
-              </a:lnSpc>
-              <a:spcBef>
-                <a:spcPts val="0"/>
-              </a:spcBef>
-              <a:spcAft>
-                <a:spcPts val="0"/>
-              </a:spcAft>
-              <a:buClrTx/>
-              <a:buSzTx/>
-              <a:buFontTx/>
+              <a:rPr lang="en-US" sz="1200" dirty="0">
+                <a:solidFill>
+                  <a:schemeClr val="tx1">
+                    <a:lumMod val="65000"/>
+                    <a:lumOff val="35000"/>
+                  </a:schemeClr>
+                </a:solidFill>
+                <a:latin typeface="Palatino Linotype" panose="02040502050505030304" pitchFamily="18" charset="0"/>
+              </a:rPr>
+              <a:t>Today’s second notebook contains three data prep exercises, with a fourth one that is optional:</a:t>
+            </a:r>
+          </a:p>
+          <a:p>
+            <a:pPr marL="0" indent="0">
+              <a:buFont typeface="Arial" panose="020B0604020202020204" pitchFamily="34" charset="0"/>
               <a:buNone/>
-              <a:tabLst/>
-              <a:defRPr/>
             </a:pPr>
+            <a:endParaRPr lang="en-US" sz="1200" dirty="0">
+              <a:solidFill>
+                <a:schemeClr val="tx1">
+                  <a:lumMod val="65000"/>
+                  <a:lumOff val="35000"/>
+                </a:schemeClr>
+              </a:solidFill>
+              <a:latin typeface="Palatino Linotype" panose="02040502050505030304" pitchFamily="18" charset="0"/>
+            </a:endParaRPr>
+          </a:p>
+          <a:p>
+            <a:pPr marL="171450" indent="-171450">
+              <a:buFont typeface="Arial" panose="020B0604020202020204" pitchFamily="34" charset="0"/>
+              <a:buChar char="•"/>
+            </a:pPr>
+            <a:r>
+              <a:rPr lang="en-US" sz="1200" dirty="0">
+                <a:solidFill>
+                  <a:schemeClr val="tx1">
+                    <a:lumMod val="65000"/>
+                    <a:lumOff val="35000"/>
+                  </a:schemeClr>
+                </a:solidFill>
+                <a:latin typeface="Palatino Linotype" panose="02040502050505030304" pitchFamily="18" charset="0"/>
+              </a:rPr>
+              <a:t>4.01 (Tokenization, Case Normalization, and Stop Word Removal) – page 166</a:t>
+            </a:r>
+          </a:p>
+          <a:p>
+            <a:pPr marL="171450" indent="-171450">
+              <a:buFont typeface="Arial" panose="020B0604020202020204" pitchFamily="34" charset="0"/>
+              <a:buChar char="•"/>
+            </a:pPr>
+            <a:r>
+              <a:rPr lang="en-US" sz="1200" dirty="0">
+                <a:solidFill>
+                  <a:schemeClr val="tx1">
+                    <a:lumMod val="65000"/>
+                    <a:lumOff val="35000"/>
+                  </a:schemeClr>
+                </a:solidFill>
+                <a:latin typeface="Palatino Linotype" panose="02040502050505030304" pitchFamily="18" charset="0"/>
+              </a:rPr>
+              <a:t>4.02 (Stemming our Data) – page 172</a:t>
+            </a:r>
+          </a:p>
+          <a:p>
+            <a:pPr marL="171450" indent="-171450">
+              <a:buFont typeface="Arial" panose="020B0604020202020204" pitchFamily="34" charset="0"/>
+              <a:buChar char="•"/>
+            </a:pPr>
+            <a:r>
+              <a:rPr lang="en-US" sz="1200" dirty="0">
+                <a:solidFill>
+                  <a:schemeClr val="tx1">
+                    <a:lumMod val="65000"/>
+                    <a:lumOff val="35000"/>
+                  </a:schemeClr>
+                </a:solidFill>
+                <a:latin typeface="Palatino Linotype" panose="02040502050505030304" pitchFamily="18" charset="0"/>
+              </a:rPr>
+              <a:t>4.03 (</a:t>
+            </a:r>
+            <a:r>
+              <a:rPr lang="en-US" sz="1200" b="0" i="0" dirty="0">
+                <a:solidFill>
+                  <a:schemeClr val="tx1">
+                    <a:lumMod val="65000"/>
+                    <a:lumOff val="35000"/>
+                  </a:schemeClr>
+                </a:solidFill>
+                <a:effectLst/>
+                <a:latin typeface="Palatino Linotype" panose="02040502050505030304" pitchFamily="18" charset="0"/>
+              </a:rPr>
+              <a:t>Creating One-Hot Encoding for Our Data</a:t>
+            </a:r>
+            <a:r>
+              <a:rPr lang="en-US" sz="1200" dirty="0">
+                <a:solidFill>
+                  <a:schemeClr val="tx1">
+                    <a:lumMod val="65000"/>
+                    <a:lumOff val="35000"/>
+                  </a:schemeClr>
+                </a:solidFill>
+                <a:latin typeface="Palatino Linotype" panose="02040502050505030304" pitchFamily="18" charset="0"/>
+              </a:rPr>
+              <a:t>) – page 181</a:t>
+            </a:r>
             <a:endParaRPr lang="en-US" dirty="0"/>
-          </a:p>
-          <a:p>
-            <a:pPr marL="0" marR="0" lvl="0" indent="0" algn="l" defTabSz="914400" rtl="0" eaLnBrk="1" fontAlgn="auto" latinLnBrk="0" hangingPunct="1">
-              <a:lnSpc>
-                <a:spcPct val="100000"/>
-              </a:lnSpc>
-              <a:spcBef>
-                <a:spcPts val="0"/>
-              </a:spcBef>
-              <a:spcAft>
-                <a:spcPts val="0"/>
-              </a:spcAft>
-              <a:buClrTx/>
-              <a:buSzTx/>
-              <a:buFontTx/>
-              <a:buNone/>
-              <a:tabLst/>
-              <a:defRPr/>
-            </a:pPr>
-            <a:r>
-              <a:rPr lang="en-US" dirty="0"/>
-              <a:t>Exercise 4.02 starts on page 172 of the textbook.  For additional information, please watch the exercise 4.02 orientation video.</a:t>
-            </a:r>
-          </a:p>
-          <a:p>
-            <a:pPr marL="0" marR="0" lvl="0" indent="0" algn="l" defTabSz="914400" rtl="0" eaLnBrk="1" fontAlgn="auto" latinLnBrk="0" hangingPunct="1">
-              <a:lnSpc>
-                <a:spcPct val="100000"/>
-              </a:lnSpc>
-              <a:spcBef>
-                <a:spcPts val="0"/>
-              </a:spcBef>
-              <a:spcAft>
-                <a:spcPts val="0"/>
-              </a:spcAft>
-              <a:buClrTx/>
-              <a:buSzTx/>
-              <a:buFontTx/>
-              <a:buNone/>
-              <a:tabLst/>
-              <a:defRPr/>
-            </a:pPr>
-            <a:endParaRPr lang="en-US" dirty="0"/>
-          </a:p>
-          <a:p>
-            <a:pPr marL="0" marR="0" lvl="0" indent="0" algn="l" defTabSz="914400" rtl="0" eaLnBrk="1" fontAlgn="auto" latinLnBrk="0" hangingPunct="1">
-              <a:lnSpc>
-                <a:spcPct val="100000"/>
-              </a:lnSpc>
-              <a:spcBef>
-                <a:spcPts val="0"/>
-              </a:spcBef>
-              <a:spcAft>
-                <a:spcPts val="0"/>
-              </a:spcAft>
-              <a:buClrTx/>
-              <a:buSzTx/>
-              <a:buFontTx/>
-              <a:buNone/>
-              <a:tabLst/>
-              <a:defRPr/>
-            </a:pPr>
-            <a:r>
-              <a:rPr lang="en-US" dirty="0"/>
-              <a:t>Exercise 4.03 starts on page 181 of the textbook. For additional information, please watch the exercise 4.03 orientation video.</a:t>
-            </a:r>
           </a:p>
           <a:p>
             <a:pPr marL="0" marR="0" lvl="0" indent="0" algn="l" defTabSz="914400" rtl="0" eaLnBrk="1" fontAlgn="auto" latinLnBrk="0" hangingPunct="1">
@@ -4835,6 +4839,78 @@
               <a:rPr lang="en-US" dirty="0"/>
               <a:t>This exercise is optional and is included in the notebook for this session.</a:t>
             </a:r>
+          </a:p>
+          <a:p>
+            <a:pPr marL="0" marR="0" lvl="0" indent="0" algn="l" defTabSz="914400" rtl="0" eaLnBrk="1" fontAlgn="auto" latinLnBrk="0" hangingPunct="1">
+              <a:lnSpc>
+                <a:spcPct val="100000"/>
+              </a:lnSpc>
+              <a:spcBef>
+                <a:spcPts val="0"/>
+              </a:spcBef>
+              <a:spcAft>
+                <a:spcPts val="0"/>
+              </a:spcAft>
+              <a:buClrTx/>
+              <a:buSzTx/>
+              <a:buFontTx/>
+              <a:buNone/>
+              <a:tabLst/>
+              <a:defRPr/>
+            </a:pPr>
+            <a:endParaRPr lang="en-US" dirty="0"/>
+          </a:p>
+          <a:p>
+            <a:pPr marL="0" marR="0" lvl="0" indent="0" algn="l" defTabSz="914400" rtl="0" eaLnBrk="1" fontAlgn="auto" latinLnBrk="0" hangingPunct="1">
+              <a:lnSpc>
+                <a:spcPct val="100000"/>
+              </a:lnSpc>
+              <a:spcBef>
+                <a:spcPts val="0"/>
+              </a:spcBef>
+              <a:spcAft>
+                <a:spcPts val="0"/>
+              </a:spcAft>
+              <a:buClrTx/>
+              <a:buSzTx/>
+              <a:buFontTx/>
+              <a:buNone/>
+              <a:tabLst/>
+              <a:defRPr/>
+            </a:pPr>
+            <a:r>
+              <a:rPr lang="en-US" sz="1200" dirty="0">
+                <a:solidFill>
+                  <a:schemeClr val="tx1">
+                    <a:lumMod val="65000"/>
+                    <a:lumOff val="35000"/>
+                  </a:schemeClr>
+                </a:solidFill>
+                <a:latin typeface="Palatino Linotype" panose="02040502050505030304" pitchFamily="18" charset="0"/>
+                <a:cs typeface="Segoe UI Light" panose="020B0502040204020203" pitchFamily="34" charset="0"/>
+              </a:rPr>
+              <a:t>4.04 (Document Term Matrix with TF-IDF) - Page 188</a:t>
+            </a:r>
+          </a:p>
+          <a:p>
+            <a:pPr marL="0" marR="0" lvl="0" indent="0" algn="l" defTabSz="914400" rtl="0" eaLnBrk="1" fontAlgn="auto" latinLnBrk="0" hangingPunct="1">
+              <a:lnSpc>
+                <a:spcPct val="100000"/>
+              </a:lnSpc>
+              <a:spcBef>
+                <a:spcPts val="0"/>
+              </a:spcBef>
+              <a:spcAft>
+                <a:spcPts val="0"/>
+              </a:spcAft>
+              <a:buClrTx/>
+              <a:buSzTx/>
+              <a:buFontTx/>
+              <a:buNone/>
+              <a:tabLst/>
+              <a:defRPr/>
+            </a:pPr>
+            <a:endParaRPr lang="en-US" dirty="0"/>
           </a:p>
         </p:txBody>
       </p:sp>
@@ -6564,7 +6640,7 @@
           <a:p>
             <a:fld id="{C3F78080-8D0A-4BE8-A5B4-CB115102D524}" type="datetimeFigureOut">
               <a:rPr lang="en-US" smtClean="0"/>
-              <a:t>2/25/2022</a:t>
+              <a:t>5/25/2022</a:t>
             </a:fld>
             <a:endParaRPr lang="en-US"/>
           </a:p>
@@ -6762,7 +6838,7 @@
           <a:p>
             <a:fld id="{C3F78080-8D0A-4BE8-A5B4-CB115102D524}" type="datetimeFigureOut">
               <a:rPr lang="en-US" smtClean="0"/>
-              <a:t>2/25/2022</a:t>
+              <a:t>5/25/2022</a:t>
             </a:fld>
             <a:endParaRPr lang="en-US"/>
           </a:p>
@@ -6970,7 +7046,7 @@
           <a:p>
             <a:fld id="{C3F78080-8D0A-4BE8-A5B4-CB115102D524}" type="datetimeFigureOut">
               <a:rPr lang="en-US" smtClean="0"/>
-              <a:t>2/25/2022</a:t>
+              <a:t>5/25/2022</a:t>
             </a:fld>
             <a:endParaRPr lang="en-US"/>
           </a:p>
@@ -7168,7 +7244,7 @@
           <a:p>
             <a:fld id="{C3F78080-8D0A-4BE8-A5B4-CB115102D524}" type="datetimeFigureOut">
               <a:rPr lang="en-US" smtClean="0"/>
-              <a:t>2/25/2022</a:t>
+              <a:t>5/25/2022</a:t>
             </a:fld>
             <a:endParaRPr lang="en-US"/>
           </a:p>
@@ -7443,7 +7519,7 @@
           <a:p>
             <a:fld id="{C3F78080-8D0A-4BE8-A5B4-CB115102D524}" type="datetimeFigureOut">
               <a:rPr lang="en-US" smtClean="0"/>
-              <a:t>2/25/2022</a:t>
+              <a:t>5/25/2022</a:t>
             </a:fld>
             <a:endParaRPr lang="en-US"/>
           </a:p>
@@ -7708,7 +7784,7 @@
           <a:p>
             <a:fld id="{C3F78080-8D0A-4BE8-A5B4-CB115102D524}" type="datetimeFigureOut">
               <a:rPr lang="en-US" smtClean="0"/>
-              <a:t>2/25/2022</a:t>
+              <a:t>5/25/2022</a:t>
             </a:fld>
             <a:endParaRPr lang="en-US"/>
           </a:p>
@@ -8120,7 +8196,7 @@
           <a:p>
             <a:fld id="{C3F78080-8D0A-4BE8-A5B4-CB115102D524}" type="datetimeFigureOut">
               <a:rPr lang="en-US" smtClean="0"/>
-              <a:t>2/25/2022</a:t>
+              <a:t>5/25/2022</a:t>
             </a:fld>
             <a:endParaRPr lang="en-US"/>
           </a:p>
@@ -8261,7 +8337,7 @@
           <a:p>
             <a:fld id="{C3F78080-8D0A-4BE8-A5B4-CB115102D524}" type="datetimeFigureOut">
               <a:rPr lang="en-US" smtClean="0"/>
-              <a:t>2/25/2022</a:t>
+              <a:t>5/25/2022</a:t>
             </a:fld>
             <a:endParaRPr lang="en-US"/>
           </a:p>
@@ -8374,7 +8450,7 @@
           <a:p>
             <a:fld id="{C3F78080-8D0A-4BE8-A5B4-CB115102D524}" type="datetimeFigureOut">
               <a:rPr lang="en-US" smtClean="0"/>
-              <a:t>2/25/2022</a:t>
+              <a:t>5/25/2022</a:t>
             </a:fld>
             <a:endParaRPr lang="en-US"/>
           </a:p>
@@ -8685,7 +8761,7 @@
           <a:p>
             <a:fld id="{C3F78080-8D0A-4BE8-A5B4-CB115102D524}" type="datetimeFigureOut">
               <a:rPr lang="en-US" smtClean="0"/>
-              <a:t>2/25/2022</a:t>
+              <a:t>5/25/2022</a:t>
             </a:fld>
             <a:endParaRPr lang="en-US"/>
           </a:p>
@@ -8973,7 +9049,7 @@
           <a:p>
             <a:fld id="{C3F78080-8D0A-4BE8-A5B4-CB115102D524}" type="datetimeFigureOut">
               <a:rPr lang="en-US" smtClean="0"/>
-              <a:t>2/25/2022</a:t>
+              <a:t>5/25/2022</a:t>
             </a:fld>
             <a:endParaRPr lang="en-US"/>
           </a:p>
@@ -9214,7 +9290,7 @@
           <a:p>
             <a:fld id="{C3F78080-8D0A-4BE8-A5B4-CB115102D524}" type="datetimeFigureOut">
               <a:rPr lang="en-US" smtClean="0"/>
-              <a:t>2/25/2022</a:t>
+              <a:t>5/25/2022</a:t>
             </a:fld>
             <a:endParaRPr lang="en-US"/>
           </a:p>
@@ -11547,22 +11623,20 @@
       </p:pic>
       <p:sp>
         <p:nvSpPr>
-          <p:cNvPr id="7" name="Title 1">
+          <p:cNvPr id="5" name="TextBox 4">
             <a:extLst>
               <a:ext uri="{FF2B5EF4-FFF2-40B4-BE49-F238E27FC236}">
-                <a16:creationId xmlns:a16="http://schemas.microsoft.com/office/drawing/2014/main" id="{432CC2ED-EAA2-4AE5-BF5E-94E6A5231325}"/>
+                <a16:creationId xmlns:a16="http://schemas.microsoft.com/office/drawing/2014/main" id="{79C6BCB0-4DCB-4C18-9EA4-322F2C1F5554}"/>
               </a:ext>
             </a:extLst>
           </p:cNvPr>
-          <p:cNvSpPr txBox="1">
-            <a:spLocks/>
-          </p:cNvSpPr>
+          <p:cNvSpPr txBox="1"/>
           <p:nvPr/>
         </p:nvSpPr>
         <p:spPr>
           <a:xfrm>
-            <a:off x="0" y="2392140"/>
-            <a:ext cx="12192000" cy="2586788"/>
+            <a:off x="0" y="3291840"/>
+            <a:ext cx="12192000" cy="1200329"/>
           </a:xfrm>
           <a:prstGeom prst="rect">
             <a:avLst/>
@@ -11570,31 +11644,14 @@
           <a:noFill/>
         </p:spPr>
         <p:txBody>
-          <a:bodyPr vert="horz" lIns="91440" tIns="45720" rIns="91440" bIns="45720" rtlCol="0" anchor="b">
-            <a:noAutofit/>
+          <a:bodyPr wrap="square" rtlCol="0">
+            <a:spAutoFit/>
           </a:bodyPr>
-          <a:lstStyle>
-            <a:lvl1pPr algn="l" defTabSz="914400" rtl="0" eaLnBrk="1" latinLnBrk="0" hangingPunct="1">
-              <a:lnSpc>
-                <a:spcPct val="90000"/>
-              </a:lnSpc>
-              <a:spcBef>
-                <a:spcPct val="0"/>
-              </a:spcBef>
-              <a:buNone/>
-              <a:defRPr sz="6000" kern="1200">
-                <a:solidFill>
-                  <a:schemeClr val="tx1"/>
-                </a:solidFill>
-                <a:latin typeface="+mj-lt"/>
-                <a:ea typeface="+mj-ea"/>
-                <a:cs typeface="+mj-cs"/>
-              </a:defRPr>
-            </a:lvl1pPr>
-          </a:lstStyle>
-          <a:p>
-            <a:br>
-              <a:rPr lang="en-US" sz="3200" dirty="0">
+          <a:lstStyle/>
+          <a:p>
+            <a:pPr algn="ctr"/>
+            <a:r>
+              <a:rPr lang="en-US" sz="3600" dirty="0">
                 <a:solidFill>
                   <a:schemeClr val="tx1">
                     <a:lumMod val="65000"/>
@@ -11603,9 +11660,13 @@
                 </a:solidFill>
                 <a:latin typeface="Palatino Linotype" panose="02040502050505030304" pitchFamily="18" charset="0"/>
               </a:rPr>
-            </a:br>
-            <a:br>
-              <a:rPr lang="en-US" sz="3200" dirty="0">
+              <a:t>Data Cleaning</a:t>
+            </a:r>
+          </a:p>
+          <a:p>
+            <a:pPr algn="ctr"/>
+            <a:r>
+              <a:rPr lang="en-US" sz="3600" dirty="0">
                 <a:solidFill>
                   <a:schemeClr val="tx1">
                     <a:lumMod val="65000"/>
@@ -11614,190 +11675,9 @@
                 </a:solidFill>
                 <a:latin typeface="Palatino Linotype" panose="02040502050505030304" pitchFamily="18" charset="0"/>
               </a:rPr>
-            </a:br>
-            <a:r>
-              <a:rPr lang="en-US" sz="3200" dirty="0">
-                <a:solidFill>
-                  <a:schemeClr val="tx1">
-                    <a:lumMod val="65000"/>
-                    <a:lumOff val="35000"/>
-                  </a:schemeClr>
-                </a:solidFill>
-                <a:latin typeface="Palatino Linotype" panose="02040502050505030304" pitchFamily="18" charset="0"/>
-              </a:rPr>
-              <a:t> </a:t>
-            </a:r>
-          </a:p>
-          <a:p>
-            <a:endParaRPr lang="en-US" sz="3200" dirty="0">
-              <a:solidFill>
-                <a:schemeClr val="tx1">
-                  <a:lumMod val="65000"/>
-                  <a:lumOff val="35000"/>
-                </a:schemeClr>
-              </a:solidFill>
-              <a:latin typeface="Palatino Linotype" panose="02040502050505030304" pitchFamily="18" charset="0"/>
-            </a:endParaRPr>
-          </a:p>
-          <a:p>
-            <a:endParaRPr lang="en-US" sz="3200" dirty="0">
-              <a:solidFill>
-                <a:schemeClr val="tx1">
-                  <a:lumMod val="65000"/>
-                  <a:lumOff val="35000"/>
-                </a:schemeClr>
-              </a:solidFill>
-              <a:latin typeface="Palatino Linotype" panose="02040502050505030304" pitchFamily="18" charset="0"/>
-            </a:endParaRPr>
-          </a:p>
-          <a:p>
-            <a:endParaRPr lang="en-US" sz="3200" dirty="0">
-              <a:solidFill>
-                <a:schemeClr val="tx1">
-                  <a:lumMod val="65000"/>
-                  <a:lumOff val="35000"/>
-                </a:schemeClr>
-              </a:solidFill>
-              <a:latin typeface="Palatino Linotype" panose="02040502050505030304" pitchFamily="18" charset="0"/>
-            </a:endParaRPr>
-          </a:p>
-          <a:p>
-            <a:endParaRPr lang="en-US" sz="3200" dirty="0">
-              <a:solidFill>
-                <a:schemeClr val="tx1">
-                  <a:lumMod val="65000"/>
-                  <a:lumOff val="35000"/>
-                </a:schemeClr>
-              </a:solidFill>
-              <a:latin typeface="Palatino Linotype" panose="02040502050505030304" pitchFamily="18" charset="0"/>
-            </a:endParaRPr>
-          </a:p>
-          <a:p>
-            <a:endParaRPr lang="en-US" sz="3200" dirty="0">
-              <a:solidFill>
-                <a:schemeClr val="tx1">
-                  <a:lumMod val="65000"/>
-                  <a:lumOff val="35000"/>
-                </a:schemeClr>
-              </a:solidFill>
-              <a:latin typeface="Palatino Linotype" panose="02040502050505030304" pitchFamily="18" charset="0"/>
-            </a:endParaRPr>
-          </a:p>
-          <a:p>
-            <a:r>
-              <a:rPr lang="en-US" sz="3200" dirty="0">
-                <a:solidFill>
-                  <a:schemeClr val="tx1">
-                    <a:lumMod val="65000"/>
-                    <a:lumOff val="35000"/>
-                  </a:schemeClr>
-                </a:solidFill>
-                <a:latin typeface="Palatino Linotype" panose="02040502050505030304" pitchFamily="18" charset="0"/>
-              </a:rPr>
-              <a:t> </a:t>
-            </a:r>
-          </a:p>
-          <a:p>
-            <a:r>
-              <a:rPr lang="en-US" sz="3200" dirty="0">
-                <a:solidFill>
-                  <a:schemeClr val="tx1">
-                    <a:lumMod val="65000"/>
-                    <a:lumOff val="35000"/>
-                  </a:schemeClr>
-                </a:solidFill>
-                <a:latin typeface="Palatino Linotype" panose="02040502050505030304" pitchFamily="18" charset="0"/>
-              </a:rPr>
-              <a:t>4.01 (Tokenization, Case Normalization, and Stop Word Removal)</a:t>
-            </a:r>
-          </a:p>
-          <a:p>
-            <a:r>
-              <a:rPr lang="en-US" sz="3200" dirty="0">
-                <a:solidFill>
-                  <a:schemeClr val="tx1">
-                    <a:lumMod val="65000"/>
-                    <a:lumOff val="35000"/>
-                  </a:schemeClr>
-                </a:solidFill>
-                <a:latin typeface="Palatino Linotype" panose="02040502050505030304" pitchFamily="18" charset="0"/>
-              </a:rPr>
-              <a:t> </a:t>
-            </a:r>
-          </a:p>
-          <a:p>
-            <a:r>
-              <a:rPr lang="en-US" sz="3200" dirty="0">
-                <a:solidFill>
-                  <a:schemeClr val="tx1">
-                    <a:lumMod val="65000"/>
-                    <a:lumOff val="35000"/>
-                  </a:schemeClr>
-                </a:solidFill>
-                <a:latin typeface="Palatino Linotype" panose="02040502050505030304" pitchFamily="18" charset="0"/>
-              </a:rPr>
-              <a:t>4.02 (Stemming our Data)</a:t>
-            </a:r>
-          </a:p>
-          <a:p>
-            <a:endParaRPr lang="en-US" sz="3200" dirty="0">
-              <a:solidFill>
-                <a:schemeClr val="tx1">
-                  <a:lumMod val="65000"/>
-                  <a:lumOff val="35000"/>
-                </a:schemeClr>
-              </a:solidFill>
-              <a:latin typeface="Palatino Linotype" panose="02040502050505030304" pitchFamily="18" charset="0"/>
-            </a:endParaRPr>
-          </a:p>
-          <a:p>
-            <a:r>
-              <a:rPr lang="en-US" sz="3200" dirty="0">
-                <a:solidFill>
-                  <a:schemeClr val="tx1">
-                    <a:lumMod val="65000"/>
-                    <a:lumOff val="35000"/>
-                  </a:schemeClr>
-                </a:solidFill>
-                <a:latin typeface="Palatino Linotype" panose="02040502050505030304" pitchFamily="18" charset="0"/>
-              </a:rPr>
-              <a:t>4.03 (</a:t>
-            </a:r>
-            <a:r>
-              <a:rPr lang="en-US" sz="3200" b="0" i="0" dirty="0">
-                <a:solidFill>
-                  <a:schemeClr val="tx1">
-                    <a:lumMod val="65000"/>
-                    <a:lumOff val="35000"/>
-                  </a:schemeClr>
-                </a:solidFill>
-                <a:effectLst/>
-                <a:latin typeface="Palatino Linotype" panose="02040502050505030304" pitchFamily="18" charset="0"/>
-              </a:rPr>
-              <a:t>Creating One-Hot Encoding for Our Data</a:t>
-            </a:r>
-            <a:r>
-              <a:rPr lang="en-US" sz="3200" dirty="0">
-                <a:solidFill>
-                  <a:schemeClr val="tx1">
-                    <a:lumMod val="65000"/>
-                    <a:lumOff val="35000"/>
-                  </a:schemeClr>
-                </a:solidFill>
-                <a:latin typeface="Palatino Linotype" panose="02040502050505030304" pitchFamily="18" charset="0"/>
-              </a:rPr>
-              <a:t>)</a:t>
-            </a:r>
-            <a:endParaRPr lang="en-US" sz="3200" dirty="0">
-              <a:solidFill>
-                <a:schemeClr val="tx1">
-                  <a:lumMod val="65000"/>
-                  <a:lumOff val="35000"/>
-                </a:schemeClr>
-              </a:solidFill>
-              <a:latin typeface="Palatino Linotype" panose="02040502050505030304" pitchFamily="18" charset="0"/>
-              <a:cs typeface="Segoe UI Light" panose="020B0502040204020203" pitchFamily="34" charset="0"/>
-            </a:endParaRPr>
+              <a:t>01.2_data_cleaning.ipynb</a:t>
+            </a:r>
+            <a:endParaRPr lang="en-US" sz="3600" dirty="0"/>
           </a:p>
         </p:txBody>
       </p:sp>
@@ -11875,22 +11755,20 @@
       </p:pic>
       <p:sp>
         <p:nvSpPr>
-          <p:cNvPr id="4" name="Title 1">
+          <p:cNvPr id="6" name="TextBox 5">
             <a:extLst>
               <a:ext uri="{FF2B5EF4-FFF2-40B4-BE49-F238E27FC236}">
-                <a16:creationId xmlns:a16="http://schemas.microsoft.com/office/drawing/2014/main" id="{DEDA0E88-0E7E-4A85-928D-D7AF6DA2AE87}"/>
+                <a16:creationId xmlns:a16="http://schemas.microsoft.com/office/drawing/2014/main" id="{14313FBB-CF4B-4855-A8EB-7E2C02FFF698}"/>
               </a:ext>
             </a:extLst>
           </p:cNvPr>
-          <p:cNvSpPr txBox="1">
-            <a:spLocks/>
-          </p:cNvSpPr>
+          <p:cNvSpPr txBox="1"/>
           <p:nvPr/>
         </p:nvSpPr>
         <p:spPr>
           <a:xfrm>
-            <a:off x="0" y="3429000"/>
-            <a:ext cx="12192000" cy="685982"/>
+            <a:off x="0" y="3291840"/>
+            <a:ext cx="12192000" cy="1631216"/>
           </a:xfrm>
           <a:prstGeom prst="rect">
             <a:avLst/>
@@ -11898,32 +11776,14 @@
           <a:noFill/>
         </p:spPr>
         <p:txBody>
-          <a:bodyPr vert="horz" lIns="91440" tIns="45720" rIns="91440" bIns="45720" rtlCol="0" anchor="b">
-            <a:noAutofit/>
+          <a:bodyPr wrap="square" rtlCol="0">
+            <a:spAutoFit/>
           </a:bodyPr>
-          <a:lstStyle>
-            <a:lvl1pPr algn="l" defTabSz="914400" rtl="0" eaLnBrk="1" latinLnBrk="0" hangingPunct="1">
-              <a:lnSpc>
-                <a:spcPct val="90000"/>
-              </a:lnSpc>
-              <a:spcBef>
-                <a:spcPct val="0"/>
-              </a:spcBef>
-              <a:buNone/>
-              <a:defRPr sz="6000" kern="1200">
-                <a:solidFill>
-                  <a:schemeClr val="tx1"/>
-                </a:solidFill>
-                <a:latin typeface="+mj-lt"/>
-                <a:ea typeface="+mj-ea"/>
-                <a:cs typeface="+mj-cs"/>
-              </a:defRPr>
-            </a:lvl1pPr>
-          </a:lstStyle>
+          <a:lstStyle/>
           <a:p>
             <a:pPr algn="ctr"/>
             <a:r>
-              <a:rPr lang="en-US" sz="3200" dirty="0">
+              <a:rPr lang="en-US" sz="3600" dirty="0">
                 <a:solidFill>
                   <a:schemeClr val="tx1">
                     <a:lumMod val="65000"/>
@@ -11932,18 +11792,39 @@
                 </a:solidFill>
                 <a:latin typeface="Palatino Linotype" panose="02040502050505030304" pitchFamily="18" charset="0"/>
               </a:rPr>
-              <a:t>	4.04 (Document Term Matrix with TF-IDF)</a:t>
-            </a:r>
-            <a:endParaRPr lang="en-US" sz="3200" dirty="0">
-              <a:solidFill>
-                <a:schemeClr val="tx1">
-                  <a:lumMod val="65000"/>
-                  <a:lumOff val="35000"/>
-                </a:schemeClr>
-              </a:solidFill>
-              <a:latin typeface="Palatino Linotype" panose="02040502050505030304" pitchFamily="18" charset="0"/>
-              <a:cs typeface="Segoe UI Light" panose="020B0502040204020203" pitchFamily="34" charset="0"/>
-            </a:endParaRPr>
+              <a:t>Data Cleaning</a:t>
+            </a:r>
+          </a:p>
+          <a:p>
+            <a:pPr algn="ctr"/>
+            <a:r>
+              <a:rPr lang="en-US" sz="3600" dirty="0">
+                <a:solidFill>
+                  <a:schemeClr val="tx1">
+                    <a:lumMod val="65000"/>
+                    <a:lumOff val="35000"/>
+                  </a:schemeClr>
+                </a:solidFill>
+                <a:latin typeface="Palatino Linotype" panose="02040502050505030304" pitchFamily="18" charset="0"/>
+              </a:rPr>
+              <a:t>01.2_data_cleaning.ipynb</a:t>
+            </a:r>
+          </a:p>
+          <a:p>
+            <a:pPr algn="ctr"/>
+            <a:r>
+              <a:rPr lang="en-US" sz="2800" dirty="0">
+                <a:solidFill>
+                  <a:schemeClr val="tx1">
+                    <a:lumMod val="65000"/>
+                    <a:lumOff val="35000"/>
+                  </a:schemeClr>
+                </a:solidFill>
+                <a:latin typeface="Palatino Linotype" panose="02040502050505030304" pitchFamily="18" charset="0"/>
+              </a:rPr>
+              <a:t>(4.04: Document Term Matrix with TF-IDF)</a:t>
+            </a:r>
+            <a:endParaRPr lang="en-US" sz="2800" dirty="0"/>
           </a:p>
         </p:txBody>
       </p:sp>
@@ -13837,11 +13718,23 @@
                 </a:solidFill>
                 <a:latin typeface="Palatino Linotype" panose="02040502050505030304" pitchFamily="18" charset="0"/>
               </a:rPr>
-              <a:t>4.00 (A Tour of NLP Applications)</a:t>
+              <a:t>A Tour of NLP Applications</a:t>
             </a:r>
           </a:p>
           <a:p>
             <a:pPr algn="ctr"/>
+            <a:r>
+              <a:rPr lang="en-US" sz="3600" dirty="0">
+                <a:solidFill>
+                  <a:schemeClr val="tx1">
+                    <a:lumMod val="65000"/>
+                    <a:lumOff val="35000"/>
+                  </a:schemeClr>
+                </a:solidFill>
+                <a:latin typeface="Palatino Linotype" panose="02040502050505030304" pitchFamily="18" charset="0"/>
+              </a:rPr>
+              <a:t>01.1_nlp_tour.ipynb</a:t>
+            </a:r>
             <a:endParaRPr lang="en-US" sz="3600" dirty="0"/>
           </a:p>
         </p:txBody>

--- a/presentations/01_nlp_intro.pptx
+++ b/presentations/01_nlp_intro.pptx
@@ -5,25 +5,26 @@
     <p:sldMasterId id="2147483648" r:id="rId1"/>
   </p:sldMasterIdLst>
   <p:notesMasterIdLst>
-    <p:notesMasterId r:id="rId18"/>
+    <p:notesMasterId r:id="rId19"/>
   </p:notesMasterIdLst>
   <p:sldIdLst>
     <p:sldId id="322" r:id="rId2"/>
-    <p:sldId id="346" r:id="rId3"/>
-    <p:sldId id="329" r:id="rId4"/>
-    <p:sldId id="300" r:id="rId5"/>
-    <p:sldId id="301" r:id="rId6"/>
-    <p:sldId id="295" r:id="rId7"/>
-    <p:sldId id="296" r:id="rId8"/>
-    <p:sldId id="302" r:id="rId9"/>
-    <p:sldId id="333" r:id="rId10"/>
-    <p:sldId id="257" r:id="rId11"/>
-    <p:sldId id="328" r:id="rId12"/>
-    <p:sldId id="331" r:id="rId13"/>
-    <p:sldId id="330" r:id="rId14"/>
-    <p:sldId id="332" r:id="rId15"/>
-    <p:sldId id="323" r:id="rId16"/>
-    <p:sldId id="327" r:id="rId17"/>
+    <p:sldId id="300" r:id="rId3"/>
+    <p:sldId id="301" r:id="rId4"/>
+    <p:sldId id="295" r:id="rId5"/>
+    <p:sldId id="296" r:id="rId6"/>
+    <p:sldId id="302" r:id="rId7"/>
+    <p:sldId id="333" r:id="rId8"/>
+    <p:sldId id="257" r:id="rId9"/>
+    <p:sldId id="328" r:id="rId10"/>
+    <p:sldId id="331" r:id="rId11"/>
+    <p:sldId id="330" r:id="rId12"/>
+    <p:sldId id="332" r:id="rId13"/>
+    <p:sldId id="323" r:id="rId14"/>
+    <p:sldId id="327" r:id="rId15"/>
+    <p:sldId id="347" r:id="rId16"/>
+    <p:sldId id="346" r:id="rId17"/>
+    <p:sldId id="329" r:id="rId18"/>
   </p:sldIdLst>
   <p:sldSz cx="12192000" cy="6858000"/>
   <p:notesSz cx="6858000" cy="9144000"/>
@@ -3343,7 +3344,7 @@
           <a:p>
             <a:fld id="{FD93C9B2-20F6-4DB1-B471-224337D0AC79}" type="datetimeFigureOut">
               <a:rPr lang="en-US" smtClean="0"/>
-              <a:t>5/25/2022</a:t>
+              <a:t>10/12/2022</a:t>
             </a:fld>
             <a:endParaRPr lang="en-US"/>
           </a:p>
@@ -3745,215 +3746,105 @@
           <a:bodyPr/>
           <a:lstStyle/>
           <a:p>
-            <a:pPr marL="228600" indent="-228600">
+            <a:pPr algn="l"/>
+            <a:r>
+              <a:rPr lang="en-US" sz="1200" b="0" i="0" u="none" strike="noStrike" baseline="0" dirty="0">
+                <a:latin typeface="+mn-lt"/>
+              </a:rPr>
+              <a:t>Cleaning options – 3 basic options:</a:t>
+            </a:r>
+          </a:p>
+          <a:p>
+            <a:pPr algn="l"/>
+            <a:endParaRPr lang="en-US" sz="1200" b="0" i="0" u="none" strike="noStrike" baseline="0" dirty="0">
+              <a:latin typeface="+mn-lt"/>
+            </a:endParaRPr>
+          </a:p>
+          <a:p>
+            <a:pPr marL="228600" indent="-228600" algn="l">
               <a:buAutoNum type="arabicPeriod"/>
             </a:pPr>
             <a:r>
-              <a:rPr lang="en-US" b="0" i="0" dirty="0">
-                <a:solidFill>
-                  <a:srgbClr val="3C3C3B"/>
-                </a:solidFill>
-                <a:effectLst/>
+              <a:rPr lang="en-US" sz="1200" b="0" i="0" u="none" strike="noStrike" baseline="0" dirty="0">
                 <a:latin typeface="+mn-lt"/>
               </a:rPr>
-              <a:t>Data pre-processing &amp; cleaning accounts for 80+% of the time on an AI project</a:t>
-            </a:r>
-          </a:p>
-          <a:p>
-            <a:pPr marL="228600" indent="-228600">
+              <a:t>Normalize case – we usually don't want "car", "CAR", "Car", and "caR" to be treated as separate entities. To do so, we typically convert all text into lowercase (we could also convert it into uppercase if we wanted).</a:t>
+            </a:r>
+          </a:p>
+          <a:p>
+            <a:pPr marL="228600" indent="-228600" algn="l">
               <a:buAutoNum type="arabicPeriod"/>
             </a:pPr>
             <a:r>
-              <a:rPr lang="en-US" b="0" i="0" dirty="0">
-                <a:solidFill>
-                  <a:srgbClr val="3C3C3B"/>
-                </a:solidFill>
-                <a:effectLst/>
+              <a:rPr lang="en-US" sz="1200" b="0" i="0" u="none" strike="noStrike" baseline="0" dirty="0">
                 <a:latin typeface="+mn-lt"/>
               </a:rPr>
-              <a:t>Data </a:t>
-            </a:r>
-            <a:r>
-              <a:rPr lang="en-US" b="1" i="0" dirty="0">
-                <a:solidFill>
-                  <a:srgbClr val="3C3C3B"/>
-                </a:solidFill>
-                <a:effectLst/>
-                <a:latin typeface="+mn-lt"/>
-              </a:rPr>
-              <a:t>staging</a:t>
-            </a:r>
-            <a:r>
-              <a:rPr lang="en-US" b="0" i="0" dirty="0">
-                <a:solidFill>
-                  <a:srgbClr val="3C3C3B"/>
-                </a:solidFill>
-                <a:effectLst/>
-                <a:latin typeface="+mn-lt"/>
-              </a:rPr>
-              <a:t>: all activities associated with cleaning and prepping data sets – this is critically important (Andrew Ng initiative)</a:t>
-            </a:r>
-          </a:p>
-          <a:p>
-            <a:pPr marL="228600" indent="-228600">
+              <a:t>Remove punctuation as separate tokens.  Again, bear in mind that there could be tasks where punctuations could be important. As an example, when performing sentiment analysis, that is, predicting if the sentiment in the text is positive or negative, an exclamation can add value.</a:t>
+            </a:r>
+          </a:p>
+          <a:p>
+            <a:pPr marL="228600" indent="-228600" algn="l">
               <a:buAutoNum type="arabicPeriod"/>
             </a:pPr>
             <a:r>
-              <a:rPr lang="en-US" b="0" i="0" dirty="0">
-                <a:solidFill>
-                  <a:srgbClr val="3C3C3B"/>
-                </a:solidFill>
-                <a:effectLst/>
+              <a:rPr lang="en-US" sz="1200" b="0" i="0" u="none" strike="noStrike" baseline="0" dirty="0">
                 <a:latin typeface="+mn-lt"/>
               </a:rPr>
-              <a:t>Since 1950’s, programmers have been saying, “Garbage in, Garbage out.”</a:t>
-            </a:r>
-          </a:p>
-          <a:p>
-            <a:pPr marL="228600" indent="-228600">
+              <a:t>A lot of terms that don't add a lot of information/value. These are typically referred to as "</a:t>
+            </a:r>
+            <a:r>
+              <a:rPr lang="en-US" sz="1200" b="1" i="0" u="none" strike="noStrike" baseline="0" dirty="0">
+                <a:latin typeface="+mn-lt"/>
+              </a:rPr>
+              <a:t>stop words</a:t>
+            </a:r>
+            <a:r>
+              <a:rPr lang="en-US" sz="1200" b="0" i="0" u="none" strike="noStrike" baseline="0" dirty="0">
+                <a:latin typeface="+mn-lt"/>
+              </a:rPr>
+              <a:t>". We can think of these as belonging to two broad categories:</a:t>
+            </a:r>
+          </a:p>
+          <a:p>
+            <a:pPr marL="685800" lvl="1" indent="-228600" algn="l">
               <a:buAutoNum type="arabicPeriod"/>
             </a:pPr>
             <a:r>
-              <a:rPr lang="en-US" b="0" i="0" dirty="0">
-                <a:solidFill>
-                  <a:srgbClr val="3C3C3B"/>
-                </a:solidFill>
-                <a:effectLst/>
+              <a:rPr lang="en-US" sz="1200" b="1" i="0" u="none" strike="noStrike" baseline="0" dirty="0">
                 <a:latin typeface="+mn-lt"/>
               </a:rPr>
-              <a:t>Data </a:t>
-            </a:r>
-            <a:r>
-              <a:rPr lang="en-US" b="1" i="0" dirty="0">
-                <a:solidFill>
-                  <a:srgbClr val="3C3C3B"/>
-                </a:solidFill>
-                <a:effectLst/>
+              <a:t>General/functional</a:t>
+            </a:r>
+            <a:r>
+              <a:rPr lang="en-US" sz="1200" b="0" i="0" u="none" strike="noStrike" baseline="0" dirty="0">
                 <a:latin typeface="+mn-lt"/>
               </a:rPr>
-              <a:t>representation</a:t>
-            </a:r>
-            <a:r>
-              <a:rPr lang="en-US" b="0" i="0" dirty="0">
-                <a:solidFill>
-                  <a:srgbClr val="3C3C3B"/>
-                </a:solidFill>
-                <a:effectLst/>
-                <a:latin typeface="+mn-lt"/>
-              </a:rPr>
-              <a:t> is a key NLP process:</a:t>
-            </a:r>
-          </a:p>
-          <a:p>
-            <a:pPr marL="685800" lvl="1" indent="-228600">
+              <a:t>: These are filler words in the language that don't provide a lot of information but help stitch together other informative words to form meaningful sentences, such as "the", "an", "of", and so on.</a:t>
+            </a:r>
+          </a:p>
+          <a:p>
+            <a:pPr marL="685800" lvl="1" indent="-228600" algn="l">
               <a:buAutoNum type="arabicPeriod"/>
             </a:pPr>
             <a:r>
-              <a:rPr lang="en-US" b="0" i="0" dirty="0">
-                <a:solidFill>
-                  <a:srgbClr val="3C3C3B"/>
-                </a:solidFill>
-                <a:effectLst/>
+              <a:rPr lang="en-US" sz="1200" b="1" i="0" u="none" strike="noStrike" baseline="0" dirty="0">
                 <a:latin typeface="+mn-lt"/>
               </a:rPr>
-              <a:t>Representation is converting raw text into something the computer understands</a:t>
-            </a:r>
-          </a:p>
-          <a:p>
-            <a:pPr marL="685800" lvl="1" indent="-228600">
-              <a:buAutoNum type="arabicPeriod"/>
-            </a:pPr>
-            <a:r>
-              <a:rPr lang="en-US" b="0" i="0" dirty="0">
-                <a:solidFill>
-                  <a:srgbClr val="3C3C3B"/>
-                </a:solidFill>
-                <a:effectLst/>
+              <a:t>Contextual</a:t>
+            </a:r>
+            <a:r>
+              <a:rPr lang="en-US" sz="1200" b="0" i="0" u="none" strike="noStrike" baseline="0" dirty="0">
                 <a:latin typeface="+mn-lt"/>
               </a:rPr>
-              <a:t>Word embeddings – now popular (deep learning text representation) – topic of next NLP workshop</a:t>
-            </a:r>
-            <a:endParaRPr lang="en-US" b="1" i="0" dirty="0">
+              <a:t>: These aren't general functional terms, but given the context, don’t add a lot of value. If you're working with reviews of a mobile phone, where all reviews are talking about the phone, the term "phone" itself may not add a lot of information.</a:t>
+            </a:r>
+            <a:endParaRPr lang="en-US" sz="1200" b="0" i="0" dirty="0">
               <a:solidFill>
                 <a:srgbClr val="3C3C3B"/>
               </a:solidFill>
               <a:effectLst/>
               <a:latin typeface="+mn-lt"/>
             </a:endParaRPr>
-          </a:p>
-          <a:p>
-            <a:endParaRPr lang="en-US" b="0" i="0" dirty="0">
-              <a:solidFill>
-                <a:srgbClr val="3C3C3B"/>
-              </a:solidFill>
-              <a:effectLst/>
-              <a:latin typeface="+mn-lt"/>
-            </a:endParaRPr>
-          </a:p>
-          <a:p>
-            <a:r>
-              <a:rPr lang="en-US" b="0" i="0" dirty="0">
-                <a:solidFill>
-                  <a:srgbClr val="3C3C3B"/>
-                </a:solidFill>
-                <a:effectLst/>
-                <a:latin typeface="+mn-lt"/>
-              </a:rPr>
-              <a:t>=====</a:t>
-            </a:r>
-          </a:p>
-          <a:p>
-            <a:r>
-              <a:rPr lang="en-US" b="0" i="0" dirty="0">
-                <a:solidFill>
-                  <a:srgbClr val="3C3C3B"/>
-                </a:solidFill>
-                <a:effectLst/>
-                <a:latin typeface="+mn-lt"/>
-              </a:rPr>
-              <a:t>Data pre-processing and cleaning usually accounts for 80+% of the time spent on an AI project.  Staging the data, as the process is often called, includes all activities associated with cleaning and preparing a data set for analysis.  A properly staged data set is </a:t>
-            </a:r>
-            <a:r>
-              <a:rPr lang="en-US" b="1" i="0" dirty="0">
-                <a:solidFill>
-                  <a:srgbClr val="3C3C3B"/>
-                </a:solidFill>
-                <a:effectLst/>
-                <a:latin typeface="+mn-lt"/>
-              </a:rPr>
-              <a:t>critically</a:t>
-            </a:r>
-            <a:r>
-              <a:rPr lang="en-US" b="0" i="0" dirty="0">
-                <a:solidFill>
-                  <a:srgbClr val="3C3C3B"/>
-                </a:solidFill>
-                <a:effectLst/>
-                <a:latin typeface="+mn-lt"/>
-              </a:rPr>
-              <a:t> important…  For as computer folks have been saying for a long time (since the late 1950’s) – garbage in, garbage out.  This holds true for Natural Language Processing as well.</a:t>
-            </a:r>
-          </a:p>
-          <a:p>
-            <a:endParaRPr lang="en-US" b="0" i="0" dirty="0">
-              <a:solidFill>
-                <a:srgbClr val="3C3C3B"/>
-              </a:solidFill>
-              <a:effectLst/>
-              <a:latin typeface="+mn-lt"/>
-            </a:endParaRPr>
-          </a:p>
-          <a:p>
-            <a:r>
-              <a:rPr lang="en-US" b="0" i="0" dirty="0">
-                <a:solidFill>
-                  <a:srgbClr val="3C3C3B"/>
-                </a:solidFill>
-                <a:effectLst/>
-                <a:latin typeface="+mn-lt"/>
-              </a:rPr>
-              <a:t>One key task in NLP is text data representation – which is, in simple terms, converting raw text into something a model would understand. Word embeddings constitute a deep learning-based approach that has changed the game, providing a powerful representation of text. We'll discuss embeddings in our next workshop.  But first, let’s talk about some basic data pre-processing options.</a:t>
-            </a:r>
           </a:p>
         </p:txBody>
       </p:sp>
@@ -3983,7 +3874,7 @@
     </p:spTree>
     <p:extLst>
       <p:ext uri="{BB962C8B-B14F-4D97-AF65-F5344CB8AC3E}">
-        <p14:creationId xmlns:p14="http://schemas.microsoft.com/office/powerpoint/2010/main" val="3755491919"/>
+        <p14:creationId xmlns:p14="http://schemas.microsoft.com/office/powerpoint/2010/main" val="3014971484"/>
       </p:ext>
     </p:extLst>
   </p:cSld>
@@ -4042,31 +3933,19 @@
               <a:rPr lang="en-US" sz="1200" b="0" i="0" u="none" strike="noStrike" baseline="0" dirty="0">
                 <a:latin typeface="+mn-lt"/>
               </a:rPr>
-              <a:t>The first step in preprocessing is usually </a:t>
+              <a:t>Eat", "eats", "eating", "ate" – are all just variations of the same word, referring to the same action. In most text and spoken language, we have multiple forms of the same word. Typically, we don't want these to be considered as separate tokens.  Stemming is a rule-based approach to achieve normalization by reducing a word to its "stem". The stem is the root of the word before any affixes (an element added to make a variant) are added. This approach is rather simple – chop off the suffix to get the stem. A popular algorithm is the </a:t>
             </a:r>
             <a:r>
               <a:rPr lang="en-US" sz="1200" b="1" i="0" u="none" strike="noStrike" baseline="0" dirty="0">
                 <a:latin typeface="+mn-lt"/>
               </a:rPr>
-              <a:t>tokenization </a:t>
+              <a:t>Porter stemming </a:t>
             </a:r>
             <a:r>
               <a:rPr lang="en-US" sz="1200" b="0" i="0" u="none" strike="noStrike" baseline="0" dirty="0">
                 <a:latin typeface="+mn-lt"/>
               </a:rPr>
-              <a:t>– splitting the raw input text sequence into </a:t>
-            </a:r>
-            <a:r>
-              <a:rPr lang="en-US" sz="1200" b="1" i="0" u="none" strike="noStrike" baseline="0" dirty="0">
-                <a:latin typeface="+mn-lt"/>
-              </a:rPr>
-              <a:t>tokens</a:t>
-            </a:r>
-            <a:r>
-              <a:rPr lang="en-US" sz="1200" b="0" i="0" u="none" strike="noStrike" baseline="0" dirty="0">
-                <a:latin typeface="+mn-lt"/>
-              </a:rPr>
-              <a:t>. In simple terms, it is breaking the raw text into constituent elements that you want to work on. This token can be a paragraph, sentence, word, or even a character. If you want to separate a paragraph into sentences, then you would tokenize the paragraph into sentences. If you want to separate the words in a sentence, then you would tokenize the sentence into words.</a:t>
+              <a:t>algorithm, which applies a series of rules.</a:t>
             </a:r>
             <a:endParaRPr lang="en-US" sz="1200" b="0" i="0" dirty="0">
               <a:solidFill>
@@ -4076,6 +3955,31 @@
               <a:latin typeface="+mn-lt"/>
             </a:endParaRPr>
           </a:p>
+          <a:p>
+            <a:endParaRPr lang="en-US" sz="1200" b="0" i="0" dirty="0">
+              <a:solidFill>
+                <a:srgbClr val="3C3C3B"/>
+              </a:solidFill>
+              <a:effectLst/>
+              <a:latin typeface="+mn-lt"/>
+            </a:endParaRPr>
+          </a:p>
+          <a:p>
+            <a:pPr algn="l"/>
+            <a:r>
+              <a:rPr lang="en-US" sz="1200" b="0" i="0" u="none" strike="noStrike" baseline="0" dirty="0">
+                <a:latin typeface="+mn-lt"/>
+              </a:rPr>
+              <a:t>Lemmatization is a more sophisticated approach that refers to a dictionary and finds a valid root form (the lemma) of the word. Lemmatization works best when the part of speech of the word is also provided – it considers the role the term is playing and returns the appropriate form. The output from a lemmatization step is always a valid English word.</a:t>
+            </a:r>
+            <a:endParaRPr lang="en-US" sz="1200" b="0" i="0" dirty="0">
+              <a:solidFill>
+                <a:srgbClr val="3C3C3B"/>
+              </a:solidFill>
+              <a:effectLst/>
+              <a:latin typeface="+mn-lt"/>
+            </a:endParaRPr>
+          </a:p>
         </p:txBody>
       </p:sp>
       <p:sp>
@@ -4104,7 +4008,7 @@
     </p:spTree>
     <p:extLst>
       <p:ext uri="{BB962C8B-B14F-4D97-AF65-F5344CB8AC3E}">
-        <p14:creationId xmlns:p14="http://schemas.microsoft.com/office/powerpoint/2010/main" val="4011919624"/>
+        <p14:creationId xmlns:p14="http://schemas.microsoft.com/office/powerpoint/2010/main" val="3902871470"/>
       </p:ext>
     </p:extLst>
   </p:cSld>
@@ -4163,100 +4067,8 @@
               <a:rPr lang="en-US" sz="1200" b="0" i="0" u="none" strike="noStrike" baseline="0" dirty="0">
                 <a:latin typeface="+mn-lt"/>
               </a:rPr>
-              <a:t>Cleaning options – 3 basic options:</a:t>
-            </a:r>
-          </a:p>
-          <a:p>
-            <a:pPr algn="l"/>
-            <a:endParaRPr lang="en-US" sz="1200" b="0" i="0" u="none" strike="noStrike" baseline="0" dirty="0">
-              <a:latin typeface="+mn-lt"/>
-            </a:endParaRPr>
-          </a:p>
-          <a:p>
-            <a:pPr marL="228600" indent="-228600" algn="l">
-              <a:buAutoNum type="arabicPeriod"/>
-            </a:pPr>
-            <a:r>
-              <a:rPr lang="en-US" sz="1200" b="0" i="0" u="none" strike="noStrike" baseline="0" dirty="0">
-                <a:latin typeface="+mn-lt"/>
-              </a:rPr>
-              <a:t>Normalize case – we usually don't want "car", "CAR", "Car", and "caR" to be treated as separate entities. To do so, we typically convert all text into lowercase (we could also convert it into uppercase if we wanted).</a:t>
-            </a:r>
-          </a:p>
-          <a:p>
-            <a:pPr marL="228600" indent="-228600" algn="l">
-              <a:buAutoNum type="arabicPeriod"/>
-            </a:pPr>
-            <a:r>
-              <a:rPr lang="en-US" sz="1200" b="0" i="0" u="none" strike="noStrike" baseline="0" dirty="0">
-                <a:latin typeface="+mn-lt"/>
-              </a:rPr>
-              <a:t>Remove punctuation as separate tokens.  Again, bear in mind that there could be tasks where punctuations could be important. As an example, when performing sentiment analysis, that is, predicting if the sentiment in the text is positive or negative, an exclamation can add value.</a:t>
-            </a:r>
-          </a:p>
-          <a:p>
-            <a:pPr marL="228600" indent="-228600" algn="l">
-              <a:buAutoNum type="arabicPeriod"/>
-            </a:pPr>
-            <a:r>
-              <a:rPr lang="en-US" sz="1200" b="0" i="0" u="none" strike="noStrike" baseline="0" dirty="0">
-                <a:latin typeface="+mn-lt"/>
-              </a:rPr>
-              <a:t>A lot of terms that don't add a lot of information/value. These are typically referred to as "</a:t>
-            </a:r>
-            <a:r>
-              <a:rPr lang="en-US" sz="1200" b="1" i="0" u="none" strike="noStrike" baseline="0" dirty="0">
-                <a:latin typeface="+mn-lt"/>
-              </a:rPr>
-              <a:t>stop words</a:t>
-            </a:r>
-            <a:r>
-              <a:rPr lang="en-US" sz="1200" b="0" i="0" u="none" strike="noStrike" baseline="0" dirty="0">
-                <a:latin typeface="+mn-lt"/>
-              </a:rPr>
-              <a:t>". We can think of these as belonging to two broad categories:</a:t>
-            </a:r>
-          </a:p>
-          <a:p>
-            <a:pPr marL="685800" lvl="1" indent="-228600" algn="l">
-              <a:buAutoNum type="arabicPeriod"/>
-            </a:pPr>
-            <a:r>
-              <a:rPr lang="en-US" sz="1200" b="1" i="0" u="none" strike="noStrike" baseline="0" dirty="0">
-                <a:latin typeface="+mn-lt"/>
-              </a:rPr>
-              <a:t>General/functional</a:t>
-            </a:r>
-            <a:r>
-              <a:rPr lang="en-US" sz="1200" b="0" i="0" u="none" strike="noStrike" baseline="0" dirty="0">
-                <a:latin typeface="+mn-lt"/>
-              </a:rPr>
-              <a:t>: These are filler words in the language that don't provide a lot of information but help stitch together other informative words to form meaningful sentences, such as "the", "an", "of", and so on.</a:t>
-            </a:r>
-          </a:p>
-          <a:p>
-            <a:pPr marL="685800" lvl="1" indent="-228600" algn="l">
-              <a:buAutoNum type="arabicPeriod"/>
-            </a:pPr>
-            <a:r>
-              <a:rPr lang="en-US" sz="1200" b="1" i="0" u="none" strike="noStrike" baseline="0" dirty="0">
-                <a:latin typeface="+mn-lt"/>
-              </a:rPr>
-              <a:t>Contextual</a:t>
-            </a:r>
-            <a:r>
-              <a:rPr lang="en-US" sz="1200" b="0" i="0" u="none" strike="noStrike" baseline="0" dirty="0">
-                <a:latin typeface="+mn-lt"/>
-              </a:rPr>
-              <a:t>: These aren't general functional terms, but given the context, don’t add a lot of value. If you're working with reviews of a mobile phone, where all reviews are talking about the phone, the term "phone" itself may not add a lot of information.</a:t>
-            </a:r>
-            <a:endParaRPr lang="en-US" sz="1200" b="0" i="0" dirty="0">
-              <a:solidFill>
-                <a:srgbClr val="3C3C3B"/>
-              </a:solidFill>
-              <a:effectLst/>
-              <a:latin typeface="+mn-lt"/>
-            </a:endParaRPr>
+              <a:t>One-hot encoding is one of the most intuitive approaches toward text representation. A one-hot encoded feature is a binary indicator of a term being present in the text. It's a simple approach that is easy to interpret – the presence or absence of a word.  Here we see that the term “nlp” appears in the input text in the first and third rows.  So for those rows, we say it’s ‘one-hot encoded” with its indicator variable set to one.  Otherwise, it’s zero.  And the same holds true for the other words. </a:t>
+            </a:r>
           </a:p>
         </p:txBody>
       </p:sp>
@@ -4286,7 +4098,7 @@
     </p:spTree>
     <p:extLst>
       <p:ext uri="{BB962C8B-B14F-4D97-AF65-F5344CB8AC3E}">
-        <p14:creationId xmlns:p14="http://schemas.microsoft.com/office/powerpoint/2010/main" val="3014971484"/>
+        <p14:creationId xmlns:p14="http://schemas.microsoft.com/office/powerpoint/2010/main" val="3950257528"/>
       </p:ext>
     </p:extLst>
   </p:cSld>
@@ -4340,57 +4152,177 @@
           <a:bodyPr/>
           <a:lstStyle/>
           <a:p>
-            <a:pPr algn="l"/>
-            <a:r>
-              <a:rPr lang="en-US" sz="1200" b="0" i="0" u="none" strike="noStrike" baseline="0" dirty="0">
-                <a:latin typeface="+mn-lt"/>
-              </a:rPr>
-              <a:t>Eat", "eats", "eating", "ate" – are all just variations of the same word, referring to the same action. In most text and spoken language, we have multiple forms of the same word. Typically, we don't want these to be considered as separate tokens.  Stemming is a rule-based approach to achieve normalization by reducing a word to its "stem". The stem is the root of the word before any affixes (an element added to make a variant) are added. This approach is rather simple – chop off the suffix to get the stem. A popular algorithm is the </a:t>
-            </a:r>
-            <a:r>
-              <a:rPr lang="en-US" sz="1200" b="1" i="0" u="none" strike="noStrike" baseline="0" dirty="0">
-                <a:latin typeface="+mn-lt"/>
-              </a:rPr>
-              <a:t>Porter stemming </a:t>
-            </a:r>
-            <a:r>
-              <a:rPr lang="en-US" sz="1200" b="0" i="0" u="none" strike="noStrike" baseline="0" dirty="0">
-                <a:latin typeface="+mn-lt"/>
-              </a:rPr>
-              <a:t>algorithm, which applies a series of rules.</a:t>
-            </a:r>
-            <a:endParaRPr lang="en-US" sz="1200" b="0" i="0" dirty="0">
+            <a:pPr marL="0" indent="0">
+              <a:buFont typeface="Arial" panose="020B0604020202020204" pitchFamily="34" charset="0"/>
+              <a:buNone/>
+            </a:pPr>
+            <a:r>
+              <a:rPr lang="en-US" sz="1200" dirty="0">
+                <a:solidFill>
+                  <a:schemeClr val="tx1">
+                    <a:lumMod val="65000"/>
+                    <a:lumOff val="35000"/>
+                  </a:schemeClr>
+                </a:solidFill>
+                <a:latin typeface="Palatino Linotype" panose="02040502050505030304" pitchFamily="18" charset="0"/>
+              </a:rPr>
+              <a:t>Today’s second notebook contains three data prep exercises, with a fourth one that is optional:</a:t>
+            </a:r>
+          </a:p>
+          <a:p>
+            <a:pPr marL="0" indent="0">
+              <a:buFont typeface="Arial" panose="020B0604020202020204" pitchFamily="34" charset="0"/>
+              <a:buNone/>
+            </a:pPr>
+            <a:endParaRPr lang="en-US" sz="1200" dirty="0">
               <a:solidFill>
-                <a:srgbClr val="3C3C3B"/>
+                <a:schemeClr val="tx1">
+                  <a:lumMod val="65000"/>
+                  <a:lumOff val="35000"/>
+                </a:schemeClr>
               </a:solidFill>
-              <a:effectLst/>
-              <a:latin typeface="+mn-lt"/>
+              <a:latin typeface="Palatino Linotype" panose="02040502050505030304" pitchFamily="18" charset="0"/>
             </a:endParaRPr>
           </a:p>
           <a:p>
-            <a:endParaRPr lang="en-US" sz="1200" b="0" i="0" dirty="0">
-              <a:solidFill>
-                <a:srgbClr val="3C3C3B"/>
-              </a:solidFill>
-              <a:effectLst/>
-              <a:latin typeface="+mn-lt"/>
-            </a:endParaRPr>
-          </a:p>
-          <a:p>
-            <a:pPr algn="l"/>
-            <a:r>
-              <a:rPr lang="en-US" sz="1200" b="0" i="0" u="none" strike="noStrike" baseline="0" dirty="0">
-                <a:latin typeface="+mn-lt"/>
-              </a:rPr>
-              <a:t>Lemmatization is a more sophisticated approach that refers to a dictionary and finds a valid root form (the lemma) of the word. Lemmatization works best when the part of speech of the word is also provided – it considers the role the term is playing and returns the appropriate form. The output from a lemmatization step is always a valid English word.</a:t>
-            </a:r>
-            <a:endParaRPr lang="en-US" sz="1200" b="0" i="0" dirty="0">
-              <a:solidFill>
-                <a:srgbClr val="3C3C3B"/>
-              </a:solidFill>
-              <a:effectLst/>
-              <a:latin typeface="+mn-lt"/>
-            </a:endParaRPr>
+            <a:pPr marL="171450" indent="-171450">
+              <a:buFont typeface="Arial" panose="020B0604020202020204" pitchFamily="34" charset="0"/>
+              <a:buChar char="•"/>
+            </a:pPr>
+            <a:r>
+              <a:rPr lang="en-US" sz="1200" dirty="0">
+                <a:solidFill>
+                  <a:schemeClr val="tx1">
+                    <a:lumMod val="65000"/>
+                    <a:lumOff val="35000"/>
+                  </a:schemeClr>
+                </a:solidFill>
+                <a:latin typeface="Palatino Linotype" panose="02040502050505030304" pitchFamily="18" charset="0"/>
+              </a:rPr>
+              <a:t>4.01 (Tokenization, Case Normalization, and Stop Word Removal) – page 166</a:t>
+            </a:r>
+          </a:p>
+          <a:p>
+            <a:pPr marL="171450" indent="-171450">
+              <a:buFont typeface="Arial" panose="020B0604020202020204" pitchFamily="34" charset="0"/>
+              <a:buChar char="•"/>
+            </a:pPr>
+            <a:r>
+              <a:rPr lang="en-US" sz="1200" dirty="0">
+                <a:solidFill>
+                  <a:schemeClr val="tx1">
+                    <a:lumMod val="65000"/>
+                    <a:lumOff val="35000"/>
+                  </a:schemeClr>
+                </a:solidFill>
+                <a:latin typeface="Palatino Linotype" panose="02040502050505030304" pitchFamily="18" charset="0"/>
+              </a:rPr>
+              <a:t>4.02 (Stemming our Data) – page 172</a:t>
+            </a:r>
+          </a:p>
+          <a:p>
+            <a:pPr marL="171450" indent="-171450">
+              <a:buFont typeface="Arial" panose="020B0604020202020204" pitchFamily="34" charset="0"/>
+              <a:buChar char="•"/>
+            </a:pPr>
+            <a:r>
+              <a:rPr lang="en-US" sz="1200" dirty="0">
+                <a:solidFill>
+                  <a:schemeClr val="tx1">
+                    <a:lumMod val="65000"/>
+                    <a:lumOff val="35000"/>
+                  </a:schemeClr>
+                </a:solidFill>
+                <a:latin typeface="Palatino Linotype" panose="02040502050505030304" pitchFamily="18" charset="0"/>
+              </a:rPr>
+              <a:t>4.03 (</a:t>
+            </a:r>
+            <a:r>
+              <a:rPr lang="en-US" sz="1200" b="0" i="0" dirty="0">
+                <a:solidFill>
+                  <a:schemeClr val="tx1">
+                    <a:lumMod val="65000"/>
+                    <a:lumOff val="35000"/>
+                  </a:schemeClr>
+                </a:solidFill>
+                <a:effectLst/>
+                <a:latin typeface="Palatino Linotype" panose="02040502050505030304" pitchFamily="18" charset="0"/>
+              </a:rPr>
+              <a:t>Creating One-Hot Encoding for Our Data</a:t>
+            </a:r>
+            <a:r>
+              <a:rPr lang="en-US" sz="1200" dirty="0">
+                <a:solidFill>
+                  <a:schemeClr val="tx1">
+                    <a:lumMod val="65000"/>
+                    <a:lumOff val="35000"/>
+                  </a:schemeClr>
+                </a:solidFill>
+                <a:latin typeface="Palatino Linotype" panose="02040502050505030304" pitchFamily="18" charset="0"/>
+              </a:rPr>
+              <a:t>) – page 181</a:t>
+            </a:r>
+            <a:endParaRPr lang="en-US" dirty="0"/>
+          </a:p>
+          <a:p>
+            <a:pPr marL="0" marR="0" lvl="0" indent="0" algn="l" defTabSz="914400" rtl="0" eaLnBrk="1" fontAlgn="auto" latinLnBrk="0" hangingPunct="1">
+              <a:lnSpc>
+                <a:spcPct val="100000"/>
+              </a:lnSpc>
+              <a:spcBef>
+                <a:spcPts val="0"/>
+              </a:spcBef>
+              <a:spcAft>
+                <a:spcPts val="0"/>
+              </a:spcAft>
+              <a:buClrTx/>
+              <a:buSzTx/>
+              <a:buFontTx/>
+              <a:buNone/>
+              <a:tabLst/>
+              <a:defRPr/>
+            </a:pPr>
+            <a:endParaRPr lang="en-US" dirty="0"/>
+          </a:p>
+          <a:p>
+            <a:pPr marL="0" marR="0" lvl="0" indent="0" algn="l" defTabSz="914400" rtl="0" eaLnBrk="1" fontAlgn="auto" latinLnBrk="0" hangingPunct="1">
+              <a:lnSpc>
+                <a:spcPct val="100000"/>
+              </a:lnSpc>
+              <a:spcBef>
+                <a:spcPts val="0"/>
+              </a:spcBef>
+              <a:spcAft>
+                <a:spcPts val="0"/>
+              </a:spcAft>
+              <a:buClrTx/>
+              <a:buSzTx/>
+              <a:buFontTx/>
+              <a:buNone/>
+              <a:tabLst/>
+              <a:defRPr/>
+            </a:pPr>
+            <a:endParaRPr lang="en-US" dirty="0"/>
+          </a:p>
+          <a:p>
+            <a:pPr marL="0" marR="0" lvl="0" indent="0" algn="l" defTabSz="914400" rtl="0" eaLnBrk="1" fontAlgn="auto" latinLnBrk="0" hangingPunct="1">
+              <a:lnSpc>
+                <a:spcPct val="100000"/>
+              </a:lnSpc>
+              <a:spcBef>
+                <a:spcPts val="0"/>
+              </a:spcBef>
+              <a:spcAft>
+                <a:spcPts val="0"/>
+              </a:spcAft>
+              <a:buClrTx/>
+              <a:buSzTx/>
+              <a:buFontTx/>
+              <a:buNone/>
+              <a:tabLst/>
+              <a:defRPr/>
+            </a:pPr>
+            <a:endParaRPr lang="en-US" dirty="0"/>
           </a:p>
         </p:txBody>
       </p:sp>
@@ -4420,7 +4352,7 @@
     </p:spTree>
     <p:extLst>
       <p:ext uri="{BB962C8B-B14F-4D97-AF65-F5344CB8AC3E}">
-        <p14:creationId xmlns:p14="http://schemas.microsoft.com/office/powerpoint/2010/main" val="3902871470"/>
+        <p14:creationId xmlns:p14="http://schemas.microsoft.com/office/powerpoint/2010/main" val="2820707112"/>
       </p:ext>
     </p:extLst>
   </p:cSld>
@@ -4474,13 +4406,99 @@
           <a:bodyPr/>
           <a:lstStyle/>
           <a:p>
-            <a:pPr algn="l"/>
-            <a:r>
-              <a:rPr lang="en-US" sz="1200" b="0" i="0" u="none" strike="noStrike" baseline="0" dirty="0">
-                <a:latin typeface="+mn-lt"/>
-              </a:rPr>
-              <a:t>One-hot encoding is one of the most intuitive approaches toward text representation. A one-hot encoded feature is a binary indicator of a term being present in the text. It's a simple approach that is easy to interpret – the presence or absence of a word.  Here we see that the term “nlp” appears in the input text in the first and third rows.  So for those rows, we say it’s ‘one-hot encoded” with its indicator variable set to one.  Otherwise, it’s zero.  And the same holds true for the other words. </a:t>
-            </a:r>
+            <a:pPr marL="0" marR="0" lvl="0" indent="0" algn="l" defTabSz="914400" rtl="0" eaLnBrk="1" fontAlgn="auto" latinLnBrk="0" hangingPunct="1">
+              <a:lnSpc>
+                <a:spcPct val="100000"/>
+              </a:lnSpc>
+              <a:spcBef>
+                <a:spcPts val="0"/>
+              </a:spcBef>
+              <a:spcAft>
+                <a:spcPts val="0"/>
+              </a:spcAft>
+              <a:buClrTx/>
+              <a:buSzTx/>
+              <a:buFontTx/>
+              <a:buNone/>
+              <a:tabLst/>
+              <a:defRPr/>
+            </a:pPr>
+            <a:r>
+              <a:rPr lang="en-US" dirty="0"/>
+              <a:t>This exercise is optional and is included in the notebook for this session.</a:t>
+            </a:r>
+          </a:p>
+          <a:p>
+            <a:pPr marL="0" marR="0" lvl="0" indent="0" algn="l" defTabSz="914400" rtl="0" eaLnBrk="1" fontAlgn="auto" latinLnBrk="0" hangingPunct="1">
+              <a:lnSpc>
+                <a:spcPct val="100000"/>
+              </a:lnSpc>
+              <a:spcBef>
+                <a:spcPts val="0"/>
+              </a:spcBef>
+              <a:spcAft>
+                <a:spcPts val="0"/>
+              </a:spcAft>
+              <a:buClrTx/>
+              <a:buSzTx/>
+              <a:buFontTx/>
+              <a:buNone/>
+              <a:tabLst/>
+              <a:defRPr/>
+            </a:pPr>
+            <a:endParaRPr lang="en-US" dirty="0"/>
+          </a:p>
+          <a:p>
+            <a:pPr marL="0" marR="0" lvl="0" indent="0" algn="l" defTabSz="914400" rtl="0" eaLnBrk="1" fontAlgn="auto" latinLnBrk="0" hangingPunct="1">
+              <a:lnSpc>
+                <a:spcPct val="100000"/>
+              </a:lnSpc>
+              <a:spcBef>
+                <a:spcPts val="0"/>
+              </a:spcBef>
+              <a:spcAft>
+                <a:spcPts val="0"/>
+              </a:spcAft>
+              <a:buClrTx/>
+              <a:buSzTx/>
+              <a:buFontTx/>
+              <a:buNone/>
+              <a:tabLst/>
+              <a:defRPr/>
+            </a:pPr>
+            <a:r>
+              <a:rPr lang="en-US" sz="1200" dirty="0">
+                <a:solidFill>
+                  <a:schemeClr val="tx1">
+                    <a:lumMod val="65000"/>
+                    <a:lumOff val="35000"/>
+                  </a:schemeClr>
+                </a:solidFill>
+                <a:latin typeface="Palatino Linotype" panose="02040502050505030304" pitchFamily="18" charset="0"/>
+                <a:cs typeface="Segoe UI Light" panose="020B0502040204020203" pitchFamily="34" charset="0"/>
+              </a:rPr>
+              <a:t>4.04 (Document Term Matrix with TF-IDF) - Page 188</a:t>
+            </a:r>
+          </a:p>
+          <a:p>
+            <a:pPr marL="0" marR="0" lvl="0" indent="0" algn="l" defTabSz="914400" rtl="0" eaLnBrk="1" fontAlgn="auto" latinLnBrk="0" hangingPunct="1">
+              <a:lnSpc>
+                <a:spcPct val="100000"/>
+              </a:lnSpc>
+              <a:spcBef>
+                <a:spcPts val="0"/>
+              </a:spcBef>
+              <a:spcAft>
+                <a:spcPts val="0"/>
+              </a:spcAft>
+              <a:buClrTx/>
+              <a:buSzTx/>
+              <a:buFontTx/>
+              <a:buNone/>
+              <a:tabLst/>
+              <a:defRPr/>
+            </a:pPr>
+            <a:endParaRPr lang="en-US" dirty="0"/>
           </a:p>
         </p:txBody>
       </p:sp>
@@ -4510,7 +4528,7 @@
     </p:spTree>
     <p:extLst>
       <p:ext uri="{BB962C8B-B14F-4D97-AF65-F5344CB8AC3E}">
-        <p14:creationId xmlns:p14="http://schemas.microsoft.com/office/powerpoint/2010/main" val="3950257528"/>
+        <p14:creationId xmlns:p14="http://schemas.microsoft.com/office/powerpoint/2010/main" val="1974960137"/>
       </p:ext>
     </p:extLst>
   </p:cSld>
@@ -4564,177 +4582,14 @@
           <a:bodyPr/>
           <a:lstStyle/>
           <a:p>
-            <a:pPr marL="0" indent="0">
-              <a:buFont typeface="Arial" panose="020B0604020202020204" pitchFamily="34" charset="0"/>
-              <a:buNone/>
-            </a:pPr>
-            <a:r>
-              <a:rPr lang="en-US" sz="1200" dirty="0">
-                <a:solidFill>
-                  <a:schemeClr val="tx1">
-                    <a:lumMod val="65000"/>
-                    <a:lumOff val="35000"/>
-                  </a:schemeClr>
-                </a:solidFill>
-                <a:latin typeface="Palatino Linotype" panose="02040502050505030304" pitchFamily="18" charset="0"/>
-              </a:rPr>
-              <a:t>Today’s second notebook contains three data prep exercises, with a fourth one that is optional:</a:t>
-            </a:r>
-          </a:p>
-          <a:p>
-            <a:pPr marL="0" indent="0">
-              <a:buFont typeface="Arial" panose="020B0604020202020204" pitchFamily="34" charset="0"/>
-              <a:buNone/>
-            </a:pPr>
-            <a:endParaRPr lang="en-US" sz="1200" dirty="0">
-              <a:solidFill>
-                <a:schemeClr val="tx1">
-                  <a:lumMod val="65000"/>
-                  <a:lumOff val="35000"/>
-                </a:schemeClr>
-              </a:solidFill>
+            <a:endParaRPr lang="en-US" dirty="0">
               <a:latin typeface="Palatino Linotype" panose="02040502050505030304" pitchFamily="18" charset="0"/>
             </a:endParaRPr>
           </a:p>
           <a:p>
-            <a:pPr marL="171450" indent="-171450">
-              <a:buFont typeface="Arial" panose="020B0604020202020204" pitchFamily="34" charset="0"/>
-              <a:buChar char="•"/>
-            </a:pPr>
-            <a:r>
-              <a:rPr lang="en-US" sz="1200" dirty="0">
-                <a:solidFill>
-                  <a:schemeClr val="tx1">
-                    <a:lumMod val="65000"/>
-                    <a:lumOff val="35000"/>
-                  </a:schemeClr>
-                </a:solidFill>
-                <a:latin typeface="Palatino Linotype" panose="02040502050505030304" pitchFamily="18" charset="0"/>
-              </a:rPr>
-              <a:t>4.01 (Tokenization, Case Normalization, and Stop Word Removal) – page 166</a:t>
-            </a:r>
-          </a:p>
-          <a:p>
-            <a:pPr marL="171450" indent="-171450">
-              <a:buFont typeface="Arial" panose="020B0604020202020204" pitchFamily="34" charset="0"/>
-              <a:buChar char="•"/>
-            </a:pPr>
-            <a:r>
-              <a:rPr lang="en-US" sz="1200" dirty="0">
-                <a:solidFill>
-                  <a:schemeClr val="tx1">
-                    <a:lumMod val="65000"/>
-                    <a:lumOff val="35000"/>
-                  </a:schemeClr>
-                </a:solidFill>
-                <a:latin typeface="Palatino Linotype" panose="02040502050505030304" pitchFamily="18" charset="0"/>
-              </a:rPr>
-              <a:t>4.02 (Stemming our Data) – page 172</a:t>
-            </a:r>
-          </a:p>
-          <a:p>
-            <a:pPr marL="171450" indent="-171450">
-              <a:buFont typeface="Arial" panose="020B0604020202020204" pitchFamily="34" charset="0"/>
-              <a:buChar char="•"/>
-            </a:pPr>
-            <a:r>
-              <a:rPr lang="en-US" sz="1200" dirty="0">
-                <a:solidFill>
-                  <a:schemeClr val="tx1">
-                    <a:lumMod val="65000"/>
-                    <a:lumOff val="35000"/>
-                  </a:schemeClr>
-                </a:solidFill>
-                <a:latin typeface="Palatino Linotype" panose="02040502050505030304" pitchFamily="18" charset="0"/>
-              </a:rPr>
-              <a:t>4.03 (</a:t>
-            </a:r>
-            <a:r>
-              <a:rPr lang="en-US" sz="1200" b="0" i="0" dirty="0">
-                <a:solidFill>
-                  <a:schemeClr val="tx1">
-                    <a:lumMod val="65000"/>
-                    <a:lumOff val="35000"/>
-                  </a:schemeClr>
-                </a:solidFill>
-                <a:effectLst/>
-                <a:latin typeface="Palatino Linotype" panose="02040502050505030304" pitchFamily="18" charset="0"/>
-              </a:rPr>
-              <a:t>Creating One-Hot Encoding for Our Data</a:t>
-            </a:r>
-            <a:r>
-              <a:rPr lang="en-US" sz="1200" dirty="0">
-                <a:solidFill>
-                  <a:schemeClr val="tx1">
-                    <a:lumMod val="65000"/>
-                    <a:lumOff val="35000"/>
-                  </a:schemeClr>
-                </a:solidFill>
-                <a:latin typeface="Palatino Linotype" panose="02040502050505030304" pitchFamily="18" charset="0"/>
-              </a:rPr>
-              <a:t>) – page 181</a:t>
-            </a:r>
-            <a:endParaRPr lang="en-US" dirty="0"/>
-          </a:p>
-          <a:p>
-            <a:pPr marL="0" marR="0" lvl="0" indent="0" algn="l" defTabSz="914400" rtl="0" eaLnBrk="1" fontAlgn="auto" latinLnBrk="0" hangingPunct="1">
-              <a:lnSpc>
-                <a:spcPct val="100000"/>
-              </a:lnSpc>
-              <a:spcBef>
-                <a:spcPts val="0"/>
-              </a:spcBef>
-              <a:spcAft>
-                <a:spcPts val="0"/>
-              </a:spcAft>
-              <a:buClrTx/>
-              <a:buSzTx/>
-              <a:buFontTx/>
-              <a:buNone/>
-              <a:tabLst/>
-              <a:defRPr/>
-            </a:pPr>
-            <a:endParaRPr lang="en-US" dirty="0"/>
-          </a:p>
-          <a:p>
-            <a:pPr marL="0" marR="0" lvl="0" indent="0" algn="l" defTabSz="914400" rtl="0" eaLnBrk="1" fontAlgn="auto" latinLnBrk="0" hangingPunct="1">
-              <a:lnSpc>
-                <a:spcPct val="100000"/>
-              </a:lnSpc>
-              <a:spcBef>
-                <a:spcPts val="0"/>
-              </a:spcBef>
-              <a:spcAft>
-                <a:spcPts val="0"/>
-              </a:spcAft>
-              <a:buClrTx/>
-              <a:buSzTx/>
-              <a:buFontTx/>
-              <a:buNone/>
-              <a:tabLst/>
-              <a:defRPr/>
-            </a:pPr>
-            <a:endParaRPr lang="en-US" dirty="0"/>
-          </a:p>
-          <a:p>
-            <a:pPr marL="0" marR="0" lvl="0" indent="0" algn="l" defTabSz="914400" rtl="0" eaLnBrk="1" fontAlgn="auto" latinLnBrk="0" hangingPunct="1">
-              <a:lnSpc>
-                <a:spcPct val="100000"/>
-              </a:lnSpc>
-              <a:spcBef>
-                <a:spcPts val="0"/>
-              </a:spcBef>
-              <a:spcAft>
-                <a:spcPts val="0"/>
-              </a:spcAft>
-              <a:buClrTx/>
-              <a:buSzTx/>
-              <a:buFontTx/>
-              <a:buNone/>
-              <a:tabLst/>
-              <a:defRPr/>
-            </a:pPr>
-            <a:endParaRPr lang="en-US" dirty="0"/>
+            <a:endParaRPr lang="en-US" dirty="0">
+              <a:latin typeface="Palatino Linotype" panose="02040502050505030304" pitchFamily="18" charset="0"/>
+            </a:endParaRPr>
           </a:p>
         </p:txBody>
       </p:sp>
@@ -4755,7 +4610,7 @@
           <a:p>
             <a:fld id="{3148858F-F1DB-4027-9C85-CCA6849540DD}" type="slidenum">
               <a:rPr lang="en-US" smtClean="0"/>
-              <a:t>15</a:t>
+              <a:t>16</a:t>
             </a:fld>
             <a:endParaRPr lang="en-US"/>
           </a:p>
@@ -4764,7 +4619,7 @@
     </p:spTree>
     <p:extLst>
       <p:ext uri="{BB962C8B-B14F-4D97-AF65-F5344CB8AC3E}">
-        <p14:creationId xmlns:p14="http://schemas.microsoft.com/office/powerpoint/2010/main" val="2820707112"/>
+        <p14:creationId xmlns:p14="http://schemas.microsoft.com/office/powerpoint/2010/main" val="2023840696"/>
       </p:ext>
     </p:extLst>
   </p:cSld>
@@ -4818,98 +4673,6 @@
           <a:bodyPr/>
           <a:lstStyle/>
           <a:p>
-            <a:pPr marL="0" marR="0" lvl="0" indent="0" algn="l" defTabSz="914400" rtl="0" eaLnBrk="1" fontAlgn="auto" latinLnBrk="0" hangingPunct="1">
-              <a:lnSpc>
-                <a:spcPct val="100000"/>
-              </a:lnSpc>
-              <a:spcBef>
-                <a:spcPts val="0"/>
-              </a:spcBef>
-              <a:spcAft>
-                <a:spcPts val="0"/>
-              </a:spcAft>
-              <a:buClrTx/>
-              <a:buSzTx/>
-              <a:buFontTx/>
-              <a:buNone/>
-              <a:tabLst/>
-              <a:defRPr/>
-            </a:pPr>
-            <a:r>
-              <a:rPr lang="en-US" dirty="0"/>
-              <a:t>This exercise is optional and is included in the notebook for this session.</a:t>
-            </a:r>
-          </a:p>
-          <a:p>
-            <a:pPr marL="0" marR="0" lvl="0" indent="0" algn="l" defTabSz="914400" rtl="0" eaLnBrk="1" fontAlgn="auto" latinLnBrk="0" hangingPunct="1">
-              <a:lnSpc>
-                <a:spcPct val="100000"/>
-              </a:lnSpc>
-              <a:spcBef>
-                <a:spcPts val="0"/>
-              </a:spcBef>
-              <a:spcAft>
-                <a:spcPts val="0"/>
-              </a:spcAft>
-              <a:buClrTx/>
-              <a:buSzTx/>
-              <a:buFontTx/>
-              <a:buNone/>
-              <a:tabLst/>
-              <a:defRPr/>
-            </a:pPr>
-            <a:endParaRPr lang="en-US" dirty="0"/>
-          </a:p>
-          <a:p>
-            <a:pPr marL="0" marR="0" lvl="0" indent="0" algn="l" defTabSz="914400" rtl="0" eaLnBrk="1" fontAlgn="auto" latinLnBrk="0" hangingPunct="1">
-              <a:lnSpc>
-                <a:spcPct val="100000"/>
-              </a:lnSpc>
-              <a:spcBef>
-                <a:spcPts val="0"/>
-              </a:spcBef>
-              <a:spcAft>
-                <a:spcPts val="0"/>
-              </a:spcAft>
-              <a:buClrTx/>
-              <a:buSzTx/>
-              <a:buFontTx/>
-              <a:buNone/>
-              <a:tabLst/>
-              <a:defRPr/>
-            </a:pPr>
-            <a:r>
-              <a:rPr lang="en-US" sz="1200" dirty="0">
-                <a:solidFill>
-                  <a:schemeClr val="tx1">
-                    <a:lumMod val="65000"/>
-                    <a:lumOff val="35000"/>
-                  </a:schemeClr>
-                </a:solidFill>
-                <a:latin typeface="Palatino Linotype" panose="02040502050505030304" pitchFamily="18" charset="0"/>
-                <a:cs typeface="Segoe UI Light" panose="020B0502040204020203" pitchFamily="34" charset="0"/>
-              </a:rPr>
-              <a:t>4.04 (Document Term Matrix with TF-IDF) - Page 188</a:t>
-            </a:r>
-          </a:p>
-          <a:p>
-            <a:pPr marL="0" marR="0" lvl="0" indent="0" algn="l" defTabSz="914400" rtl="0" eaLnBrk="1" fontAlgn="auto" latinLnBrk="0" hangingPunct="1">
-              <a:lnSpc>
-                <a:spcPct val="100000"/>
-              </a:lnSpc>
-              <a:spcBef>
-                <a:spcPts val="0"/>
-              </a:spcBef>
-              <a:spcAft>
-                <a:spcPts val="0"/>
-              </a:spcAft>
-              <a:buClrTx/>
-              <a:buSzTx/>
-              <a:buFontTx/>
-              <a:buNone/>
-              <a:tabLst/>
-              <a:defRPr/>
-            </a:pPr>
             <a:endParaRPr lang="en-US" dirty="0"/>
           </a:p>
         </p:txBody>
@@ -4931,7 +4694,7 @@
           <a:p>
             <a:fld id="{3148858F-F1DB-4027-9C85-CCA6849540DD}" type="slidenum">
               <a:rPr lang="en-US" smtClean="0"/>
-              <a:t>16</a:t>
+              <a:t>17</a:t>
             </a:fld>
             <a:endParaRPr lang="en-US"/>
           </a:p>
@@ -4940,7 +4703,7 @@
     </p:spTree>
     <p:extLst>
       <p:ext uri="{BB962C8B-B14F-4D97-AF65-F5344CB8AC3E}">
-        <p14:creationId xmlns:p14="http://schemas.microsoft.com/office/powerpoint/2010/main" val="1974960137"/>
+        <p14:creationId xmlns:p14="http://schemas.microsoft.com/office/powerpoint/2010/main" val="1555070171"/>
       </p:ext>
     </p:extLst>
   </p:cSld>
@@ -4994,14 +4757,356 @@
           <a:bodyPr/>
           <a:lstStyle/>
           <a:p>
-            <a:endParaRPr lang="en-US" dirty="0">
-              <a:latin typeface="Palatino Linotype" panose="02040502050505030304" pitchFamily="18" charset="0"/>
+            <a:pPr marL="228600" marR="0" lvl="0" indent="-228600" algn="l" defTabSz="914400" rtl="0" eaLnBrk="1" fontAlgn="auto" latinLnBrk="0" hangingPunct="1">
+              <a:lnSpc>
+                <a:spcPct val="100000"/>
+              </a:lnSpc>
+              <a:spcBef>
+                <a:spcPts val="0"/>
+              </a:spcBef>
+              <a:spcAft>
+                <a:spcPts val="0"/>
+              </a:spcAft>
+              <a:buClrTx/>
+              <a:buSzTx/>
+              <a:buFontTx/>
+              <a:buAutoNum type="arabicPeriod"/>
+              <a:tabLst/>
+              <a:defRPr/>
+            </a:pPr>
+            <a:r>
+              <a:rPr lang="en-US" b="0" i="0" dirty="0">
+                <a:solidFill>
+                  <a:srgbClr val="3C3C3B"/>
+                </a:solidFill>
+                <a:effectLst/>
+                <a:latin typeface="+mn-lt"/>
+              </a:rPr>
+              <a:t>Natural language Processing (NLP) lies at the intersection of AI, linguistics, and computer science</a:t>
+            </a:r>
+          </a:p>
+          <a:p>
+            <a:pPr marL="228600" marR="0" lvl="0" indent="-228600" algn="l" defTabSz="914400" rtl="0" eaLnBrk="1" fontAlgn="auto" latinLnBrk="0" hangingPunct="1">
+              <a:lnSpc>
+                <a:spcPct val="100000"/>
+              </a:lnSpc>
+              <a:spcBef>
+                <a:spcPts val="0"/>
+              </a:spcBef>
+              <a:spcAft>
+                <a:spcPts val="0"/>
+              </a:spcAft>
+              <a:buClrTx/>
+              <a:buSzTx/>
+              <a:buFontTx/>
+              <a:buAutoNum type="arabicPeriod"/>
+              <a:tabLst/>
+              <a:defRPr/>
+            </a:pPr>
+            <a:r>
+              <a:rPr lang="en-US" b="0" i="0" dirty="0">
+                <a:solidFill>
+                  <a:srgbClr val="3C3C3B"/>
+                </a:solidFill>
+                <a:effectLst/>
+                <a:latin typeface="+mn-lt"/>
+              </a:rPr>
+              <a:t>An NLP model mimics human language abilities but has no human-level understanding – </a:t>
+            </a:r>
+            <a:r>
+              <a:rPr lang="en-US" b="1" i="0" dirty="0">
+                <a:solidFill>
+                  <a:srgbClr val="3C3C3B"/>
+                </a:solidFill>
+                <a:effectLst/>
+                <a:latin typeface="+mn-lt"/>
+              </a:rPr>
+              <a:t>key point</a:t>
+            </a:r>
+          </a:p>
+          <a:p>
+            <a:pPr marL="228600" marR="0" lvl="0" indent="-228600" algn="l" defTabSz="914400" rtl="0" eaLnBrk="1" fontAlgn="auto" latinLnBrk="0" hangingPunct="1">
+              <a:lnSpc>
+                <a:spcPct val="100000"/>
+              </a:lnSpc>
+              <a:spcBef>
+                <a:spcPts val="0"/>
+              </a:spcBef>
+              <a:spcAft>
+                <a:spcPts val="0"/>
+              </a:spcAft>
+              <a:buClrTx/>
+              <a:buSzTx/>
+              <a:buFontTx/>
+              <a:buAutoNum type="arabicPeriod"/>
+              <a:tabLst/>
+              <a:defRPr/>
+            </a:pPr>
+            <a:r>
+              <a:rPr lang="en-US" b="0" i="0" dirty="0">
+                <a:solidFill>
+                  <a:srgbClr val="3C3C3B"/>
+                </a:solidFill>
+                <a:effectLst/>
+                <a:latin typeface="+mn-lt"/>
+              </a:rPr>
+              <a:t>NLP systems play a statistical game – given a set of words, the next word in the sequence ought to be x because of the probabilities learned from the training data.  The game is played by assigning numbers to words and finding useful statistical relationships between those numbers.</a:t>
+            </a:r>
+          </a:p>
+          <a:p>
+            <a:pPr marL="228600" marR="0" lvl="0" indent="-228600" algn="l" defTabSz="914400" rtl="0" eaLnBrk="1" fontAlgn="auto" latinLnBrk="0" hangingPunct="1">
+              <a:lnSpc>
+                <a:spcPct val="100000"/>
+              </a:lnSpc>
+              <a:spcBef>
+                <a:spcPts val="0"/>
+              </a:spcBef>
+              <a:spcAft>
+                <a:spcPts val="0"/>
+              </a:spcAft>
+              <a:buClrTx/>
+              <a:buSzTx/>
+              <a:buFontTx/>
+              <a:buAutoNum type="arabicPeriod"/>
+              <a:tabLst/>
+              <a:defRPr/>
+            </a:pPr>
+            <a:r>
+              <a:rPr lang="en-US" b="0" i="0" dirty="0">
+                <a:solidFill>
+                  <a:srgbClr val="3C3C3B"/>
+                </a:solidFill>
+                <a:effectLst/>
+                <a:latin typeface="+mn-lt"/>
+              </a:rPr>
+              <a:t>Not even a glimmer of understanding – the same holds true for CNNs which have no actual understanding of the image.</a:t>
+            </a:r>
+          </a:p>
+          <a:p>
+            <a:pPr marL="0" marR="0" lvl="0" indent="0" algn="l" defTabSz="914400" rtl="0" eaLnBrk="1" fontAlgn="auto" latinLnBrk="0" hangingPunct="1">
+              <a:lnSpc>
+                <a:spcPct val="100000"/>
+              </a:lnSpc>
+              <a:spcBef>
+                <a:spcPts val="0"/>
+              </a:spcBef>
+              <a:spcAft>
+                <a:spcPts val="0"/>
+              </a:spcAft>
+              <a:buClrTx/>
+              <a:buSzTx/>
+              <a:buFontTx/>
+              <a:buNone/>
+              <a:tabLst/>
+              <a:defRPr/>
+            </a:pPr>
+            <a:endParaRPr lang="en-US" b="0" i="0" dirty="0">
+              <a:solidFill>
+                <a:srgbClr val="3C3C3B"/>
+              </a:solidFill>
+              <a:effectLst/>
+              <a:latin typeface="+mn-lt"/>
             </a:endParaRPr>
           </a:p>
           <a:p>
-            <a:endParaRPr lang="en-US" dirty="0">
-              <a:latin typeface="Palatino Linotype" panose="02040502050505030304" pitchFamily="18" charset="0"/>
+            <a:pPr marL="0" marR="0" lvl="0" indent="0" algn="l" defTabSz="914400" rtl="0" eaLnBrk="1" fontAlgn="auto" latinLnBrk="0" hangingPunct="1">
+              <a:lnSpc>
+                <a:spcPct val="100000"/>
+              </a:lnSpc>
+              <a:spcBef>
+                <a:spcPts val="0"/>
+              </a:spcBef>
+              <a:spcAft>
+                <a:spcPts val="0"/>
+              </a:spcAft>
+              <a:buClrTx/>
+              <a:buSzTx/>
+              <a:buFontTx/>
+              <a:buNone/>
+              <a:tabLst/>
+              <a:defRPr/>
+            </a:pPr>
+            <a:r>
+              <a:rPr lang="en-US" b="0" i="0" dirty="0">
+                <a:solidFill>
+                  <a:srgbClr val="3C3C3B"/>
+                </a:solidFill>
+                <a:effectLst/>
+                <a:latin typeface="+mn-lt"/>
+              </a:rPr>
+              <a:t>=====</a:t>
+            </a:r>
+          </a:p>
+          <a:p>
+            <a:pPr marL="0" marR="0" lvl="0" indent="0" algn="l" defTabSz="914400" rtl="0" eaLnBrk="1" fontAlgn="auto" latinLnBrk="0" hangingPunct="1">
+              <a:lnSpc>
+                <a:spcPct val="100000"/>
+              </a:lnSpc>
+              <a:spcBef>
+                <a:spcPts val="0"/>
+              </a:spcBef>
+              <a:spcAft>
+                <a:spcPts val="0"/>
+              </a:spcAft>
+              <a:buClrTx/>
+              <a:buSzTx/>
+              <a:buFontTx/>
+              <a:buNone/>
+              <a:tabLst/>
+              <a:defRPr/>
+            </a:pPr>
+            <a:r>
+              <a:rPr lang="en-US" b="0" i="0" dirty="0">
+                <a:solidFill>
+                  <a:srgbClr val="3C3C3B"/>
+                </a:solidFill>
+                <a:effectLst/>
+                <a:latin typeface="+mn-lt"/>
+              </a:rPr>
+              <a:t>The field that studies language from an AI perspective is called natural language processing, or NLP. As shown here, NLP resides at the intersection of linguistics, computer science, and artificial intelligence. Most of today’s NLP algorithms are unconcerned with any kind of actual understanding of the language they process. Instead, they extract statistics from the data and use those statistics as the basis for tasks like answering questions or generating text. </a:t>
+            </a:r>
+          </a:p>
+          <a:p>
+            <a:pPr marL="0" marR="0" lvl="0" indent="0" algn="l" defTabSz="914400" rtl="0" eaLnBrk="1" fontAlgn="auto" latinLnBrk="0" hangingPunct="1">
+              <a:lnSpc>
+                <a:spcPct val="100000"/>
+              </a:lnSpc>
+              <a:spcBef>
+                <a:spcPts val="0"/>
+              </a:spcBef>
+              <a:spcAft>
+                <a:spcPts val="0"/>
+              </a:spcAft>
+              <a:buClrTx/>
+              <a:buSzTx/>
+              <a:buFontTx/>
+              <a:buNone/>
+              <a:tabLst/>
+              <a:defRPr/>
+            </a:pPr>
+            <a:endParaRPr lang="en-US" b="0" i="0" dirty="0">
+              <a:solidFill>
+                <a:srgbClr val="3C3C3B"/>
+              </a:solidFill>
+              <a:effectLst/>
+              <a:latin typeface="+mn-lt"/>
             </a:endParaRPr>
+          </a:p>
+          <a:p>
+            <a:pPr marL="0" marR="0" lvl="0" indent="0" algn="l" defTabSz="914400" rtl="0" eaLnBrk="1" fontAlgn="auto" latinLnBrk="0" hangingPunct="1">
+              <a:lnSpc>
+                <a:spcPct val="100000"/>
+              </a:lnSpc>
+              <a:spcBef>
+                <a:spcPts val="0"/>
+              </a:spcBef>
+              <a:spcAft>
+                <a:spcPts val="0"/>
+              </a:spcAft>
+              <a:buClrTx/>
+              <a:buSzTx/>
+              <a:buFontTx/>
+              <a:buNone/>
+              <a:tabLst/>
+              <a:defRPr/>
+            </a:pPr>
+            <a:r>
+              <a:rPr lang="en-US" b="0" i="0" dirty="0">
+                <a:solidFill>
+                  <a:srgbClr val="3C3C3B"/>
+                </a:solidFill>
+                <a:effectLst/>
+                <a:latin typeface="+mn-lt"/>
+              </a:rPr>
+              <a:t>As is the case with any neural network, the model itself has no human-like understanding of the examples it sees.  For example, a convolutional neural network can identify objects in photos without having any actual understanding of the photo.  The model is simply playing a statistical game with the pixels presented to it.  Likewise, NLP systems don’t understand the language they manipulate. Instead, they assign numbers to words and find useful statistical relationships between those numbers.</a:t>
+            </a:r>
+          </a:p>
+          <a:p>
+            <a:pPr algn="l"/>
+            <a:endParaRPr lang="en-US" b="0" i="0" dirty="0">
+              <a:solidFill>
+                <a:srgbClr val="3C3C3B"/>
+              </a:solidFill>
+              <a:effectLst/>
+              <a:latin typeface="+mn-lt"/>
+            </a:endParaRPr>
+          </a:p>
+          <a:p>
+            <a:pPr algn="l"/>
+            <a:r>
+              <a:rPr lang="en-US" b="0" i="0" dirty="0">
+                <a:solidFill>
+                  <a:srgbClr val="3C3C3B"/>
+                </a:solidFill>
+                <a:effectLst/>
+                <a:latin typeface="+mn-lt"/>
+              </a:rPr>
+              <a:t>In a fundamental sense, these systems have </a:t>
+            </a:r>
+            <a:r>
+              <a:rPr lang="en-US" b="0" i="0" u="sng" dirty="0">
+                <a:solidFill>
+                  <a:srgbClr val="3C3C3B"/>
+                </a:solidFill>
+                <a:effectLst/>
+                <a:latin typeface="+mn-lt"/>
+              </a:rPr>
+              <a:t>no knowledge that there is even a thing such as language</a:t>
+            </a:r>
+            <a:r>
+              <a:rPr lang="en-US" b="0" i="0" dirty="0">
+                <a:solidFill>
+                  <a:srgbClr val="3C3C3B"/>
+                </a:solidFill>
+                <a:effectLst/>
+                <a:latin typeface="+mn-lt"/>
+              </a:rPr>
+              <a:t>, or that the </a:t>
+            </a:r>
+            <a:r>
+              <a:rPr lang="en-US" b="0" i="0" u="sng" dirty="0">
+                <a:solidFill>
+                  <a:srgbClr val="3C3C3B"/>
+                </a:solidFill>
+                <a:effectLst/>
+                <a:latin typeface="+mn-lt"/>
+              </a:rPr>
+              <a:t>objects they manipulate have semantic meanings</a:t>
+            </a:r>
+            <a:r>
+              <a:rPr lang="en-US" b="0" i="0" dirty="0">
+                <a:solidFill>
+                  <a:srgbClr val="3C3C3B"/>
+                </a:solidFill>
+                <a:effectLst/>
+                <a:latin typeface="+mn-lt"/>
+              </a:rPr>
+              <a:t>. As always, the system is using statistics to generate outputs that we declare to be acceptable in a particular situation, without even a glimmer of comprehension of what it’s doing or what the outputs might mean to a person.</a:t>
+            </a:r>
+          </a:p>
+          <a:p>
+            <a:pPr algn="l"/>
+            <a:endParaRPr lang="en-US" b="0" i="0" dirty="0">
+              <a:solidFill>
+                <a:srgbClr val="3C3C3B"/>
+              </a:solidFill>
+              <a:effectLst/>
+              <a:latin typeface="Lato"/>
+            </a:endParaRPr>
+          </a:p>
+          <a:p>
+            <a:pPr algn="l"/>
+            <a:endParaRPr lang="en-US" b="0" i="0" dirty="0">
+              <a:solidFill>
+                <a:srgbClr val="3C3C3B"/>
+              </a:solidFill>
+              <a:effectLst/>
+              <a:latin typeface="Lato"/>
+            </a:endParaRPr>
+          </a:p>
+          <a:p>
+            <a:pPr algn="l"/>
+            <a:endParaRPr lang="en-US" dirty="0"/>
           </a:p>
         </p:txBody>
       </p:sp>
@@ -5031,7 +5136,7 @@
     </p:spTree>
     <p:extLst>
       <p:ext uri="{BB962C8B-B14F-4D97-AF65-F5344CB8AC3E}">
-        <p14:creationId xmlns:p14="http://schemas.microsoft.com/office/powerpoint/2010/main" val="2023840696"/>
+        <p14:creationId xmlns:p14="http://schemas.microsoft.com/office/powerpoint/2010/main" val="1453454417"/>
       </p:ext>
     </p:extLst>
   </p:cSld>
@@ -5085,6 +5190,231 @@
           <a:bodyPr/>
           <a:lstStyle/>
           <a:p>
+            <a:pPr algn="l"/>
+            <a:r>
+              <a:rPr lang="en-US" b="0" i="0" dirty="0">
+                <a:solidFill>
+                  <a:srgbClr val="3C3C3B"/>
+                </a:solidFill>
+                <a:effectLst/>
+                <a:latin typeface="+mn-lt"/>
+              </a:rPr>
+              <a:t>NLP is a large field – think of all the places language (spoken and written) is used. </a:t>
+            </a:r>
+          </a:p>
+          <a:p>
+            <a:pPr algn="l"/>
+            <a:endParaRPr lang="en-US" b="0" i="0" dirty="0">
+              <a:solidFill>
+                <a:srgbClr val="3C3C3B"/>
+              </a:solidFill>
+              <a:effectLst/>
+              <a:latin typeface="+mn-lt"/>
+            </a:endParaRPr>
+          </a:p>
+          <a:p>
+            <a:pPr algn="l"/>
+            <a:r>
+              <a:rPr lang="en-US" b="0" i="0" dirty="0">
+                <a:solidFill>
+                  <a:srgbClr val="3C3C3B"/>
+                </a:solidFill>
+                <a:effectLst/>
+                <a:latin typeface="+mn-lt"/>
+              </a:rPr>
+              <a:t>NLP enables applications in the five primary categories shown here.  Specific applications include the following:</a:t>
+            </a:r>
+          </a:p>
+          <a:p>
+            <a:pPr algn="l"/>
+            <a:endParaRPr lang="en-US" b="0" i="0" dirty="0">
+              <a:solidFill>
+                <a:srgbClr val="3C3C3B"/>
+              </a:solidFill>
+              <a:effectLst/>
+              <a:latin typeface="+mn-lt"/>
+            </a:endParaRPr>
+          </a:p>
+          <a:p>
+            <a:pPr marL="228600" indent="-228600" algn="l">
+              <a:buFont typeface="+mj-lt"/>
+              <a:buAutoNum type="arabicPeriod"/>
+            </a:pPr>
+            <a:r>
+              <a:rPr lang="en-US" b="1" i="0" dirty="0">
+                <a:solidFill>
+                  <a:srgbClr val="3C3C3B"/>
+                </a:solidFill>
+                <a:effectLst/>
+                <a:latin typeface="+mn-lt"/>
+              </a:rPr>
+              <a:t>Sentiment Analysis</a:t>
+            </a:r>
+            <a:r>
+              <a:rPr lang="en-US" b="0" i="0" dirty="0">
+                <a:solidFill>
+                  <a:srgbClr val="3C3C3B"/>
+                </a:solidFill>
+                <a:effectLst/>
+                <a:latin typeface="+mn-lt"/>
+              </a:rPr>
+              <a:t>: Given opinionated text like a movie review, determine whether the overall sense is positive or negative.</a:t>
+            </a:r>
+          </a:p>
+          <a:p>
+            <a:pPr marL="228600" indent="-228600" algn="l">
+              <a:buFont typeface="+mj-lt"/>
+              <a:buAutoNum type="arabicPeriod"/>
+            </a:pPr>
+            <a:r>
+              <a:rPr lang="en-US" b="1" i="0" dirty="0">
+                <a:solidFill>
+                  <a:srgbClr val="3C3C3B"/>
+                </a:solidFill>
+                <a:effectLst/>
+                <a:latin typeface="+mn-lt"/>
+              </a:rPr>
+              <a:t>Machine Translation</a:t>
+            </a:r>
+            <a:r>
+              <a:rPr lang="en-US" b="0" i="0" dirty="0">
+                <a:solidFill>
+                  <a:srgbClr val="3C3C3B"/>
+                </a:solidFill>
+                <a:effectLst/>
+                <a:latin typeface="+mn-lt"/>
+              </a:rPr>
+              <a:t>: Turn text into another language.</a:t>
+            </a:r>
+          </a:p>
+          <a:p>
+            <a:pPr marL="228600" indent="-228600" algn="l">
+              <a:buFont typeface="+mj-lt"/>
+              <a:buAutoNum type="arabicPeriod"/>
+            </a:pPr>
+            <a:r>
+              <a:rPr lang="en-US" b="1" i="0" dirty="0">
+                <a:solidFill>
+                  <a:srgbClr val="3C3C3B"/>
+                </a:solidFill>
+                <a:effectLst/>
+                <a:latin typeface="+mn-lt"/>
+              </a:rPr>
+              <a:t>Question Answering</a:t>
+            </a:r>
+            <a:r>
+              <a:rPr lang="en-US" b="0" i="0" dirty="0">
+                <a:solidFill>
+                  <a:srgbClr val="3C3C3B"/>
+                </a:solidFill>
+                <a:effectLst/>
+                <a:latin typeface="+mn-lt"/>
+              </a:rPr>
+              <a:t>: Answer questions about the text, like who is the hero, or what actions occurred.</a:t>
+            </a:r>
+          </a:p>
+          <a:p>
+            <a:pPr marL="228600" indent="-228600" algn="l">
+              <a:buFont typeface="+mj-lt"/>
+              <a:buAutoNum type="arabicPeriod"/>
+            </a:pPr>
+            <a:r>
+              <a:rPr lang="en-US" b="1" i="0" dirty="0">
+                <a:solidFill>
+                  <a:srgbClr val="3C3C3B"/>
+                </a:solidFill>
+                <a:effectLst/>
+                <a:latin typeface="+mn-lt"/>
+              </a:rPr>
+              <a:t>Information Extraction</a:t>
+            </a:r>
+            <a:r>
+              <a:rPr lang="en-US" b="0" i="0" dirty="0">
+                <a:solidFill>
+                  <a:srgbClr val="3C3C3B"/>
+                </a:solidFill>
+                <a:effectLst/>
+                <a:latin typeface="+mn-lt"/>
+              </a:rPr>
+              <a:t>: Summarize and provide a short overview of the text, emphasizing the main points (Named Entity Recognition – person, place, organization, or object)</a:t>
+            </a:r>
+          </a:p>
+          <a:p>
+            <a:pPr marL="228600" indent="-228600" algn="l">
+              <a:buFont typeface="+mj-lt"/>
+              <a:buAutoNum type="arabicPeriod"/>
+            </a:pPr>
+            <a:r>
+              <a:rPr lang="en-US" b="1" i="0" dirty="0">
+                <a:solidFill>
+                  <a:srgbClr val="3C3C3B"/>
+                </a:solidFill>
+                <a:effectLst/>
+                <a:latin typeface="+mn-lt"/>
+              </a:rPr>
+              <a:t>Generate New Text</a:t>
+            </a:r>
+            <a:r>
+              <a:rPr lang="en-US" b="0" i="0" dirty="0">
+                <a:solidFill>
+                  <a:srgbClr val="3C3C3B"/>
+                </a:solidFill>
+                <a:effectLst/>
+                <a:latin typeface="+mn-lt"/>
+              </a:rPr>
+              <a:t>: Given some starting text, write more text that seems to follow from it.</a:t>
+            </a:r>
+          </a:p>
+          <a:p>
+            <a:pPr marL="228600" indent="-228600" algn="l">
+              <a:buFont typeface="+mj-lt"/>
+              <a:buAutoNum type="arabicPeriod"/>
+            </a:pPr>
+            <a:r>
+              <a:rPr lang="en-US" b="1" i="0" dirty="0">
+                <a:solidFill>
+                  <a:srgbClr val="3C3C3B"/>
+                </a:solidFill>
+                <a:effectLst/>
+                <a:latin typeface="+mn-lt"/>
+              </a:rPr>
+              <a:t>Logical Flow</a:t>
+            </a:r>
+            <a:r>
+              <a:rPr lang="en-US" b="0" i="0" dirty="0">
+                <a:solidFill>
+                  <a:srgbClr val="3C3C3B"/>
+                </a:solidFill>
+                <a:effectLst/>
+                <a:latin typeface="+mn-lt"/>
+              </a:rPr>
+              <a:t>: If a sentence first asserts a premise and the following sentence asserts a conclusion based on that premise, determine whether the conclusion logically follows from the premise.</a:t>
+            </a:r>
+          </a:p>
+          <a:p>
+            <a:pPr marL="171450" indent="-171450" algn="l">
+              <a:buFont typeface="Courier New" panose="02070309020205020404" pitchFamily="49" charset="0"/>
+              <a:buChar char="o"/>
+            </a:pPr>
+            <a:endParaRPr lang="en-US" b="0" i="0" dirty="0">
+              <a:solidFill>
+                <a:srgbClr val="3C3C3B"/>
+              </a:solidFill>
+              <a:effectLst/>
+              <a:latin typeface="+mn-lt"/>
+            </a:endParaRPr>
+          </a:p>
+          <a:p>
+            <a:pPr algn="l"/>
+            <a:r>
+              <a:rPr lang="en-US" dirty="0">
+                <a:latin typeface="+mn-lt"/>
+              </a:rPr>
+              <a:t>… and many more.</a:t>
+            </a:r>
+          </a:p>
+          <a:p>
+            <a:pPr algn="l"/>
             <a:endParaRPr lang="en-US" dirty="0"/>
           </a:p>
         </p:txBody>
@@ -5115,7 +5445,7 @@
     </p:spTree>
     <p:extLst>
       <p:ext uri="{BB962C8B-B14F-4D97-AF65-F5344CB8AC3E}">
-        <p14:creationId xmlns:p14="http://schemas.microsoft.com/office/powerpoint/2010/main" val="1555070171"/>
+        <p14:creationId xmlns:p14="http://schemas.microsoft.com/office/powerpoint/2010/main" val="2926806884"/>
       </p:ext>
     </p:extLst>
   </p:cSld>
@@ -5169,23 +5499,7 @@
           <a:bodyPr/>
           <a:lstStyle/>
           <a:p>
-            <a:pPr marL="228600" marR="0" lvl="0" indent="-228600" algn="l" defTabSz="914400" rtl="0" eaLnBrk="1" fontAlgn="auto" latinLnBrk="0" hangingPunct="1">
-              <a:lnSpc>
-                <a:spcPct val="100000"/>
-              </a:lnSpc>
-              <a:spcBef>
-                <a:spcPts val="0"/>
-              </a:spcBef>
-              <a:spcAft>
-                <a:spcPts val="0"/>
-              </a:spcAft>
-              <a:buClrTx/>
-              <a:buSzTx/>
-              <a:buFontTx/>
-              <a:buAutoNum type="arabicPeriod"/>
-              <a:tabLst/>
-              <a:defRPr/>
-            </a:pPr>
+            <a:pPr algn="l"/>
             <a:r>
               <a:rPr lang="en-US" b="0" i="0" dirty="0">
                 <a:solidFill>
@@ -5194,243 +5508,7 @@
                 <a:effectLst/>
                 <a:latin typeface="+mn-lt"/>
               </a:rPr>
-              <a:t>Natural language Processing (NLP) lies at the intersection of AI, linguistics, and computer science</a:t>
-            </a:r>
-          </a:p>
-          <a:p>
-            <a:pPr marL="228600" marR="0" lvl="0" indent="-228600" algn="l" defTabSz="914400" rtl="0" eaLnBrk="1" fontAlgn="auto" latinLnBrk="0" hangingPunct="1">
-              <a:lnSpc>
-                <a:spcPct val="100000"/>
-              </a:lnSpc>
-              <a:spcBef>
-                <a:spcPts val="0"/>
-              </a:spcBef>
-              <a:spcAft>
-                <a:spcPts val="0"/>
-              </a:spcAft>
-              <a:buClrTx/>
-              <a:buSzTx/>
-              <a:buFontTx/>
-              <a:buAutoNum type="arabicPeriod"/>
-              <a:tabLst/>
-              <a:defRPr/>
-            </a:pPr>
-            <a:r>
-              <a:rPr lang="en-US" b="0" i="0" dirty="0">
-                <a:solidFill>
-                  <a:srgbClr val="3C3C3B"/>
-                </a:solidFill>
-                <a:effectLst/>
-                <a:latin typeface="+mn-lt"/>
-              </a:rPr>
-              <a:t>An NLP model mimics human language abilities but has no human-level understanding – </a:t>
-            </a:r>
-            <a:r>
-              <a:rPr lang="en-US" b="1" i="0" dirty="0">
-                <a:solidFill>
-                  <a:srgbClr val="3C3C3B"/>
-                </a:solidFill>
-                <a:effectLst/>
-                <a:latin typeface="+mn-lt"/>
-              </a:rPr>
-              <a:t>key point</a:t>
-            </a:r>
-          </a:p>
-          <a:p>
-            <a:pPr marL="228600" marR="0" lvl="0" indent="-228600" algn="l" defTabSz="914400" rtl="0" eaLnBrk="1" fontAlgn="auto" latinLnBrk="0" hangingPunct="1">
-              <a:lnSpc>
-                <a:spcPct val="100000"/>
-              </a:lnSpc>
-              <a:spcBef>
-                <a:spcPts val="0"/>
-              </a:spcBef>
-              <a:spcAft>
-                <a:spcPts val="0"/>
-              </a:spcAft>
-              <a:buClrTx/>
-              <a:buSzTx/>
-              <a:buFontTx/>
-              <a:buAutoNum type="arabicPeriod"/>
-              <a:tabLst/>
-              <a:defRPr/>
-            </a:pPr>
-            <a:r>
-              <a:rPr lang="en-US" b="0" i="0" dirty="0">
-                <a:solidFill>
-                  <a:srgbClr val="3C3C3B"/>
-                </a:solidFill>
-                <a:effectLst/>
-                <a:latin typeface="+mn-lt"/>
-              </a:rPr>
-              <a:t>NLP systems play a statistical game – given a set of words, the next word in the sequence ought to be x because of the probabilities learned from the training data.  The game is played by assigning numbers to words and finding useful statistical relationships between those numbers.</a:t>
-            </a:r>
-          </a:p>
-          <a:p>
-            <a:pPr marL="228600" marR="0" lvl="0" indent="-228600" algn="l" defTabSz="914400" rtl="0" eaLnBrk="1" fontAlgn="auto" latinLnBrk="0" hangingPunct="1">
-              <a:lnSpc>
-                <a:spcPct val="100000"/>
-              </a:lnSpc>
-              <a:spcBef>
-                <a:spcPts val="0"/>
-              </a:spcBef>
-              <a:spcAft>
-                <a:spcPts val="0"/>
-              </a:spcAft>
-              <a:buClrTx/>
-              <a:buSzTx/>
-              <a:buFontTx/>
-              <a:buAutoNum type="arabicPeriod"/>
-              <a:tabLst/>
-              <a:defRPr/>
-            </a:pPr>
-            <a:r>
-              <a:rPr lang="en-US" b="0" i="0" dirty="0">
-                <a:solidFill>
-                  <a:srgbClr val="3C3C3B"/>
-                </a:solidFill>
-                <a:effectLst/>
-                <a:latin typeface="+mn-lt"/>
-              </a:rPr>
-              <a:t>Not even a glimmer of understanding – the same holds true for CNNs which have no actual understanding of the image.</a:t>
-            </a:r>
-          </a:p>
-          <a:p>
-            <a:pPr marL="0" marR="0" lvl="0" indent="0" algn="l" defTabSz="914400" rtl="0" eaLnBrk="1" fontAlgn="auto" latinLnBrk="0" hangingPunct="1">
-              <a:lnSpc>
-                <a:spcPct val="100000"/>
-              </a:lnSpc>
-              <a:spcBef>
-                <a:spcPts val="0"/>
-              </a:spcBef>
-              <a:spcAft>
-                <a:spcPts val="0"/>
-              </a:spcAft>
-              <a:buClrTx/>
-              <a:buSzTx/>
-              <a:buFontTx/>
-              <a:buNone/>
-              <a:tabLst/>
-              <a:defRPr/>
-            </a:pPr>
-            <a:endParaRPr lang="en-US" b="0" i="0" dirty="0">
-              <a:solidFill>
-                <a:srgbClr val="3C3C3B"/>
-              </a:solidFill>
-              <a:effectLst/>
-              <a:latin typeface="+mn-lt"/>
-            </a:endParaRPr>
-          </a:p>
-          <a:p>
-            <a:pPr marL="0" marR="0" lvl="0" indent="0" algn="l" defTabSz="914400" rtl="0" eaLnBrk="1" fontAlgn="auto" latinLnBrk="0" hangingPunct="1">
-              <a:lnSpc>
-                <a:spcPct val="100000"/>
-              </a:lnSpc>
-              <a:spcBef>
-                <a:spcPts val="0"/>
-              </a:spcBef>
-              <a:spcAft>
-                <a:spcPts val="0"/>
-              </a:spcAft>
-              <a:buClrTx/>
-              <a:buSzTx/>
-              <a:buFontTx/>
-              <a:buNone/>
-              <a:tabLst/>
-              <a:defRPr/>
-            </a:pPr>
-            <a:r>
-              <a:rPr lang="en-US" b="0" i="0" dirty="0">
-                <a:solidFill>
-                  <a:srgbClr val="3C3C3B"/>
-                </a:solidFill>
-                <a:effectLst/>
-                <a:latin typeface="+mn-lt"/>
-              </a:rPr>
-              <a:t>=====</a:t>
-            </a:r>
-          </a:p>
-          <a:p>
-            <a:pPr marL="0" marR="0" lvl="0" indent="0" algn="l" defTabSz="914400" rtl="0" eaLnBrk="1" fontAlgn="auto" latinLnBrk="0" hangingPunct="1">
-              <a:lnSpc>
-                <a:spcPct val="100000"/>
-              </a:lnSpc>
-              <a:spcBef>
-                <a:spcPts val="0"/>
-              </a:spcBef>
-              <a:spcAft>
-                <a:spcPts val="0"/>
-              </a:spcAft>
-              <a:buClrTx/>
-              <a:buSzTx/>
-              <a:buFontTx/>
-              <a:buNone/>
-              <a:tabLst/>
-              <a:defRPr/>
-            </a:pPr>
-            <a:r>
-              <a:rPr lang="en-US" b="0" i="0" dirty="0">
-                <a:solidFill>
-                  <a:srgbClr val="3C3C3B"/>
-                </a:solidFill>
-                <a:effectLst/>
-                <a:latin typeface="+mn-lt"/>
-              </a:rPr>
-              <a:t>The field that studies language from an AI perspective is called natural language processing, or NLP. As shown here, NLP resides at the intersection of linguistics, computer science, and artificial intelligence. Most of today’s NLP algorithms are unconcerned with any kind of actual understanding of the language they process. Instead, they extract statistics from the data and use those statistics as the basis for tasks like answering questions or generating text. </a:t>
-            </a:r>
-          </a:p>
-          <a:p>
-            <a:pPr marL="0" marR="0" lvl="0" indent="0" algn="l" defTabSz="914400" rtl="0" eaLnBrk="1" fontAlgn="auto" latinLnBrk="0" hangingPunct="1">
-              <a:lnSpc>
-                <a:spcPct val="100000"/>
-              </a:lnSpc>
-              <a:spcBef>
-                <a:spcPts val="0"/>
-              </a:spcBef>
-              <a:spcAft>
-                <a:spcPts val="0"/>
-              </a:spcAft>
-              <a:buClrTx/>
-              <a:buSzTx/>
-              <a:buFontTx/>
-              <a:buNone/>
-              <a:tabLst/>
-              <a:defRPr/>
-            </a:pPr>
-            <a:endParaRPr lang="en-US" b="0" i="0" dirty="0">
-              <a:solidFill>
-                <a:srgbClr val="3C3C3B"/>
-              </a:solidFill>
-              <a:effectLst/>
-              <a:latin typeface="+mn-lt"/>
-            </a:endParaRPr>
-          </a:p>
-          <a:p>
-            <a:pPr marL="0" marR="0" lvl="0" indent="0" algn="l" defTabSz="914400" rtl="0" eaLnBrk="1" fontAlgn="auto" latinLnBrk="0" hangingPunct="1">
-              <a:lnSpc>
-                <a:spcPct val="100000"/>
-              </a:lnSpc>
-              <a:spcBef>
-                <a:spcPts val="0"/>
-              </a:spcBef>
-              <a:spcAft>
-                <a:spcPts val="0"/>
-              </a:spcAft>
-              <a:buClrTx/>
-              <a:buSzTx/>
-              <a:buFontTx/>
-              <a:buNone/>
-              <a:tabLst/>
-              <a:defRPr/>
-            </a:pPr>
-            <a:r>
-              <a:rPr lang="en-US" b="0" i="0" dirty="0">
-                <a:solidFill>
-                  <a:srgbClr val="3C3C3B"/>
-                </a:solidFill>
-                <a:effectLst/>
-                <a:latin typeface="+mn-lt"/>
-              </a:rPr>
-              <a:t>As is the case with any neural network, the model itself has no human-like understanding of the examples it sees.  For example, a convolutional neural network can identify objects in photos without having any actual understanding of the photo.  The model is simply playing a statistical game with the pixels presented to it.  Likewise, NLP systems don’t understand the language they manipulate. Instead, they assign numbers to words and find useful statistical relationships between those numbers.</a:t>
+              <a:t>But before we go any further, we need to acknowledge that NLP isn't easy.  Here are three examples:</a:t>
             </a:r>
           </a:p>
           <a:p>
@@ -5444,7 +5522,9 @@
             </a:endParaRPr>
           </a:p>
           <a:p>
-            <a:pPr algn="l"/>
+            <a:pPr marL="228600" indent="-228600" algn="l">
+              <a:buAutoNum type="arabicPeriod"/>
+            </a:pPr>
             <a:r>
               <a:rPr lang="en-US" b="0" i="0" dirty="0">
                 <a:solidFill>
@@ -5453,17 +5533,17 @@
                 <a:effectLst/>
                 <a:latin typeface="+mn-lt"/>
               </a:rPr>
-              <a:t>In a fundamental sense, these systems have </a:t>
-            </a:r>
-            <a:r>
-              <a:rPr lang="en-US" b="0" i="0" u="sng" dirty="0">
+              <a:t>Consider the following sentence: "</a:t>
+            </a:r>
+            <a:r>
+              <a:rPr lang="en-US" b="0" i="1" dirty="0">
                 <a:solidFill>
                   <a:srgbClr val="3C3C3B"/>
                 </a:solidFill>
                 <a:effectLst/>
                 <a:latin typeface="+mn-lt"/>
               </a:rPr>
-              <a:t>no knowledge that there is even a thing such as language</a:t>
+              <a:t>The boy saw a man with a telescope.</a:t>
             </a:r>
             <a:r>
               <a:rPr lang="en-US" b="0" i="0" dirty="0">
@@ -5473,48 +5553,78 @@
                 <a:effectLst/>
                 <a:latin typeface="+mn-lt"/>
               </a:rPr>
-              <a:t>, or that the </a:t>
-            </a:r>
-            <a:r>
-              <a:rPr lang="en-US" b="0" i="0" u="sng" dirty="0">
+              <a:t>“  Who had the telescope?  Did the boy use a telescope to see the man through it? Or was the man carrying a telescope with him? There is an ambiguity that we can't resolve with this sentence alone. Maybe some more context will help us figure this out.</a:t>
+            </a:r>
+          </a:p>
+          <a:p>
+            <a:pPr marL="228600" indent="-228600" algn="l">
+              <a:buAutoNum type="arabicPeriod"/>
+            </a:pPr>
+            <a:r>
+              <a:rPr lang="en-US" b="0" i="0" dirty="0">
                 <a:solidFill>
                   <a:srgbClr val="3C3C3B"/>
                 </a:solidFill>
                 <a:effectLst/>
                 <a:latin typeface="+mn-lt"/>
               </a:rPr>
-              <a:t>objects they manipulate have semantic meanings</a:t>
-            </a:r>
-            <a:r>
-              <a:rPr lang="en-US" b="0" i="0" dirty="0">
+              <a:t>Let's consider another sentence: “</a:t>
+            </a:r>
+            <a:r>
+              <a:rPr lang="en-US" b="0" i="1" dirty="0">
                 <a:solidFill>
                   <a:srgbClr val="3C3C3B"/>
                 </a:solidFill>
                 <a:effectLst/>
                 <a:latin typeface="+mn-lt"/>
               </a:rPr>
-              <a:t>. As always, the system is using statistics to generate outputs that we declare to be acceptable in a particular situation, without even a glimmer of comprehension of what it’s doing or what the outputs might mean to a person.</a:t>
-            </a:r>
-          </a:p>
-          <a:p>
-            <a:pPr algn="l"/>
-            <a:endParaRPr lang="en-US" b="0" i="0" dirty="0">
-              <a:solidFill>
-                <a:srgbClr val="3C3C3B"/>
-              </a:solidFill>
-              <a:effectLst/>
-              <a:latin typeface="Lato"/>
-            </a:endParaRPr>
-          </a:p>
-          <a:p>
-            <a:pPr algn="l"/>
-            <a:endParaRPr lang="en-US" b="0" i="0" dirty="0">
-              <a:solidFill>
-                <a:srgbClr val="3C3C3B"/>
-              </a:solidFill>
-              <a:effectLst/>
-              <a:latin typeface="Lato"/>
-            </a:endParaRPr>
+              <a:t>Bob convinced Robin to buy a television for himself.</a:t>
+            </a:r>
+            <a:r>
+              <a:rPr lang="en-US" b="0" i="0" dirty="0">
+                <a:solidFill>
+                  <a:srgbClr val="3C3C3B"/>
+                </a:solidFill>
+                <a:effectLst/>
+                <a:latin typeface="+mn-lt"/>
+              </a:rPr>
+              <a:t>" Who was the TV bought for – Bob or Robin? This is another case of ambiguity that we may be able to resolve with more context, but again, it may be very difficult for a machine/program.</a:t>
+            </a:r>
+          </a:p>
+          <a:p>
+            <a:pPr marL="228600" indent="-228600" algn="l">
+              <a:buAutoNum type="arabicPeriod"/>
+            </a:pPr>
+            <a:r>
+              <a:rPr lang="en-US" b="0" i="0" dirty="0">
+                <a:solidFill>
+                  <a:srgbClr val="3C3C3B"/>
+                </a:solidFill>
+                <a:effectLst/>
+                <a:latin typeface="+mn-lt"/>
+              </a:rPr>
+              <a:t>And finally, this sentence: "</a:t>
+            </a:r>
+            <a:r>
+              <a:rPr lang="en-US" b="0" i="1" dirty="0">
+                <a:solidFill>
+                  <a:srgbClr val="3C3C3B"/>
+                </a:solidFill>
+                <a:effectLst/>
+                <a:latin typeface="+mn-lt"/>
+              </a:rPr>
+              <a:t>Robin has quit skydiving.</a:t>
+            </a:r>
+            <a:r>
+              <a:rPr lang="en-US" b="0" i="0" dirty="0">
+                <a:solidFill>
+                  <a:srgbClr val="3C3C3B"/>
+                </a:solidFill>
+                <a:effectLst/>
+                <a:latin typeface="+mn-lt"/>
+              </a:rPr>
+              <a:t>" This sentence implies that Robin was once an active skydiver.  However, this presupposition is hard for a machine to infer.</a:t>
+            </a:r>
           </a:p>
           <a:p>
             <a:pPr algn="l"/>
@@ -5548,7 +5658,7 @@
     </p:spTree>
     <p:extLst>
       <p:ext uri="{BB962C8B-B14F-4D97-AF65-F5344CB8AC3E}">
-        <p14:creationId xmlns:p14="http://schemas.microsoft.com/office/powerpoint/2010/main" val="1453454417"/>
+        <p14:creationId xmlns:p14="http://schemas.microsoft.com/office/powerpoint/2010/main" val="388873883"/>
       </p:ext>
     </p:extLst>
   </p:cSld>
@@ -5602,232 +5712,83 @@
           <a:bodyPr/>
           <a:lstStyle/>
           <a:p>
-            <a:pPr algn="l"/>
-            <a:r>
-              <a:rPr lang="en-US" b="0" i="0" dirty="0">
-                <a:solidFill>
-                  <a:srgbClr val="3C3C3B"/>
-                </a:solidFill>
-                <a:effectLst/>
-                <a:latin typeface="+mn-lt"/>
-              </a:rPr>
-              <a:t>NLP is a large field – think of all the places language (spoken and written) is used. </a:t>
-            </a:r>
-          </a:p>
-          <a:p>
-            <a:pPr algn="l"/>
-            <a:endParaRPr lang="en-US" b="0" i="0" dirty="0">
-              <a:solidFill>
-                <a:srgbClr val="3C3C3B"/>
-              </a:solidFill>
-              <a:effectLst/>
-              <a:latin typeface="+mn-lt"/>
-            </a:endParaRPr>
-          </a:p>
-          <a:p>
-            <a:pPr algn="l"/>
-            <a:r>
-              <a:rPr lang="en-US" b="0" i="0" dirty="0">
-                <a:solidFill>
-                  <a:srgbClr val="3C3C3B"/>
-                </a:solidFill>
-                <a:effectLst/>
-                <a:latin typeface="+mn-lt"/>
-              </a:rPr>
-              <a:t>NLP enables applications in the five primary categories shown here.  Specific applications include the following:</a:t>
-            </a:r>
-          </a:p>
-          <a:p>
-            <a:pPr algn="l"/>
-            <a:endParaRPr lang="en-US" b="0" i="0" dirty="0">
-              <a:solidFill>
-                <a:srgbClr val="3C3C3B"/>
-              </a:solidFill>
-              <a:effectLst/>
-              <a:latin typeface="+mn-lt"/>
-            </a:endParaRPr>
-          </a:p>
-          <a:p>
             <a:pPr marL="228600" indent="-228600" algn="l">
-              <a:buFont typeface="+mj-lt"/>
               <a:buAutoNum type="arabicPeriod"/>
             </a:pPr>
             <a:r>
-              <a:rPr lang="en-US" b="1" i="0" dirty="0">
+              <a:rPr lang="en-US" b="0" i="0" dirty="0">
                 <a:solidFill>
                   <a:srgbClr val="3C3C3B"/>
                 </a:solidFill>
                 <a:effectLst/>
-                <a:latin typeface="+mn-lt"/>
-              </a:rPr>
-              <a:t>Sentiment Analysis</a:t>
-            </a:r>
-            <a:r>
-              <a:rPr lang="en-US" b="0" i="0" dirty="0">
-                <a:solidFill>
-                  <a:srgbClr val="3C3C3B"/>
-                </a:solidFill>
-                <a:effectLst/>
-                <a:latin typeface="+mn-lt"/>
-              </a:rPr>
-              <a:t>: Given opinionated text like a movie review, determine whether the overall sense is positive or negative.</a:t>
+                <a:latin typeface="Calibri" panose="020F0502020204030204" pitchFamily="34" charset="0"/>
+                <a:cs typeface="Calibri" panose="020F0502020204030204" pitchFamily="34" charset="0"/>
+              </a:rPr>
+              <a:t>Deep learning enables many NLP tasks.</a:t>
             </a:r>
           </a:p>
           <a:p>
             <a:pPr marL="228600" indent="-228600" algn="l">
-              <a:buFont typeface="+mj-lt"/>
               <a:buAutoNum type="arabicPeriod"/>
             </a:pPr>
             <a:r>
-              <a:rPr lang="en-US" b="1" i="0" dirty="0">
+              <a:rPr lang="en-US" b="0" i="0" dirty="0">
                 <a:solidFill>
                   <a:srgbClr val="3C3C3B"/>
                 </a:solidFill>
                 <a:effectLst/>
-                <a:latin typeface="+mn-lt"/>
-              </a:rPr>
-              <a:t>Machine Translation</a:t>
-            </a:r>
-            <a:r>
-              <a:rPr lang="en-US" b="0" i="0" dirty="0">
-                <a:solidFill>
-                  <a:srgbClr val="3C3C3B"/>
-                </a:solidFill>
-                <a:effectLst/>
-                <a:latin typeface="+mn-lt"/>
-              </a:rPr>
-              <a:t>: Turn text into another language.</a:t>
-            </a:r>
-          </a:p>
-          <a:p>
-            <a:pPr marL="228600" indent="-228600" algn="l">
-              <a:buFont typeface="+mj-lt"/>
-              <a:buAutoNum type="arabicPeriod"/>
-            </a:pPr>
-            <a:r>
-              <a:rPr lang="en-US" b="1" i="0" dirty="0">
-                <a:solidFill>
-                  <a:srgbClr val="3C3C3B"/>
-                </a:solidFill>
-                <a:effectLst/>
-                <a:latin typeface="+mn-lt"/>
-              </a:rPr>
-              <a:t>Question Answering</a:t>
-            </a:r>
-            <a:r>
-              <a:rPr lang="en-US" b="0" i="0" dirty="0">
-                <a:solidFill>
-                  <a:srgbClr val="3C3C3B"/>
-                </a:solidFill>
-                <a:effectLst/>
-                <a:latin typeface="+mn-lt"/>
-              </a:rPr>
-              <a:t>: Answer questions about the text, like who is the hero, or what actions occurred.</a:t>
-            </a:r>
-          </a:p>
-          <a:p>
-            <a:pPr marL="228600" indent="-228600" algn="l">
-              <a:buFont typeface="+mj-lt"/>
-              <a:buAutoNum type="arabicPeriod"/>
-            </a:pPr>
-            <a:r>
-              <a:rPr lang="en-US" b="1" i="0" dirty="0">
-                <a:solidFill>
-                  <a:srgbClr val="3C3C3B"/>
-                </a:solidFill>
-                <a:effectLst/>
-                <a:latin typeface="+mn-lt"/>
-              </a:rPr>
-              <a:t>Information Extraction</a:t>
-            </a:r>
-            <a:r>
-              <a:rPr lang="en-US" b="0" i="0" dirty="0">
-                <a:solidFill>
-                  <a:srgbClr val="3C3C3B"/>
-                </a:solidFill>
-                <a:effectLst/>
-                <a:latin typeface="+mn-lt"/>
-              </a:rPr>
-              <a:t>: Summarize and provide a short overview of the text, emphasizing the main points (Named Entity Recognition – person, place, organization, or object)</a:t>
-            </a:r>
-          </a:p>
-          <a:p>
-            <a:pPr marL="228600" indent="-228600" algn="l">
-              <a:buFont typeface="+mj-lt"/>
-              <a:buAutoNum type="arabicPeriod"/>
-            </a:pPr>
-            <a:r>
-              <a:rPr lang="en-US" b="1" i="0" dirty="0">
-                <a:solidFill>
-                  <a:srgbClr val="3C3C3B"/>
-                </a:solidFill>
-                <a:effectLst/>
-                <a:latin typeface="+mn-lt"/>
-              </a:rPr>
-              <a:t>Generate New Text</a:t>
-            </a:r>
-            <a:r>
-              <a:rPr lang="en-US" b="0" i="0" dirty="0">
-                <a:solidFill>
-                  <a:srgbClr val="3C3C3B"/>
-                </a:solidFill>
-                <a:effectLst/>
-                <a:latin typeface="+mn-lt"/>
-              </a:rPr>
-              <a:t>: Given some starting text, write more text that seems to follow from it.</a:t>
-            </a:r>
-          </a:p>
-          <a:p>
-            <a:pPr marL="228600" indent="-228600" algn="l">
-              <a:buFont typeface="+mj-lt"/>
-              <a:buAutoNum type="arabicPeriod"/>
-            </a:pPr>
-            <a:r>
-              <a:rPr lang="en-US" b="1" i="0" dirty="0">
-                <a:solidFill>
-                  <a:srgbClr val="3C3C3B"/>
-                </a:solidFill>
-                <a:effectLst/>
-                <a:latin typeface="+mn-lt"/>
-              </a:rPr>
-              <a:t>Logical Flow</a:t>
-            </a:r>
-            <a:r>
-              <a:rPr lang="en-US" b="0" i="0" dirty="0">
-                <a:solidFill>
-                  <a:srgbClr val="3C3C3B"/>
-                </a:solidFill>
-                <a:effectLst/>
-                <a:latin typeface="+mn-lt"/>
-              </a:rPr>
-              <a:t>: If a sentence first asserts a premise and the following sentence asserts a conclusion based on that premise, determine whether the conclusion logically follows from the premise.</a:t>
-            </a:r>
-          </a:p>
-          <a:p>
-            <a:pPr marL="171450" indent="-171450" algn="l">
-              <a:buFont typeface="Courier New" panose="02070309020205020404" pitchFamily="49" charset="0"/>
-              <a:buChar char="o"/>
+                <a:latin typeface="Calibri" panose="020F0502020204030204" pitchFamily="34" charset="0"/>
+                <a:cs typeface="Calibri" panose="020F0502020204030204" pitchFamily="34" charset="0"/>
+              </a:rPr>
+              <a:t>Prior to deep neural networks, sentiment analysis, translation, and chatbots required a lot of manual intervention.</a:t>
+            </a:r>
+          </a:p>
+          <a:p>
+            <a:pPr marL="0" indent="0" algn="l">
+              <a:buNone/>
             </a:pPr>
             <a:endParaRPr lang="en-US" b="0" i="0" dirty="0">
               <a:solidFill>
                 <a:srgbClr val="3C3C3B"/>
               </a:solidFill>
               <a:effectLst/>
-              <a:latin typeface="+mn-lt"/>
+              <a:latin typeface="Calibri" panose="020F0502020204030204" pitchFamily="34" charset="0"/>
+              <a:cs typeface="Calibri" panose="020F0502020204030204" pitchFamily="34" charset="0"/>
             </a:endParaRPr>
           </a:p>
           <a:p>
+            <a:pPr marL="0" indent="0" algn="l">
+              <a:buNone/>
+            </a:pPr>
+            <a:r>
+              <a:rPr lang="en-US" b="0" i="0" dirty="0">
+                <a:solidFill>
+                  <a:srgbClr val="3C3C3B"/>
+                </a:solidFill>
+                <a:effectLst/>
+                <a:latin typeface="Calibri" panose="020F0502020204030204" pitchFamily="34" charset="0"/>
+                <a:cs typeface="Calibri" panose="020F0502020204030204" pitchFamily="34" charset="0"/>
+              </a:rPr>
+              <a:t>=====</a:t>
+            </a:r>
+          </a:p>
+          <a:p>
             <a:pPr algn="l"/>
             <a:r>
-              <a:rPr lang="en-US" dirty="0">
-                <a:latin typeface="+mn-lt"/>
-              </a:rPr>
-              <a:t>… and many more.</a:t>
-            </a:r>
-          </a:p>
-          <a:p>
-            <a:pPr algn="l"/>
-            <a:endParaRPr lang="en-US" dirty="0"/>
+              <a:rPr lang="en-US" b="0" i="0" dirty="0">
+                <a:solidFill>
+                  <a:srgbClr val="3C3C3B"/>
+                </a:solidFill>
+                <a:effectLst/>
+                <a:latin typeface="Calibri" panose="020F0502020204030204" pitchFamily="34" charset="0"/>
+                <a:cs typeface="Calibri" panose="020F0502020204030204" pitchFamily="34" charset="0"/>
+              </a:rPr>
+              <a:t>The emergence of deep learning has had a strong positive impact on many fields, and NLP is no exception. Applications that use sentiment prediction, machine translation, and chatbots previously required a lot of manual intervention. With deep learning and NLP, these tasks are completely automated and bring with them impressive performance.</a:t>
+            </a:r>
+            <a:endParaRPr lang="en-US" dirty="0">
+              <a:latin typeface="Calibri" panose="020F0502020204030204" pitchFamily="34" charset="0"/>
+              <a:cs typeface="Calibri" panose="020F0502020204030204" pitchFamily="34" charset="0"/>
+            </a:endParaRPr>
           </a:p>
         </p:txBody>
       </p:sp>
@@ -5857,7 +5818,7 @@
     </p:spTree>
     <p:extLst>
       <p:ext uri="{BB962C8B-B14F-4D97-AF65-F5344CB8AC3E}">
-        <p14:creationId xmlns:p14="http://schemas.microsoft.com/office/powerpoint/2010/main" val="2926806884"/>
+        <p14:creationId xmlns:p14="http://schemas.microsoft.com/office/powerpoint/2010/main" val="80972208"/>
       </p:ext>
     </p:extLst>
   </p:cSld>
@@ -5911,135 +5872,34 @@
           <a:bodyPr/>
           <a:lstStyle/>
           <a:p>
-            <a:pPr algn="l"/>
-            <a:r>
-              <a:rPr lang="en-US" b="0" i="0" dirty="0">
-                <a:solidFill>
-                  <a:srgbClr val="3C3C3B"/>
-                </a:solidFill>
-                <a:effectLst/>
-                <a:latin typeface="+mn-lt"/>
-              </a:rPr>
-              <a:t>But before we go any further, we need to acknowledge that NLP isn't easy.  Here are three examples:</a:t>
-            </a:r>
-          </a:p>
-          <a:p>
-            <a:pPr algn="l"/>
-            <a:endParaRPr lang="en-US" b="0" i="0" dirty="0">
-              <a:solidFill>
-                <a:srgbClr val="3C3C3B"/>
-              </a:solidFill>
-              <a:effectLst/>
-              <a:latin typeface="+mn-lt"/>
-            </a:endParaRPr>
-          </a:p>
-          <a:p>
-            <a:pPr marL="228600" indent="-228600" algn="l">
-              <a:buAutoNum type="arabicPeriod"/>
-            </a:pPr>
-            <a:r>
-              <a:rPr lang="en-US" b="0" i="0" dirty="0">
-                <a:solidFill>
-                  <a:srgbClr val="3C3C3B"/>
-                </a:solidFill>
-                <a:effectLst/>
-                <a:latin typeface="+mn-lt"/>
-              </a:rPr>
-              <a:t>Consider the following sentence: "</a:t>
-            </a:r>
-            <a:r>
-              <a:rPr lang="en-US" b="0" i="1" dirty="0">
-                <a:solidFill>
-                  <a:srgbClr val="3C3C3B"/>
-                </a:solidFill>
-                <a:effectLst/>
-                <a:latin typeface="+mn-lt"/>
-              </a:rPr>
-              <a:t>The boy saw a man with a telescope.</a:t>
-            </a:r>
-            <a:r>
-              <a:rPr lang="en-US" b="0" i="0" dirty="0">
-                <a:solidFill>
-                  <a:srgbClr val="3C3C3B"/>
-                </a:solidFill>
-                <a:effectLst/>
-                <a:latin typeface="+mn-lt"/>
-              </a:rPr>
-              <a:t>“  Who had the telescope?  Did the boy use a telescope to see the man through it? Or was the man carrying a telescope with him? There is an ambiguity that we can't resolve with this sentence alone. Maybe some more context will help us figure this out.</a:t>
-            </a:r>
-          </a:p>
-          <a:p>
-            <a:pPr marL="228600" indent="-228600" algn="l">
-              <a:buAutoNum type="arabicPeriod"/>
-            </a:pPr>
-            <a:r>
-              <a:rPr lang="en-US" b="0" i="0" dirty="0">
-                <a:solidFill>
-                  <a:srgbClr val="3C3C3B"/>
-                </a:solidFill>
-                <a:effectLst/>
-                <a:latin typeface="+mn-lt"/>
-              </a:rPr>
-              <a:t>Let's consider another sentence: “</a:t>
-            </a:r>
-            <a:r>
-              <a:rPr lang="en-US" b="0" i="1" dirty="0">
-                <a:solidFill>
-                  <a:srgbClr val="3C3C3B"/>
-                </a:solidFill>
-                <a:effectLst/>
-                <a:latin typeface="+mn-lt"/>
-              </a:rPr>
-              <a:t>Bob convinced Robin to buy a television for himself.</a:t>
-            </a:r>
-            <a:r>
-              <a:rPr lang="en-US" b="0" i="0" dirty="0">
-                <a:solidFill>
-                  <a:srgbClr val="3C3C3B"/>
-                </a:solidFill>
-                <a:effectLst/>
-                <a:latin typeface="+mn-lt"/>
-              </a:rPr>
-              <a:t>" Who was the TV bought for – Bob or Robin? This is another case of ambiguity that we may be able to resolve with more context, but again, it may be very difficult for a machine/program.</a:t>
-            </a:r>
-          </a:p>
-          <a:p>
-            <a:pPr marL="228600" indent="-228600" algn="l">
-              <a:buAutoNum type="arabicPeriod"/>
-            </a:pPr>
-            <a:r>
-              <a:rPr lang="en-US" b="0" i="0" dirty="0">
-                <a:solidFill>
-                  <a:srgbClr val="3C3C3B"/>
-                </a:solidFill>
-                <a:effectLst/>
-                <a:latin typeface="+mn-lt"/>
-              </a:rPr>
-              <a:t>And finally, this sentence: "</a:t>
-            </a:r>
-            <a:r>
-              <a:rPr lang="en-US" b="0" i="1" dirty="0">
-                <a:solidFill>
-                  <a:srgbClr val="3C3C3B"/>
-                </a:solidFill>
-                <a:effectLst/>
-                <a:latin typeface="+mn-lt"/>
-              </a:rPr>
-              <a:t>Robin has quit skydiving.</a:t>
-            </a:r>
-            <a:r>
-              <a:rPr lang="en-US" b="0" i="0" dirty="0">
-                <a:solidFill>
-                  <a:srgbClr val="3C3C3B"/>
-                </a:solidFill>
-                <a:effectLst/>
-                <a:latin typeface="+mn-lt"/>
-              </a:rPr>
-              <a:t>" This sentence implies that Robin was once an active skydiver.  However, this presupposition is hard for a machine to infer.</a:t>
-            </a:r>
-          </a:p>
-          <a:p>
-            <a:pPr algn="l"/>
+            <a:r>
+              <a:rPr lang="en-US" dirty="0"/>
+              <a:t>Link:  </a:t>
+            </a:r>
+            <a:r>
+              <a:rPr lang="en-US" dirty="0">
+                <a:solidFill>
+                  <a:schemeClr val="accent5">
+                    <a:lumMod val="75000"/>
+                  </a:schemeClr>
+                </a:solidFill>
+              </a:rPr>
+              <a:t>https://github.com/PracticumAI-Test/HPG_Jupyter_Setup</a:t>
+            </a:r>
+          </a:p>
+          <a:p>
+            <a:endParaRPr lang="en-US" dirty="0"/>
+          </a:p>
+          <a:p>
+            <a:endParaRPr lang="en-US" dirty="0"/>
+          </a:p>
+          <a:p>
+            <a:endParaRPr lang="en-US" dirty="0"/>
+          </a:p>
+          <a:p>
+            <a:endParaRPr lang="en-US" dirty="0"/>
+          </a:p>
+          <a:p>
             <a:endParaRPr lang="en-US" dirty="0"/>
           </a:p>
         </p:txBody>
@@ -6070,7 +5930,7 @@
     </p:spTree>
     <p:extLst>
       <p:ext uri="{BB962C8B-B14F-4D97-AF65-F5344CB8AC3E}">
-        <p14:creationId xmlns:p14="http://schemas.microsoft.com/office/powerpoint/2010/main" val="388873883"/>
+        <p14:creationId xmlns:p14="http://schemas.microsoft.com/office/powerpoint/2010/main" val="1328824333"/>
       </p:ext>
     </p:extLst>
   </p:cSld>
@@ -6124,83 +5984,64 @@
           <a:bodyPr/>
           <a:lstStyle/>
           <a:p>
-            <a:pPr marL="228600" indent="-228600" algn="l">
-              <a:buAutoNum type="arabicPeriod"/>
+            <a:pPr marL="0" marR="0" lvl="0" indent="0" algn="l" defTabSz="914400" rtl="0" eaLnBrk="1" fontAlgn="auto" latinLnBrk="0" hangingPunct="1">
+              <a:lnSpc>
+                <a:spcPct val="100000"/>
+              </a:lnSpc>
+              <a:spcBef>
+                <a:spcPts val="0"/>
+              </a:spcBef>
+              <a:spcAft>
+                <a:spcPts val="0"/>
+              </a:spcAft>
+              <a:buClrTx/>
+              <a:buSzTx/>
+              <a:buFontTx/>
+              <a:buNone/>
+              <a:tabLst/>
+              <a:defRPr/>
             </a:pPr>
-            <a:r>
-              <a:rPr lang="en-US" b="0" i="0" dirty="0">
-                <a:solidFill>
-                  <a:srgbClr val="3C3C3B"/>
-                </a:solidFill>
-                <a:effectLst/>
-                <a:latin typeface="Calibri" panose="020F0502020204030204" pitchFamily="34" charset="0"/>
-                <a:cs typeface="Calibri" panose="020F0502020204030204" pitchFamily="34" charset="0"/>
-              </a:rPr>
-              <a:t>Deep learning enables many NLP tasks.</a:t>
-            </a:r>
-          </a:p>
-          <a:p>
-            <a:pPr marL="228600" indent="-228600" algn="l">
-              <a:buAutoNum type="arabicPeriod"/>
+            <a:endParaRPr lang="en-US" dirty="0"/>
+          </a:p>
+          <a:p>
+            <a:pPr marL="0" marR="0" lvl="0" indent="0" algn="l" defTabSz="914400" rtl="0" eaLnBrk="1" fontAlgn="auto" latinLnBrk="0" hangingPunct="1">
+              <a:lnSpc>
+                <a:spcPct val="100000"/>
+              </a:lnSpc>
+              <a:spcBef>
+                <a:spcPts val="0"/>
+              </a:spcBef>
+              <a:spcAft>
+                <a:spcPts val="0"/>
+              </a:spcAft>
+              <a:buClrTx/>
+              <a:buSzTx/>
+              <a:buFontTx/>
+              <a:buNone/>
+              <a:tabLst/>
+              <a:defRPr/>
             </a:pPr>
-            <a:r>
-              <a:rPr lang="en-US" b="0" i="0" dirty="0">
-                <a:solidFill>
-                  <a:srgbClr val="3C3C3B"/>
-                </a:solidFill>
-                <a:effectLst/>
-                <a:latin typeface="Calibri" panose="020F0502020204030204" pitchFamily="34" charset="0"/>
-                <a:cs typeface="Calibri" panose="020F0502020204030204" pitchFamily="34" charset="0"/>
-              </a:rPr>
-              <a:t>Prior to deep neural networks, sentiment analysis, translation, and chatbots required a lot of manual intervention.</a:t>
-            </a:r>
-          </a:p>
-          <a:p>
-            <a:pPr marL="0" indent="0" algn="l">
+            <a:endParaRPr lang="en-US" dirty="0"/>
+          </a:p>
+          <a:p>
+            <a:pPr marL="0" marR="0" lvl="0" indent="0" algn="l" defTabSz="914400" rtl="0" eaLnBrk="1" fontAlgn="auto" latinLnBrk="0" hangingPunct="1">
+              <a:lnSpc>
+                <a:spcPct val="100000"/>
+              </a:lnSpc>
+              <a:spcBef>
+                <a:spcPts val="0"/>
+              </a:spcBef>
+              <a:spcAft>
+                <a:spcPts val="0"/>
+              </a:spcAft>
+              <a:buClrTx/>
+              <a:buSzTx/>
+              <a:buFontTx/>
               <a:buNone/>
+              <a:tabLst/>
+              <a:defRPr/>
             </a:pPr>
-            <a:endParaRPr lang="en-US" b="0" i="0" dirty="0">
-              <a:solidFill>
-                <a:srgbClr val="3C3C3B"/>
-              </a:solidFill>
-              <a:effectLst/>
-              <a:latin typeface="Calibri" panose="020F0502020204030204" pitchFamily="34" charset="0"/>
-              <a:cs typeface="Calibri" panose="020F0502020204030204" pitchFamily="34" charset="0"/>
-            </a:endParaRPr>
-          </a:p>
-          <a:p>
-            <a:pPr marL="0" indent="0" algn="l">
-              <a:buNone/>
-            </a:pPr>
-            <a:r>
-              <a:rPr lang="en-US" b="0" i="0" dirty="0">
-                <a:solidFill>
-                  <a:srgbClr val="3C3C3B"/>
-                </a:solidFill>
-                <a:effectLst/>
-                <a:latin typeface="Calibri" panose="020F0502020204030204" pitchFamily="34" charset="0"/>
-                <a:cs typeface="Calibri" panose="020F0502020204030204" pitchFamily="34" charset="0"/>
-              </a:rPr>
-              <a:t>=====</a:t>
-            </a:r>
-          </a:p>
-          <a:p>
-            <a:pPr algn="l"/>
-            <a:r>
-              <a:rPr lang="en-US" b="0" i="0" dirty="0">
-                <a:solidFill>
-                  <a:srgbClr val="3C3C3B"/>
-                </a:solidFill>
-                <a:effectLst/>
-                <a:latin typeface="Calibri" panose="020F0502020204030204" pitchFamily="34" charset="0"/>
-                <a:cs typeface="Calibri" panose="020F0502020204030204" pitchFamily="34" charset="0"/>
-              </a:rPr>
-              <a:t>The emergence of deep learning has had a strong positive impact on many fields, and NLP is no exception. Applications that use sentiment prediction, machine translation, and chatbots previously required a lot of manual intervention. With deep learning and NLP, these tasks are completely automated and bring with them impressive performance.</a:t>
-            </a:r>
-            <a:endParaRPr lang="en-US" dirty="0">
-              <a:latin typeface="Calibri" panose="020F0502020204030204" pitchFamily="34" charset="0"/>
-              <a:cs typeface="Calibri" panose="020F0502020204030204" pitchFamily="34" charset="0"/>
-            </a:endParaRPr>
+            <a:endParaRPr lang="en-US" dirty="0"/>
           </a:p>
         </p:txBody>
       </p:sp>
@@ -6230,7 +6071,7 @@
     </p:spTree>
     <p:extLst>
       <p:ext uri="{BB962C8B-B14F-4D97-AF65-F5344CB8AC3E}">
-        <p14:creationId xmlns:p14="http://schemas.microsoft.com/office/powerpoint/2010/main" val="80972208"/>
+        <p14:creationId xmlns:p14="http://schemas.microsoft.com/office/powerpoint/2010/main" val="746596115"/>
       </p:ext>
     </p:extLst>
   </p:cSld>
@@ -6284,35 +6125,215 @@
           <a:bodyPr/>
           <a:lstStyle/>
           <a:p>
-            <a:r>
-              <a:rPr lang="en-US" dirty="0"/>
-              <a:t>Link:  </a:t>
-            </a:r>
-            <a:r>
-              <a:rPr lang="en-US" dirty="0">
-                <a:solidFill>
-                  <a:schemeClr val="accent5">
-                    <a:lumMod val="75000"/>
-                  </a:schemeClr>
-                </a:solidFill>
-              </a:rPr>
-              <a:t>https://github.com/PracticumAI-Test/HPG_Jupyter_Setup</a:t>
-            </a:r>
-          </a:p>
-          <a:p>
-            <a:endParaRPr lang="en-US" dirty="0"/>
-          </a:p>
-          <a:p>
-            <a:endParaRPr lang="en-US" dirty="0"/>
-          </a:p>
-          <a:p>
-            <a:endParaRPr lang="en-US" dirty="0"/>
-          </a:p>
-          <a:p>
-            <a:endParaRPr lang="en-US" dirty="0"/>
-          </a:p>
-          <a:p>
-            <a:endParaRPr lang="en-US" dirty="0"/>
+            <a:pPr marL="228600" indent="-228600">
+              <a:buAutoNum type="arabicPeriod"/>
+            </a:pPr>
+            <a:r>
+              <a:rPr lang="en-US" b="0" i="0" dirty="0">
+                <a:solidFill>
+                  <a:srgbClr val="3C3C3B"/>
+                </a:solidFill>
+                <a:effectLst/>
+                <a:latin typeface="+mn-lt"/>
+              </a:rPr>
+              <a:t>Data pre-processing &amp; cleaning accounts for 80+% of the time on an AI project</a:t>
+            </a:r>
+          </a:p>
+          <a:p>
+            <a:pPr marL="228600" indent="-228600">
+              <a:buAutoNum type="arabicPeriod"/>
+            </a:pPr>
+            <a:r>
+              <a:rPr lang="en-US" b="0" i="0" dirty="0">
+                <a:solidFill>
+                  <a:srgbClr val="3C3C3B"/>
+                </a:solidFill>
+                <a:effectLst/>
+                <a:latin typeface="+mn-lt"/>
+              </a:rPr>
+              <a:t>Data </a:t>
+            </a:r>
+            <a:r>
+              <a:rPr lang="en-US" b="1" i="0" dirty="0">
+                <a:solidFill>
+                  <a:srgbClr val="3C3C3B"/>
+                </a:solidFill>
+                <a:effectLst/>
+                <a:latin typeface="+mn-lt"/>
+              </a:rPr>
+              <a:t>staging</a:t>
+            </a:r>
+            <a:r>
+              <a:rPr lang="en-US" b="0" i="0" dirty="0">
+                <a:solidFill>
+                  <a:srgbClr val="3C3C3B"/>
+                </a:solidFill>
+                <a:effectLst/>
+                <a:latin typeface="+mn-lt"/>
+              </a:rPr>
+              <a:t>: all activities associated with cleaning and prepping data sets – this is critically important (Andrew Ng initiative)</a:t>
+            </a:r>
+          </a:p>
+          <a:p>
+            <a:pPr marL="228600" indent="-228600">
+              <a:buAutoNum type="arabicPeriod"/>
+            </a:pPr>
+            <a:r>
+              <a:rPr lang="en-US" b="0" i="0" dirty="0">
+                <a:solidFill>
+                  <a:srgbClr val="3C3C3B"/>
+                </a:solidFill>
+                <a:effectLst/>
+                <a:latin typeface="+mn-lt"/>
+              </a:rPr>
+              <a:t>Since 1950’s, programmers have been saying, “Garbage in, Garbage out.”</a:t>
+            </a:r>
+          </a:p>
+          <a:p>
+            <a:pPr marL="228600" indent="-228600">
+              <a:buAutoNum type="arabicPeriod"/>
+            </a:pPr>
+            <a:r>
+              <a:rPr lang="en-US" b="0" i="0" dirty="0">
+                <a:solidFill>
+                  <a:srgbClr val="3C3C3B"/>
+                </a:solidFill>
+                <a:effectLst/>
+                <a:latin typeface="+mn-lt"/>
+              </a:rPr>
+              <a:t>Data </a:t>
+            </a:r>
+            <a:r>
+              <a:rPr lang="en-US" b="1" i="0" dirty="0">
+                <a:solidFill>
+                  <a:srgbClr val="3C3C3B"/>
+                </a:solidFill>
+                <a:effectLst/>
+                <a:latin typeface="+mn-lt"/>
+              </a:rPr>
+              <a:t>representation</a:t>
+            </a:r>
+            <a:r>
+              <a:rPr lang="en-US" b="0" i="0" dirty="0">
+                <a:solidFill>
+                  <a:srgbClr val="3C3C3B"/>
+                </a:solidFill>
+                <a:effectLst/>
+                <a:latin typeface="+mn-lt"/>
+              </a:rPr>
+              <a:t> is a key NLP process:</a:t>
+            </a:r>
+          </a:p>
+          <a:p>
+            <a:pPr marL="685800" lvl="1" indent="-228600">
+              <a:buAutoNum type="arabicPeriod"/>
+            </a:pPr>
+            <a:r>
+              <a:rPr lang="en-US" b="0" i="0" dirty="0">
+                <a:solidFill>
+                  <a:srgbClr val="3C3C3B"/>
+                </a:solidFill>
+                <a:effectLst/>
+                <a:latin typeface="+mn-lt"/>
+              </a:rPr>
+              <a:t>Representation is converting raw text into something the computer understands</a:t>
+            </a:r>
+          </a:p>
+          <a:p>
+            <a:pPr marL="685800" lvl="1" indent="-228600">
+              <a:buAutoNum type="arabicPeriod"/>
+            </a:pPr>
+            <a:r>
+              <a:rPr lang="en-US" b="0" i="0" dirty="0">
+                <a:solidFill>
+                  <a:srgbClr val="3C3C3B"/>
+                </a:solidFill>
+                <a:effectLst/>
+                <a:latin typeface="+mn-lt"/>
+              </a:rPr>
+              <a:t>Word embeddings – now popular (deep learning text representation) – topic of next NLP workshop</a:t>
+            </a:r>
+            <a:endParaRPr lang="en-US" b="1" i="0" dirty="0">
+              <a:solidFill>
+                <a:srgbClr val="3C3C3B"/>
+              </a:solidFill>
+              <a:effectLst/>
+              <a:latin typeface="+mn-lt"/>
+            </a:endParaRPr>
+          </a:p>
+          <a:p>
+            <a:endParaRPr lang="en-US" b="0" i="0" dirty="0">
+              <a:solidFill>
+                <a:srgbClr val="3C3C3B"/>
+              </a:solidFill>
+              <a:effectLst/>
+              <a:latin typeface="+mn-lt"/>
+            </a:endParaRPr>
+          </a:p>
+          <a:p>
+            <a:r>
+              <a:rPr lang="en-US" b="0" i="0" dirty="0">
+                <a:solidFill>
+                  <a:srgbClr val="3C3C3B"/>
+                </a:solidFill>
+                <a:effectLst/>
+                <a:latin typeface="+mn-lt"/>
+              </a:rPr>
+              <a:t>=====</a:t>
+            </a:r>
+          </a:p>
+          <a:p>
+            <a:r>
+              <a:rPr lang="en-US" b="0" i="0" dirty="0">
+                <a:solidFill>
+                  <a:srgbClr val="3C3C3B"/>
+                </a:solidFill>
+                <a:effectLst/>
+                <a:latin typeface="+mn-lt"/>
+              </a:rPr>
+              <a:t>Data pre-processing and cleaning usually accounts for 80+% of the time spent on an AI project.  Staging the data, as the process is often called, includes all activities associated with cleaning and preparing a data set for analysis.  A properly staged data set is </a:t>
+            </a:r>
+            <a:r>
+              <a:rPr lang="en-US" b="1" i="0" dirty="0">
+                <a:solidFill>
+                  <a:srgbClr val="3C3C3B"/>
+                </a:solidFill>
+                <a:effectLst/>
+                <a:latin typeface="+mn-lt"/>
+              </a:rPr>
+              <a:t>critically</a:t>
+            </a:r>
+            <a:r>
+              <a:rPr lang="en-US" b="0" i="0" dirty="0">
+                <a:solidFill>
+                  <a:srgbClr val="3C3C3B"/>
+                </a:solidFill>
+                <a:effectLst/>
+                <a:latin typeface="+mn-lt"/>
+              </a:rPr>
+              <a:t> important…  For as computer folks have been saying for a long time (since the late 1950’s) – garbage in, garbage out.  This holds true for Natural Language Processing as well.</a:t>
+            </a:r>
+          </a:p>
+          <a:p>
+            <a:endParaRPr lang="en-US" b="0" i="0" dirty="0">
+              <a:solidFill>
+                <a:srgbClr val="3C3C3B"/>
+              </a:solidFill>
+              <a:effectLst/>
+              <a:latin typeface="+mn-lt"/>
+            </a:endParaRPr>
+          </a:p>
+          <a:p>
+            <a:r>
+              <a:rPr lang="en-US" b="0" i="0" dirty="0">
+                <a:solidFill>
+                  <a:srgbClr val="3C3C3B"/>
+                </a:solidFill>
+                <a:effectLst/>
+                <a:latin typeface="+mn-lt"/>
+              </a:rPr>
+              <a:t>One key task in NLP is text data representation – which is, in simple terms, converting raw text into something a model would understand. Word embeddings constitute a deep learning-based approach that has changed the game, providing a powerful representation of text. We'll discuss embeddings in our next workshop.  But first, let’s talk about some basic data pre-processing options.</a:t>
+            </a:r>
           </a:p>
         </p:txBody>
       </p:sp>
@@ -6342,7 +6363,7 @@
     </p:spTree>
     <p:extLst>
       <p:ext uri="{BB962C8B-B14F-4D97-AF65-F5344CB8AC3E}">
-        <p14:creationId xmlns:p14="http://schemas.microsoft.com/office/powerpoint/2010/main" val="1328824333"/>
+        <p14:creationId xmlns:p14="http://schemas.microsoft.com/office/powerpoint/2010/main" val="3755491919"/>
       </p:ext>
     </p:extLst>
   </p:cSld>
@@ -6396,64 +6417,44 @@
           <a:bodyPr/>
           <a:lstStyle/>
           <a:p>
-            <a:pPr marL="0" marR="0" lvl="0" indent="0" algn="l" defTabSz="914400" rtl="0" eaLnBrk="1" fontAlgn="auto" latinLnBrk="0" hangingPunct="1">
-              <a:lnSpc>
-                <a:spcPct val="100000"/>
-              </a:lnSpc>
-              <a:spcBef>
-                <a:spcPts val="0"/>
-              </a:spcBef>
-              <a:spcAft>
-                <a:spcPts val="0"/>
-              </a:spcAft>
-              <a:buClrTx/>
-              <a:buSzTx/>
-              <a:buFontTx/>
-              <a:buNone/>
-              <a:tabLst/>
-              <a:defRPr/>
-            </a:pPr>
-            <a:endParaRPr lang="en-US" dirty="0"/>
-          </a:p>
-          <a:p>
-            <a:pPr marL="0" marR="0" lvl="0" indent="0" algn="l" defTabSz="914400" rtl="0" eaLnBrk="1" fontAlgn="auto" latinLnBrk="0" hangingPunct="1">
-              <a:lnSpc>
-                <a:spcPct val="100000"/>
-              </a:lnSpc>
-              <a:spcBef>
-                <a:spcPts val="0"/>
-              </a:spcBef>
-              <a:spcAft>
-                <a:spcPts val="0"/>
-              </a:spcAft>
-              <a:buClrTx/>
-              <a:buSzTx/>
-              <a:buFontTx/>
-              <a:buNone/>
-              <a:tabLst/>
-              <a:defRPr/>
-            </a:pPr>
-            <a:endParaRPr lang="en-US" dirty="0"/>
-          </a:p>
-          <a:p>
-            <a:pPr marL="0" marR="0" lvl="0" indent="0" algn="l" defTabSz="914400" rtl="0" eaLnBrk="1" fontAlgn="auto" latinLnBrk="0" hangingPunct="1">
-              <a:lnSpc>
-                <a:spcPct val="100000"/>
-              </a:lnSpc>
-              <a:spcBef>
-                <a:spcPts val="0"/>
-              </a:spcBef>
-              <a:spcAft>
-                <a:spcPts val="0"/>
-              </a:spcAft>
-              <a:buClrTx/>
-              <a:buSzTx/>
-              <a:buFontTx/>
-              <a:buNone/>
-              <a:tabLst/>
-              <a:defRPr/>
-            </a:pPr>
-            <a:endParaRPr lang="en-US" dirty="0"/>
+            <a:pPr algn="l"/>
+            <a:r>
+              <a:rPr lang="en-US" sz="1200" b="0" i="0" u="none" strike="noStrike" baseline="0" dirty="0">
+                <a:latin typeface="+mn-lt"/>
+              </a:rPr>
+              <a:t>The first step in preprocessing is usually </a:t>
+            </a:r>
+            <a:r>
+              <a:rPr lang="en-US" sz="1200" b="1" i="0" u="none" strike="noStrike" baseline="0" dirty="0">
+                <a:latin typeface="+mn-lt"/>
+              </a:rPr>
+              <a:t>tokenization </a:t>
+            </a:r>
+            <a:r>
+              <a:rPr lang="en-US" sz="1200" b="0" i="0" u="none" strike="noStrike" baseline="0" dirty="0">
+                <a:latin typeface="+mn-lt"/>
+              </a:rPr>
+              <a:t>– splitting the raw input text sequence into </a:t>
+            </a:r>
+            <a:r>
+              <a:rPr lang="en-US" sz="1200" b="1" i="0" u="none" strike="noStrike" baseline="0" dirty="0">
+                <a:latin typeface="+mn-lt"/>
+              </a:rPr>
+              <a:t>tokens</a:t>
+            </a:r>
+            <a:r>
+              <a:rPr lang="en-US" sz="1200" b="0" i="0" u="none" strike="noStrike" baseline="0" dirty="0">
+                <a:latin typeface="+mn-lt"/>
+              </a:rPr>
+              <a:t>. In simple terms, it is breaking the raw text into constituent elements that you want to work on. This token can be a paragraph, sentence, word, or even a character. If you want to separate a paragraph into sentences, then you would tokenize the paragraph into sentences. If you want to separate the words in a sentence, then you would tokenize the sentence into words.</a:t>
+            </a:r>
+            <a:endParaRPr lang="en-US" sz="1200" b="0" i="0" dirty="0">
+              <a:solidFill>
+                <a:srgbClr val="3C3C3B"/>
+              </a:solidFill>
+              <a:effectLst/>
+              <a:latin typeface="+mn-lt"/>
+            </a:endParaRPr>
           </a:p>
         </p:txBody>
       </p:sp>
@@ -6483,7 +6484,7 @@
     </p:spTree>
     <p:extLst>
       <p:ext uri="{BB962C8B-B14F-4D97-AF65-F5344CB8AC3E}">
-        <p14:creationId xmlns:p14="http://schemas.microsoft.com/office/powerpoint/2010/main" val="746596115"/>
+        <p14:creationId xmlns:p14="http://schemas.microsoft.com/office/powerpoint/2010/main" val="4011919624"/>
       </p:ext>
     </p:extLst>
   </p:cSld>
@@ -6640,7 +6641,7 @@
           <a:p>
             <a:fld id="{C3F78080-8D0A-4BE8-A5B4-CB115102D524}" type="datetimeFigureOut">
               <a:rPr lang="en-US" smtClean="0"/>
-              <a:t>5/25/2022</a:t>
+              <a:t>10/12/2022</a:t>
             </a:fld>
             <a:endParaRPr lang="en-US"/>
           </a:p>
@@ -6838,7 +6839,7 @@
           <a:p>
             <a:fld id="{C3F78080-8D0A-4BE8-A5B4-CB115102D524}" type="datetimeFigureOut">
               <a:rPr lang="en-US" smtClean="0"/>
-              <a:t>5/25/2022</a:t>
+              <a:t>10/12/2022</a:t>
             </a:fld>
             <a:endParaRPr lang="en-US"/>
           </a:p>
@@ -7046,7 +7047,7 @@
           <a:p>
             <a:fld id="{C3F78080-8D0A-4BE8-A5B4-CB115102D524}" type="datetimeFigureOut">
               <a:rPr lang="en-US" smtClean="0"/>
-              <a:t>5/25/2022</a:t>
+              <a:t>10/12/2022</a:t>
             </a:fld>
             <a:endParaRPr lang="en-US"/>
           </a:p>
@@ -7244,7 +7245,7 @@
           <a:p>
             <a:fld id="{C3F78080-8D0A-4BE8-A5B4-CB115102D524}" type="datetimeFigureOut">
               <a:rPr lang="en-US" smtClean="0"/>
-              <a:t>5/25/2022</a:t>
+              <a:t>10/12/2022</a:t>
             </a:fld>
             <a:endParaRPr lang="en-US"/>
           </a:p>
@@ -7519,7 +7520,7 @@
           <a:p>
             <a:fld id="{C3F78080-8D0A-4BE8-A5B4-CB115102D524}" type="datetimeFigureOut">
               <a:rPr lang="en-US" smtClean="0"/>
-              <a:t>5/25/2022</a:t>
+              <a:t>10/12/2022</a:t>
             </a:fld>
             <a:endParaRPr lang="en-US"/>
           </a:p>
@@ -7784,7 +7785,7 @@
           <a:p>
             <a:fld id="{C3F78080-8D0A-4BE8-A5B4-CB115102D524}" type="datetimeFigureOut">
               <a:rPr lang="en-US" smtClean="0"/>
-              <a:t>5/25/2022</a:t>
+              <a:t>10/12/2022</a:t>
             </a:fld>
             <a:endParaRPr lang="en-US"/>
           </a:p>
@@ -8196,7 +8197,7 @@
           <a:p>
             <a:fld id="{C3F78080-8D0A-4BE8-A5B4-CB115102D524}" type="datetimeFigureOut">
               <a:rPr lang="en-US" smtClean="0"/>
-              <a:t>5/25/2022</a:t>
+              <a:t>10/12/2022</a:t>
             </a:fld>
             <a:endParaRPr lang="en-US"/>
           </a:p>
@@ -8337,7 +8338,7 @@
           <a:p>
             <a:fld id="{C3F78080-8D0A-4BE8-A5B4-CB115102D524}" type="datetimeFigureOut">
               <a:rPr lang="en-US" smtClean="0"/>
-              <a:t>5/25/2022</a:t>
+              <a:t>10/12/2022</a:t>
             </a:fld>
             <a:endParaRPr lang="en-US"/>
           </a:p>
@@ -8450,7 +8451,7 @@
           <a:p>
             <a:fld id="{C3F78080-8D0A-4BE8-A5B4-CB115102D524}" type="datetimeFigureOut">
               <a:rPr lang="en-US" smtClean="0"/>
-              <a:t>5/25/2022</a:t>
+              <a:t>10/12/2022</a:t>
             </a:fld>
             <a:endParaRPr lang="en-US"/>
           </a:p>
@@ -8761,7 +8762,7 @@
           <a:p>
             <a:fld id="{C3F78080-8D0A-4BE8-A5B4-CB115102D524}" type="datetimeFigureOut">
               <a:rPr lang="en-US" smtClean="0"/>
-              <a:t>5/25/2022</a:t>
+              <a:t>10/12/2022</a:t>
             </a:fld>
             <a:endParaRPr lang="en-US"/>
           </a:p>
@@ -9049,7 +9050,7 @@
           <a:p>
             <a:fld id="{C3F78080-8D0A-4BE8-A5B4-CB115102D524}" type="datetimeFigureOut">
               <a:rPr lang="en-US" smtClean="0"/>
-              <a:t>5/25/2022</a:t>
+              <a:t>10/12/2022</a:t>
             </a:fld>
             <a:endParaRPr lang="en-US"/>
           </a:p>
@@ -9290,7 +9291,7 @@
           <a:p>
             <a:fld id="{C3F78080-8D0A-4BE8-A5B4-CB115102D524}" type="datetimeFigureOut">
               <a:rPr lang="en-US" smtClean="0"/>
-              <a:t>5/25/2022</a:t>
+              <a:t>10/12/2022</a:t>
             </a:fld>
             <a:endParaRPr lang="en-US"/>
           </a:p>
@@ -9839,501 +9840,6 @@
         </p:nvSpPr>
         <p:spPr>
           <a:xfrm>
-            <a:off x="0" y="439075"/>
-            <a:ext cx="12192000" cy="887896"/>
-          </a:xfrm>
-          <a:noFill/>
-        </p:spPr>
-        <p:txBody>
-          <a:bodyPr>
-            <a:noAutofit/>
-          </a:bodyPr>
-          <a:lstStyle/>
-          <a:p>
-            <a:pPr algn="ctr"/>
-            <a:br>
-              <a:rPr lang="en-US" sz="4800" dirty="0">
-                <a:solidFill>
-                  <a:schemeClr val="tx1">
-                    <a:lumMod val="75000"/>
-                    <a:lumOff val="25000"/>
-                  </a:schemeClr>
-                </a:solidFill>
-              </a:rPr>
-            </a:br>
-            <a:br>
-              <a:rPr lang="en-US" sz="4800" dirty="0">
-                <a:solidFill>
-                  <a:schemeClr val="tx1">
-                    <a:lumMod val="75000"/>
-                    <a:lumOff val="25000"/>
-                  </a:schemeClr>
-                </a:solidFill>
-              </a:rPr>
-            </a:br>
-            <a:br>
-              <a:rPr lang="en-US" sz="4800" dirty="0">
-                <a:solidFill>
-                  <a:schemeClr val="tx1">
-                    <a:lumMod val="75000"/>
-                    <a:lumOff val="25000"/>
-                  </a:schemeClr>
-                </a:solidFill>
-              </a:rPr>
-            </a:br>
-            <a:br>
-              <a:rPr lang="en-US" sz="4800" dirty="0">
-                <a:solidFill>
-                  <a:schemeClr val="tx1">
-                    <a:lumMod val="75000"/>
-                    <a:lumOff val="25000"/>
-                  </a:schemeClr>
-                </a:solidFill>
-              </a:rPr>
-            </a:br>
-            <a:r>
-              <a:rPr lang="en-US" sz="4800" dirty="0">
-                <a:solidFill>
-                  <a:schemeClr val="tx1">
-                    <a:lumMod val="75000"/>
-                    <a:lumOff val="25000"/>
-                  </a:schemeClr>
-                </a:solidFill>
-                <a:latin typeface="Palatino Linotype" panose="02040502050505030304" pitchFamily="18" charset="0"/>
-              </a:rPr>
-              <a:t>Data Pre-Processing &amp; Cleaning</a:t>
-            </a:r>
-            <a:endParaRPr lang="en-US" sz="4800" dirty="0">
-              <a:solidFill>
-                <a:schemeClr val="tx1">
-                  <a:lumMod val="75000"/>
-                  <a:lumOff val="25000"/>
-                </a:schemeClr>
-              </a:solidFill>
-              <a:latin typeface="Palatino Linotype" panose="02040502050505030304" pitchFamily="18" charset="0"/>
-              <a:cs typeface="Segoe UI Light" panose="020B0502040204020203" pitchFamily="34" charset="0"/>
-            </a:endParaRPr>
-          </a:p>
-        </p:txBody>
-      </p:sp>
-      <p:pic>
-        <p:nvPicPr>
-          <p:cNvPr id="2050" name="Picture 2" descr="Data Cleaning: 7 Techniques + Steps to Cleanse Data">
-            <a:extLst>
-              <a:ext uri="{FF2B5EF4-FFF2-40B4-BE49-F238E27FC236}">
-                <a16:creationId xmlns:a16="http://schemas.microsoft.com/office/drawing/2014/main" id="{C7F91793-2C12-47EA-8903-3D4A88F2E811}"/>
-              </a:ext>
-            </a:extLst>
-          </p:cNvPr>
-          <p:cNvPicPr>
-            <a:picLocks noChangeAspect="1" noChangeArrowheads="1"/>
-          </p:cNvPicPr>
-          <p:nvPr/>
-        </p:nvPicPr>
-        <p:blipFill>
-          <a:blip r:embed="rId3">
-            <a:extLst>
-              <a:ext uri="{28A0092B-C50C-407E-A947-70E740481C1C}">
-                <a14:useLocalDpi xmlns:a14="http://schemas.microsoft.com/office/drawing/2010/main" val="0"/>
-              </a:ext>
-            </a:extLst>
-          </a:blip>
-          <a:srcRect/>
-          <a:stretch>
-            <a:fillRect/>
-          </a:stretch>
-        </p:blipFill>
-        <p:spPr bwMode="auto">
-          <a:xfrm>
-            <a:off x="3347169" y="2030042"/>
-            <a:ext cx="5497662" cy="3793387"/>
-          </a:xfrm>
-          <a:prstGeom prst="rect">
-            <a:avLst/>
-          </a:prstGeom>
-          <a:noFill/>
-          <a:ln w="6350">
-            <a:solidFill>
-              <a:schemeClr val="tx1">
-                <a:lumMod val="75000"/>
-                <a:lumOff val="25000"/>
-              </a:schemeClr>
-            </a:solidFill>
-          </a:ln>
-          <a:effectLst>
-            <a:outerShdw blurRad="50800" dist="38100" dir="2700000" algn="tl" rotWithShape="0">
-              <a:prstClr val="black">
-                <a:alpha val="40000"/>
-              </a:prstClr>
-            </a:outerShdw>
-          </a:effectLst>
-          <a:extLst>
-            <a:ext uri="{909E8E84-426E-40DD-AFC4-6F175D3DCCD1}">
-              <a14:hiddenFill xmlns:a14="http://schemas.microsoft.com/office/drawing/2010/main">
-                <a:solidFill>
-                  <a:srgbClr val="FFFFFF"/>
-                </a:solidFill>
-              </a14:hiddenFill>
-            </a:ext>
-          </a:extLst>
-        </p:spPr>
-      </p:pic>
-      <p:sp>
-        <p:nvSpPr>
-          <p:cNvPr id="4" name="TextBox 3">
-            <a:extLst>
-              <a:ext uri="{FF2B5EF4-FFF2-40B4-BE49-F238E27FC236}">
-                <a16:creationId xmlns:a16="http://schemas.microsoft.com/office/drawing/2014/main" id="{D1925D42-A677-45FD-B62B-7E84CD33E60A}"/>
-              </a:ext>
-            </a:extLst>
-          </p:cNvPr>
-          <p:cNvSpPr txBox="1"/>
-          <p:nvPr/>
-        </p:nvSpPr>
-        <p:spPr>
-          <a:xfrm>
-            <a:off x="11430" y="6550223"/>
-            <a:ext cx="12192000" cy="307777"/>
-          </a:xfrm>
-          <a:prstGeom prst="rect">
-            <a:avLst/>
-          </a:prstGeom>
-          <a:noFill/>
-        </p:spPr>
-        <p:txBody>
-          <a:bodyPr wrap="square" rtlCol="0">
-            <a:spAutoFit/>
-          </a:bodyPr>
-          <a:lstStyle/>
-          <a:p>
-            <a:r>
-              <a:rPr lang="en-US" sz="1400" dirty="0">
-                <a:solidFill>
-                  <a:schemeClr val="tx1">
-                    <a:lumMod val="65000"/>
-                    <a:lumOff val="35000"/>
-                  </a:schemeClr>
-                </a:solidFill>
-                <a:latin typeface="+mj-lt"/>
-                <a:ea typeface="Verdana" panose="020B0604030504040204" pitchFamily="34" charset="0"/>
-              </a:rPr>
-              <a:t>Image Credit: </a:t>
-            </a:r>
-            <a:r>
-              <a:rPr lang="en-US" sz="1400" dirty="0">
-                <a:solidFill>
-                  <a:schemeClr val="tx1">
-                    <a:lumMod val="65000"/>
-                    <a:lumOff val="35000"/>
-                  </a:schemeClr>
-                </a:solidFill>
-                <a:latin typeface="+mj-lt"/>
-              </a:rPr>
-              <a:t>https://www.formpl.us/blog/data-cleaning</a:t>
-            </a:r>
-          </a:p>
-        </p:txBody>
-      </p:sp>
-    </p:spTree>
-    <p:extLst>
-      <p:ext uri="{BB962C8B-B14F-4D97-AF65-F5344CB8AC3E}">
-        <p14:creationId xmlns:p14="http://schemas.microsoft.com/office/powerpoint/2010/main" val="954088865"/>
-      </p:ext>
-    </p:extLst>
-  </p:cSld>
-  <p:clrMapOvr>
-    <a:masterClrMapping/>
-  </p:clrMapOvr>
-  <mc:AlternateContent xmlns:mc="http://schemas.openxmlformats.org/markup-compatibility/2006" xmlns:p14="http://schemas.microsoft.com/office/powerpoint/2010/main">
-    <mc:Choice Requires="p14">
-      <p:transition spd="med" p14:dur="700">
-        <p:fade/>
-      </p:transition>
-    </mc:Choice>
-    <mc:Fallback xmlns="">
-      <p:transition spd="med">
-        <p:fade/>
-      </p:transition>
-    </mc:Fallback>
-  </mc:AlternateContent>
-</p:sld>
-</file>
-
-<file path=ppt/slides/slide11.xml><?xml version="1.0" encoding="utf-8"?>
-<p:sld xmlns:a="http://schemas.openxmlformats.org/drawingml/2006/main" xmlns:r="http://schemas.openxmlformats.org/officeDocument/2006/relationships" xmlns:p="http://schemas.openxmlformats.org/presentationml/2006/main">
-  <p:cSld>
-    <p:spTree>
-      <p:nvGrpSpPr>
-        <p:cNvPr id="1" name=""/>
-        <p:cNvGrpSpPr/>
-        <p:nvPr/>
-      </p:nvGrpSpPr>
-      <p:grpSpPr>
-        <a:xfrm>
-          <a:off x="0" y="0"/>
-          <a:ext cx="0" cy="0"/>
-          <a:chOff x="0" y="0"/>
-          <a:chExt cx="0" cy="0"/>
-        </a:xfrm>
-      </p:grpSpPr>
-      <p:sp>
-        <p:nvSpPr>
-          <p:cNvPr id="2" name="Title 1">
-            <a:extLst>
-              <a:ext uri="{FF2B5EF4-FFF2-40B4-BE49-F238E27FC236}">
-                <a16:creationId xmlns:a16="http://schemas.microsoft.com/office/drawing/2014/main" id="{BDD7C7F8-5422-4861-A26D-07760C905BD9}"/>
-              </a:ext>
-            </a:extLst>
-          </p:cNvPr>
-          <p:cNvSpPr>
-            <a:spLocks noGrp="1"/>
-          </p:cNvSpPr>
-          <p:nvPr>
-            <p:ph type="title"/>
-          </p:nvPr>
-        </p:nvSpPr>
-        <p:spPr>
-          <a:xfrm>
-            <a:off x="0" y="594360"/>
-            <a:ext cx="12192000" cy="887896"/>
-          </a:xfrm>
-          <a:noFill/>
-        </p:spPr>
-        <p:txBody>
-          <a:bodyPr>
-            <a:noAutofit/>
-          </a:bodyPr>
-          <a:lstStyle/>
-          <a:p>
-            <a:pPr algn="ctr"/>
-            <a:br>
-              <a:rPr lang="en-US" sz="4800" dirty="0">
-                <a:solidFill>
-                  <a:schemeClr val="tx1">
-                    <a:lumMod val="75000"/>
-                    <a:lumOff val="25000"/>
-                  </a:schemeClr>
-                </a:solidFill>
-              </a:rPr>
-            </a:br>
-            <a:br>
-              <a:rPr lang="en-US" sz="4800" dirty="0">
-                <a:solidFill>
-                  <a:schemeClr val="tx1">
-                    <a:lumMod val="75000"/>
-                    <a:lumOff val="25000"/>
-                  </a:schemeClr>
-                </a:solidFill>
-              </a:rPr>
-            </a:br>
-            <a:br>
-              <a:rPr lang="en-US" sz="4800" dirty="0">
-                <a:solidFill>
-                  <a:schemeClr val="tx1">
-                    <a:lumMod val="75000"/>
-                    <a:lumOff val="25000"/>
-                  </a:schemeClr>
-                </a:solidFill>
-              </a:rPr>
-            </a:br>
-            <a:br>
-              <a:rPr lang="en-US" sz="4800" dirty="0">
-                <a:solidFill>
-                  <a:schemeClr val="tx1">
-                    <a:lumMod val="75000"/>
-                    <a:lumOff val="25000"/>
-                  </a:schemeClr>
-                </a:solidFill>
-              </a:rPr>
-            </a:br>
-            <a:r>
-              <a:rPr lang="en-US" sz="4800" dirty="0">
-                <a:solidFill>
-                  <a:schemeClr val="tx1">
-                    <a:lumMod val="75000"/>
-                    <a:lumOff val="25000"/>
-                  </a:schemeClr>
-                </a:solidFill>
-                <a:latin typeface="Palatino Linotype" panose="02040502050505030304" pitchFamily="18" charset="0"/>
-              </a:rPr>
-              <a:t>Tokenization</a:t>
-            </a:r>
-            <a:endParaRPr lang="en-US" sz="4800" dirty="0">
-              <a:solidFill>
-                <a:schemeClr val="tx1">
-                  <a:lumMod val="75000"/>
-                  <a:lumOff val="25000"/>
-                </a:schemeClr>
-              </a:solidFill>
-              <a:latin typeface="Palatino Linotype" panose="02040502050505030304" pitchFamily="18" charset="0"/>
-              <a:cs typeface="Segoe UI Light" panose="020B0502040204020203" pitchFamily="34" charset="0"/>
-            </a:endParaRPr>
-          </a:p>
-        </p:txBody>
-      </p:sp>
-      <p:sp>
-        <p:nvSpPr>
-          <p:cNvPr id="4" name="TextBox 3">
-            <a:extLst>
-              <a:ext uri="{FF2B5EF4-FFF2-40B4-BE49-F238E27FC236}">
-                <a16:creationId xmlns:a16="http://schemas.microsoft.com/office/drawing/2014/main" id="{D1925D42-A677-45FD-B62B-7E84CD33E60A}"/>
-              </a:ext>
-            </a:extLst>
-          </p:cNvPr>
-          <p:cNvSpPr txBox="1"/>
-          <p:nvPr/>
-        </p:nvSpPr>
-        <p:spPr>
-          <a:xfrm>
-            <a:off x="11430" y="6550223"/>
-            <a:ext cx="12192000" cy="307777"/>
-          </a:xfrm>
-          <a:prstGeom prst="rect">
-            <a:avLst/>
-          </a:prstGeom>
-          <a:noFill/>
-        </p:spPr>
-        <p:txBody>
-          <a:bodyPr wrap="square" rtlCol="0">
-            <a:spAutoFit/>
-          </a:bodyPr>
-          <a:lstStyle/>
-          <a:p>
-            <a:r>
-              <a:rPr lang="en-US" sz="1400" dirty="0">
-                <a:solidFill>
-                  <a:schemeClr val="tx1">
-                    <a:lumMod val="65000"/>
-                    <a:lumOff val="35000"/>
-                  </a:schemeClr>
-                </a:solidFill>
-                <a:latin typeface="+mj-lt"/>
-                <a:ea typeface="Verdana" panose="020B0604030504040204" pitchFamily="34" charset="0"/>
-              </a:rPr>
-              <a:t>Image Credit: </a:t>
-            </a:r>
-            <a:r>
-              <a:rPr lang="en-US" sz="1400" dirty="0">
-                <a:solidFill>
-                  <a:schemeClr val="tx1">
-                    <a:lumMod val="65000"/>
-                    <a:lumOff val="35000"/>
-                  </a:schemeClr>
-                </a:solidFill>
-                <a:latin typeface="+mj-lt"/>
-              </a:rPr>
-              <a:t>https://www.kdnuggets.com/2020/03/tensorflow-keras-tokenization-text-data-prep.html</a:t>
-            </a:r>
-          </a:p>
-        </p:txBody>
-      </p:sp>
-      <p:pic>
-        <p:nvPicPr>
-          <p:cNvPr id="1026" name="Picture 2" descr="Tokenization and Text Data Preparation with TensorFlow &amp;amp; Keras - KDnuggets">
-            <a:extLst>
-              <a:ext uri="{FF2B5EF4-FFF2-40B4-BE49-F238E27FC236}">
-                <a16:creationId xmlns:a16="http://schemas.microsoft.com/office/drawing/2014/main" id="{AF62F0FF-1B69-44D2-8AEB-B155F6818936}"/>
-              </a:ext>
-            </a:extLst>
-          </p:cNvPr>
-          <p:cNvPicPr>
-            <a:picLocks noChangeAspect="1" noChangeArrowheads="1"/>
-          </p:cNvPicPr>
-          <p:nvPr/>
-        </p:nvPicPr>
-        <p:blipFill>
-          <a:blip r:embed="rId3">
-            <a:extLst>
-              <a:ext uri="{28A0092B-C50C-407E-A947-70E740481C1C}">
-                <a14:useLocalDpi xmlns:a14="http://schemas.microsoft.com/office/drawing/2010/main" val="0"/>
-              </a:ext>
-            </a:extLst>
-          </a:blip>
-          <a:srcRect/>
-          <a:stretch>
-            <a:fillRect/>
-          </a:stretch>
-        </p:blipFill>
-        <p:spPr bwMode="auto">
-          <a:xfrm>
-            <a:off x="2316702" y="2488814"/>
-            <a:ext cx="7558596" cy="1880371"/>
-          </a:xfrm>
-          <a:prstGeom prst="rect">
-            <a:avLst/>
-          </a:prstGeom>
-          <a:noFill/>
-          <a:extLst>
-            <a:ext uri="{909E8E84-426E-40DD-AFC4-6F175D3DCCD1}">
-              <a14:hiddenFill xmlns:a14="http://schemas.microsoft.com/office/drawing/2010/main">
-                <a:solidFill>
-                  <a:srgbClr val="FFFFFF"/>
-                </a:solidFill>
-              </a14:hiddenFill>
-            </a:ext>
-          </a:extLst>
-        </p:spPr>
-      </p:pic>
-    </p:spTree>
-    <p:extLst>
-      <p:ext uri="{BB962C8B-B14F-4D97-AF65-F5344CB8AC3E}">
-        <p14:creationId xmlns:p14="http://schemas.microsoft.com/office/powerpoint/2010/main" val="2574494787"/>
-      </p:ext>
-    </p:extLst>
-  </p:cSld>
-  <p:clrMapOvr>
-    <a:masterClrMapping/>
-  </p:clrMapOvr>
-  <mc:AlternateContent xmlns:mc="http://schemas.openxmlformats.org/markup-compatibility/2006" xmlns:p14="http://schemas.microsoft.com/office/powerpoint/2010/main">
-    <mc:Choice Requires="p14">
-      <p:transition spd="med" p14:dur="700">
-        <p:fade/>
-      </p:transition>
-    </mc:Choice>
-    <mc:Fallback xmlns="">
-      <p:transition spd="med">
-        <p:fade/>
-      </p:transition>
-    </mc:Fallback>
-  </mc:AlternateContent>
-</p:sld>
-</file>
-
-<file path=ppt/slides/slide12.xml><?xml version="1.0" encoding="utf-8"?>
-<p:sld xmlns:a="http://schemas.openxmlformats.org/drawingml/2006/main" xmlns:r="http://schemas.openxmlformats.org/officeDocument/2006/relationships" xmlns:p="http://schemas.openxmlformats.org/presentationml/2006/main">
-  <p:cSld>
-    <p:spTree>
-      <p:nvGrpSpPr>
-        <p:cNvPr id="1" name=""/>
-        <p:cNvGrpSpPr/>
-        <p:nvPr/>
-      </p:nvGrpSpPr>
-      <p:grpSpPr>
-        <a:xfrm>
-          <a:off x="0" y="0"/>
-          <a:ext cx="0" cy="0"/>
-          <a:chOff x="0" y="0"/>
-          <a:chExt cx="0" cy="0"/>
-        </a:xfrm>
-      </p:grpSpPr>
-      <p:sp>
-        <p:nvSpPr>
-          <p:cNvPr id="2" name="Title 1">
-            <a:extLst>
-              <a:ext uri="{FF2B5EF4-FFF2-40B4-BE49-F238E27FC236}">
-                <a16:creationId xmlns:a16="http://schemas.microsoft.com/office/drawing/2014/main" id="{BDD7C7F8-5422-4861-A26D-07760C905BD9}"/>
-              </a:ext>
-            </a:extLst>
-          </p:cNvPr>
-          <p:cNvSpPr>
-            <a:spLocks noGrp="1"/>
-          </p:cNvSpPr>
-          <p:nvPr>
-            <p:ph type="title"/>
-          </p:nvPr>
-        </p:nvSpPr>
-        <p:spPr>
-          <a:xfrm>
             <a:off x="336882" y="4425890"/>
             <a:ext cx="11855118" cy="717884"/>
           </a:xfrm>
@@ -10998,7 +10504,7 @@
 </p:sld>
 </file>
 
-<file path=ppt/slides/slide13.xml><?xml version="1.0" encoding="utf-8"?>
+<file path=ppt/slides/slide11.xml><?xml version="1.0" encoding="utf-8"?>
 <p:sld xmlns:a="http://schemas.openxmlformats.org/drawingml/2006/main" xmlns:r="http://schemas.openxmlformats.org/officeDocument/2006/relationships" xmlns:p="http://schemas.openxmlformats.org/presentationml/2006/main">
   <p:cSld>
     <p:spTree>
@@ -11286,7 +10792,7 @@
 </p:sld>
 </file>
 
-<file path=ppt/slides/slide14.xml><?xml version="1.0" encoding="utf-8"?>
+<file path=ppt/slides/slide12.xml><?xml version="1.0" encoding="utf-8"?>
 <p:sld xmlns:a="http://schemas.openxmlformats.org/drawingml/2006/main" xmlns:r="http://schemas.openxmlformats.org/officeDocument/2006/relationships" xmlns:p="http://schemas.openxmlformats.org/presentationml/2006/main">
   <p:cSld>
     <p:spTree>
@@ -11574,7 +11080,7 @@
 </p:sld>
 </file>
 
-<file path=ppt/slides/slide15.xml><?xml version="1.0" encoding="utf-8"?>
+<file path=ppt/slides/slide13.xml><?xml version="1.0" encoding="utf-8"?>
 <p:sld xmlns:a="http://schemas.openxmlformats.org/drawingml/2006/main" xmlns:r="http://schemas.openxmlformats.org/officeDocument/2006/relationships" xmlns:p="http://schemas.openxmlformats.org/presentationml/2006/main">
   <p:cSld>
     <p:spTree>
@@ -11706,7 +11212,7 @@
 </p:sld>
 </file>
 
-<file path=ppt/slides/slide16.xml><?xml version="1.0" encoding="utf-8"?>
+<file path=ppt/slides/slide14.xml><?xml version="1.0" encoding="utf-8"?>
 <p:sld xmlns:a="http://schemas.openxmlformats.org/drawingml/2006/main" xmlns:r="http://schemas.openxmlformats.org/officeDocument/2006/relationships" xmlns:p="http://schemas.openxmlformats.org/presentationml/2006/main">
   <p:cSld>
     <p:spTree>
@@ -11853,7 +11359,37 @@
 </p:sld>
 </file>
 
-<file path=ppt/slides/slide2.xml><?xml version="1.0" encoding="utf-8"?>
+<file path=ppt/slides/slide15.xml><?xml version="1.0" encoding="utf-8"?>
+<p:sld xmlns:a="http://schemas.openxmlformats.org/drawingml/2006/main" xmlns:r="http://schemas.openxmlformats.org/officeDocument/2006/relationships" xmlns:p="http://schemas.openxmlformats.org/presentationml/2006/main">
+  <p:cSld>
+    <p:spTree>
+      <p:nvGrpSpPr>
+        <p:cNvPr id="1" name=""/>
+        <p:cNvGrpSpPr/>
+        <p:nvPr/>
+      </p:nvGrpSpPr>
+      <p:grpSpPr>
+        <a:xfrm>
+          <a:off x="0" y="0"/>
+          <a:ext cx="0" cy="0"/>
+          <a:chOff x="0" y="0"/>
+          <a:chExt cx="0" cy="0"/>
+        </a:xfrm>
+      </p:grpSpPr>
+    </p:spTree>
+    <p:extLst>
+      <p:ext uri="{BB962C8B-B14F-4D97-AF65-F5344CB8AC3E}">
+        <p14:creationId xmlns:p14="http://schemas.microsoft.com/office/powerpoint/2010/main" val="2730970114"/>
+      </p:ext>
+    </p:extLst>
+  </p:cSld>
+  <p:clrMapOvr>
+    <a:masterClrMapping/>
+  </p:clrMapOvr>
+</p:sld>
+</file>
+
+<file path=ppt/slides/slide16.xml><?xml version="1.0" encoding="utf-8"?>
 <p:sld xmlns:a="http://schemas.openxmlformats.org/drawingml/2006/main" xmlns:r="http://schemas.openxmlformats.org/officeDocument/2006/relationships" xmlns:p="http://schemas.openxmlformats.org/presentationml/2006/main">
   <p:cSld>
     <p:spTree>
@@ -11975,7 +11511,7 @@
 </p:sld>
 </file>
 
-<file path=ppt/slides/slide3.xml><?xml version="1.0" encoding="utf-8"?>
+<file path=ppt/slides/slide17.xml><?xml version="1.0" encoding="utf-8"?>
 <p:sld xmlns:a="http://schemas.openxmlformats.org/drawingml/2006/main" xmlns:r="http://schemas.openxmlformats.org/officeDocument/2006/relationships" xmlns:p="http://schemas.openxmlformats.org/presentationml/2006/main">
   <p:cSld>
     <p:spTree>
@@ -12006,8 +11542,8 @@
         </p:nvSpPr>
         <p:spPr>
           <a:xfrm>
-            <a:off x="7255932" y="3866150"/>
-            <a:ext cx="1757894" cy="2085920"/>
+            <a:off x="7799944" y="3567896"/>
+            <a:ext cx="1482954" cy="753006"/>
           </a:xfrm>
           <a:prstGeom prst="rect">
             <a:avLst/>
@@ -12071,8 +11607,8 @@
         </p:nvSpPr>
         <p:spPr>
           <a:xfrm>
-            <a:off x="4875738" y="1156817"/>
-            <a:ext cx="1757894" cy="2085920"/>
+            <a:off x="5419750" y="2337435"/>
+            <a:ext cx="1757894" cy="753006"/>
           </a:xfrm>
           <a:prstGeom prst="rect">
             <a:avLst/>
@@ -12136,8 +11672,8 @@
         </p:nvSpPr>
         <p:spPr>
           <a:xfrm>
-            <a:off x="2492373" y="1156817"/>
-            <a:ext cx="1761065" cy="2085920"/>
+            <a:off x="3036386" y="2337435"/>
+            <a:ext cx="1757894" cy="753006"/>
           </a:xfrm>
           <a:prstGeom prst="rect">
             <a:avLst/>
@@ -12187,147 +11723,6 @@
           </a:p>
         </p:txBody>
       </p:sp>
-      <p:pic>
-        <p:nvPicPr>
-          <p:cNvPr id="9" name="Picture 8">
-            <a:extLst>
-              <a:ext uri="{FF2B5EF4-FFF2-40B4-BE49-F238E27FC236}">
-                <a16:creationId xmlns:a16="http://schemas.microsoft.com/office/drawing/2014/main" id="{8DB4ACC3-5C6B-48C3-9E6F-6597E7F0A699}"/>
-              </a:ext>
-            </a:extLst>
-          </p:cNvPr>
-          <p:cNvPicPr>
-            <a:picLocks noChangeAspect="1" noChangeArrowheads="1"/>
-          </p:cNvPicPr>
-          <p:nvPr/>
-        </p:nvPicPr>
-        <p:blipFill>
-          <a:blip r:embed="rId3">
-            <a:extLst>
-              <a:ext uri="{28A0092B-C50C-407E-A947-70E740481C1C}">
-                <a14:useLocalDpi xmlns:a14="http://schemas.microsoft.com/office/drawing/2010/main" val="0"/>
-              </a:ext>
-            </a:extLst>
-          </a:blip>
-          <a:srcRect/>
-          <a:stretch>
-            <a:fillRect/>
-          </a:stretch>
-        </p:blipFill>
-        <p:spPr bwMode="auto">
-          <a:xfrm>
-            <a:off x="2677079" y="1595519"/>
-            <a:ext cx="1425520" cy="1425520"/>
-          </a:xfrm>
-          <a:prstGeom prst="rect">
-            <a:avLst/>
-          </a:prstGeom>
-          <a:noFill/>
-          <a:extLst>
-            <a:ext uri="{909E8E84-426E-40DD-AFC4-6F175D3DCCD1}">
-              <a14:hiddenFill xmlns:a14="http://schemas.microsoft.com/office/drawing/2010/main">
-                <a:solidFill>
-                  <a:srgbClr val="FFFFFF"/>
-                </a:solidFill>
-              </a14:hiddenFill>
-            </a:ext>
-          </a:extLst>
-        </p:spPr>
-      </p:pic>
-      <p:pic>
-        <p:nvPicPr>
-          <p:cNvPr id="10" name="Picture 9">
-            <a:extLst>
-              <a:ext uri="{FF2B5EF4-FFF2-40B4-BE49-F238E27FC236}">
-                <a16:creationId xmlns:a16="http://schemas.microsoft.com/office/drawing/2014/main" id="{24986740-2A28-445B-81F4-FC8861FDBCD6}"/>
-              </a:ext>
-            </a:extLst>
-          </p:cNvPr>
-          <p:cNvPicPr>
-            <a:picLocks noChangeAspect="1" noChangeArrowheads="1"/>
-          </p:cNvPicPr>
-          <p:nvPr/>
-        </p:nvPicPr>
-        <p:blipFill>
-          <a:blip r:embed="rId3">
-            <a:extLst>
-              <a:ext uri="{28A0092B-C50C-407E-A947-70E740481C1C}">
-                <a14:useLocalDpi xmlns:a14="http://schemas.microsoft.com/office/drawing/2010/main" val="0"/>
-              </a:ext>
-            </a:extLst>
-          </a:blip>
-          <a:srcRect/>
-          <a:stretch>
-            <a:fillRect/>
-          </a:stretch>
-        </p:blipFill>
-        <p:spPr bwMode="auto">
-          <a:xfrm>
-            <a:off x="5026577" y="1595519"/>
-            <a:ext cx="1425520" cy="1425520"/>
-          </a:xfrm>
-          <a:prstGeom prst="rect">
-            <a:avLst/>
-          </a:prstGeom>
-          <a:noFill/>
-          <a:extLst>
-            <a:ext uri="{909E8E84-426E-40DD-AFC4-6F175D3DCCD1}">
-              <a14:hiddenFill xmlns:a14="http://schemas.microsoft.com/office/drawing/2010/main">
-                <a:solidFill>
-                  <a:srgbClr val="FFFFFF"/>
-                </a:solidFill>
-              </a14:hiddenFill>
-            </a:ext>
-          </a:extLst>
-        </p:spPr>
-      </p:pic>
-      <p:pic>
-        <p:nvPicPr>
-          <p:cNvPr id="11" name="Picture 10">
-            <a:extLst>
-              <a:ext uri="{FF2B5EF4-FFF2-40B4-BE49-F238E27FC236}">
-                <a16:creationId xmlns:a16="http://schemas.microsoft.com/office/drawing/2014/main" id="{6F1CD01B-0E7E-439A-BA33-3579F3093431}"/>
-              </a:ext>
-            </a:extLst>
-          </p:cNvPr>
-          <p:cNvPicPr>
-            <a:picLocks noChangeAspect="1" noChangeArrowheads="1"/>
-          </p:cNvPicPr>
-          <p:nvPr/>
-        </p:nvPicPr>
-        <p:blipFill>
-          <a:blip r:embed="rId3">
-            <a:extLst>
-              <a:ext uri="{28A0092B-C50C-407E-A947-70E740481C1C}">
-                <a14:useLocalDpi xmlns:a14="http://schemas.microsoft.com/office/drawing/2010/main" val="0"/>
-              </a:ext>
-            </a:extLst>
-          </a:blip>
-          <a:srcRect/>
-          <a:stretch>
-            <a:fillRect/>
-          </a:stretch>
-        </p:blipFill>
-        <p:spPr bwMode="auto">
-          <a:xfrm>
-            <a:off x="7406771" y="4304852"/>
-            <a:ext cx="1425520" cy="1425520"/>
-          </a:xfrm>
-          <a:prstGeom prst="rect">
-            <a:avLst/>
-          </a:prstGeom>
-          <a:noFill/>
-          <a:extLst>
-            <a:ext uri="{909E8E84-426E-40DD-AFC4-6F175D3DCCD1}">
-              <a14:hiddenFill xmlns:a14="http://schemas.microsoft.com/office/drawing/2010/main">
-                <a:solidFill>
-                  <a:srgbClr val="FFFFFF"/>
-                </a:solidFill>
-              </a14:hiddenFill>
-            </a:ext>
-          </a:extLst>
-        </p:spPr>
-      </p:pic>
       <p:sp>
         <p:nvSpPr>
           <p:cNvPr id="12" name="Rectangle 11">
@@ -12342,8 +11737,8 @@
         </p:nvSpPr>
         <p:spPr>
           <a:xfrm>
-            <a:off x="2492373" y="3866150"/>
-            <a:ext cx="1757895" cy="2085920"/>
+            <a:off x="3036385" y="3567896"/>
+            <a:ext cx="1757895" cy="753006"/>
           </a:xfrm>
           <a:prstGeom prst="rect">
             <a:avLst/>
@@ -12399,53 +11794,6 @@
           </a:p>
         </p:txBody>
       </p:sp>
-      <p:pic>
-        <p:nvPicPr>
-          <p:cNvPr id="13" name="Picture 12">
-            <a:extLst>
-              <a:ext uri="{FF2B5EF4-FFF2-40B4-BE49-F238E27FC236}">
-                <a16:creationId xmlns:a16="http://schemas.microsoft.com/office/drawing/2014/main" id="{BBE66A66-2349-4578-8EB8-F39712D08A04}"/>
-              </a:ext>
-            </a:extLst>
-          </p:cNvPr>
-          <p:cNvPicPr>
-            <a:picLocks noChangeAspect="1" noChangeArrowheads="1"/>
-          </p:cNvPicPr>
-          <p:nvPr/>
-        </p:nvPicPr>
-        <p:blipFill>
-          <a:blip r:embed="rId3">
-            <a:extLst>
-              <a:ext uri="{28A0092B-C50C-407E-A947-70E740481C1C}">
-                <a14:useLocalDpi xmlns:a14="http://schemas.microsoft.com/office/drawing/2010/main" val="0"/>
-              </a:ext>
-            </a:extLst>
-          </a:blip>
-          <a:srcRect/>
-          <a:stretch>
-            <a:fillRect/>
-          </a:stretch>
-        </p:blipFill>
-        <p:spPr bwMode="auto">
-          <a:xfrm>
-            <a:off x="2643213" y="4304852"/>
-            <a:ext cx="1425520" cy="1425520"/>
-          </a:xfrm>
-          <a:prstGeom prst="rect">
-            <a:avLst/>
-          </a:prstGeom>
-          <a:noFill/>
-          <a:extLst>
-            <a:ext uri="{909E8E84-426E-40DD-AFC4-6F175D3DCCD1}">
-              <a14:hiddenFill xmlns:a14="http://schemas.microsoft.com/office/drawing/2010/main">
-                <a:solidFill>
-                  <a:srgbClr val="FFFFFF"/>
-                </a:solidFill>
-              </a14:hiddenFill>
-            </a:ext>
-          </a:extLst>
-        </p:spPr>
-      </p:pic>
       <p:sp>
         <p:nvSpPr>
           <p:cNvPr id="14" name="Rectangle 13">
@@ -12460,8 +11808,8 @@
         </p:nvSpPr>
         <p:spPr>
           <a:xfrm>
-            <a:off x="4875738" y="3866150"/>
-            <a:ext cx="1757894" cy="2085920"/>
+            <a:off x="5419749" y="3567896"/>
+            <a:ext cx="1757893" cy="753006"/>
           </a:xfrm>
           <a:prstGeom prst="rect">
             <a:avLst/>
@@ -12511,53 +11859,6 @@
           </a:p>
         </p:txBody>
       </p:sp>
-      <p:pic>
-        <p:nvPicPr>
-          <p:cNvPr id="15" name="Picture 14">
-            <a:extLst>
-              <a:ext uri="{FF2B5EF4-FFF2-40B4-BE49-F238E27FC236}">
-                <a16:creationId xmlns:a16="http://schemas.microsoft.com/office/drawing/2014/main" id="{40B28C5E-07FE-4B53-A695-01C5B0C73D98}"/>
-              </a:ext>
-            </a:extLst>
-          </p:cNvPr>
-          <p:cNvPicPr>
-            <a:picLocks noChangeAspect="1" noChangeArrowheads="1"/>
-          </p:cNvPicPr>
-          <p:nvPr/>
-        </p:nvPicPr>
-        <p:blipFill>
-          <a:blip r:embed="rId3">
-            <a:extLst>
-              <a:ext uri="{28A0092B-C50C-407E-A947-70E740481C1C}">
-                <a14:useLocalDpi xmlns:a14="http://schemas.microsoft.com/office/drawing/2010/main" val="0"/>
-              </a:ext>
-            </a:extLst>
-          </a:blip>
-          <a:srcRect/>
-          <a:stretch>
-            <a:fillRect/>
-          </a:stretch>
-        </p:blipFill>
-        <p:spPr bwMode="auto">
-          <a:xfrm>
-            <a:off x="5026577" y="4304852"/>
-            <a:ext cx="1425520" cy="1425520"/>
-          </a:xfrm>
-          <a:prstGeom prst="rect">
-            <a:avLst/>
-          </a:prstGeom>
-          <a:noFill/>
-          <a:extLst>
-            <a:ext uri="{909E8E84-426E-40DD-AFC4-6F175D3DCCD1}">
-              <a14:hiddenFill xmlns:a14="http://schemas.microsoft.com/office/drawing/2010/main">
-                <a:solidFill>
-                  <a:srgbClr val="FFFFFF"/>
-                </a:solidFill>
-              </a14:hiddenFill>
-            </a:ext>
-          </a:extLst>
-        </p:spPr>
-      </p:pic>
       <p:sp>
         <p:nvSpPr>
           <p:cNvPr id="16" name="Rectangle 15">
@@ -12572,8 +11873,8 @@
         </p:nvSpPr>
         <p:spPr>
           <a:xfrm>
-            <a:off x="7255932" y="1156817"/>
-            <a:ext cx="1757894" cy="2085920"/>
+            <a:off x="7799944" y="2337435"/>
+            <a:ext cx="1482954" cy="753006"/>
           </a:xfrm>
           <a:prstGeom prst="rect">
             <a:avLst/>
@@ -12620,53 +11921,6 @@
           </a:p>
         </p:txBody>
       </p:sp>
-      <p:pic>
-        <p:nvPicPr>
-          <p:cNvPr id="17" name="Picture 16">
-            <a:extLst>
-              <a:ext uri="{FF2B5EF4-FFF2-40B4-BE49-F238E27FC236}">
-                <a16:creationId xmlns:a16="http://schemas.microsoft.com/office/drawing/2014/main" id="{6EFEC261-AEA9-4A98-87FB-402D0942F04D}"/>
-              </a:ext>
-            </a:extLst>
-          </p:cNvPr>
-          <p:cNvPicPr>
-            <a:picLocks noChangeAspect="1" noChangeArrowheads="1"/>
-          </p:cNvPicPr>
-          <p:nvPr/>
-        </p:nvPicPr>
-        <p:blipFill>
-          <a:blip r:embed="rId3">
-            <a:extLst>
-              <a:ext uri="{28A0092B-C50C-407E-A947-70E740481C1C}">
-                <a14:useLocalDpi xmlns:a14="http://schemas.microsoft.com/office/drawing/2010/main" val="0"/>
-              </a:ext>
-            </a:extLst>
-          </a:blip>
-          <a:srcRect/>
-          <a:stretch>
-            <a:fillRect/>
-          </a:stretch>
-        </p:blipFill>
-        <p:spPr bwMode="auto">
-          <a:xfrm>
-            <a:off x="7406771" y="1595519"/>
-            <a:ext cx="1425520" cy="1425520"/>
-          </a:xfrm>
-          <a:prstGeom prst="rect">
-            <a:avLst/>
-          </a:prstGeom>
-          <a:noFill/>
-          <a:extLst>
-            <a:ext uri="{909E8E84-426E-40DD-AFC4-6F175D3DCCD1}">
-              <a14:hiddenFill xmlns:a14="http://schemas.microsoft.com/office/drawing/2010/main">
-                <a:solidFill>
-                  <a:srgbClr val="FFFFFF"/>
-                </a:solidFill>
-              </a14:hiddenFill>
-            </a:ext>
-          </a:extLst>
-        </p:spPr>
-      </p:pic>
     </p:spTree>
     <p:extLst>
       <p:ext uri="{BB962C8B-B14F-4D97-AF65-F5344CB8AC3E}">
@@ -12692,7 +11946,7 @@
 </p:sld>
 </file>
 
-<file path=ppt/slides/slide4.xml><?xml version="1.0" encoding="utf-8"?>
+<file path=ppt/slides/slide2.xml><?xml version="1.0" encoding="utf-8"?>
 <p:sld xmlns:a="http://schemas.openxmlformats.org/drawingml/2006/main" xmlns:r="http://schemas.openxmlformats.org/officeDocument/2006/relationships" xmlns:p="http://schemas.openxmlformats.org/presentationml/2006/main">
   <p:cSld>
     <p:spTree>
@@ -13034,7 +12288,7 @@
 </p:sld>
 </file>
 
-<file path=ppt/slides/slide5.xml><?xml version="1.0" encoding="utf-8"?>
+<file path=ppt/slides/slide3.xml><?xml version="1.0" encoding="utf-8"?>
 <p:sld xmlns:a="http://schemas.openxmlformats.org/drawingml/2006/main" xmlns:r="http://schemas.openxmlformats.org/officeDocument/2006/relationships" xmlns:p="http://schemas.openxmlformats.org/presentationml/2006/main">
   <p:cSld>
     <p:spTree>
@@ -13178,7 +12432,7 @@
 </p:sld>
 </file>
 
-<file path=ppt/slides/slide6.xml><?xml version="1.0" encoding="utf-8"?>
+<file path=ppt/slides/slide4.xml><?xml version="1.0" encoding="utf-8"?>
 <p:sld xmlns:a="http://schemas.openxmlformats.org/drawingml/2006/main" xmlns:r="http://schemas.openxmlformats.org/officeDocument/2006/relationships" xmlns:p="http://schemas.openxmlformats.org/presentationml/2006/main">
   <p:cSld>
     <p:spTree>
@@ -13345,7 +12599,7 @@
 </p:sld>
 </file>
 
-<file path=ppt/slides/slide7.xml><?xml version="1.0" encoding="utf-8"?>
+<file path=ppt/slides/slide5.xml><?xml version="1.0" encoding="utf-8"?>
 <p:sld xmlns:a="http://schemas.openxmlformats.org/drawingml/2006/main" xmlns:r="http://schemas.openxmlformats.org/officeDocument/2006/relationships" xmlns:p="http://schemas.openxmlformats.org/presentationml/2006/main">
   <p:cSld>
     <p:spTree>
@@ -13543,7 +12797,7 @@
 </p:sld>
 </file>
 
-<file path=ppt/slides/slide8.xml><?xml version="1.0" encoding="utf-8"?>
+<file path=ppt/slides/slide6.xml><?xml version="1.0" encoding="utf-8"?>
 <p:sld xmlns:a="http://schemas.openxmlformats.org/drawingml/2006/main" xmlns:r="http://schemas.openxmlformats.org/officeDocument/2006/relationships" xmlns:p="http://schemas.openxmlformats.org/presentationml/2006/main">
   <p:cSld>
     <p:spTree>
@@ -13632,7 +12886,7 @@
 </p:sld>
 </file>
 
-<file path=ppt/slides/slide9.xml><?xml version="1.0" encoding="utf-8"?>
+<file path=ppt/slides/slide7.xml><?xml version="1.0" encoding="utf-8"?>
 <p:sld xmlns:a="http://schemas.openxmlformats.org/drawingml/2006/main" xmlns:r="http://schemas.openxmlformats.org/officeDocument/2006/relationships" xmlns:p="http://schemas.openxmlformats.org/presentationml/2006/main">
   <p:cSld>
     <p:spTree>
@@ -13743,6 +12997,501 @@
     <p:extLst>
       <p:ext uri="{BB962C8B-B14F-4D97-AF65-F5344CB8AC3E}">
         <p14:creationId xmlns:p14="http://schemas.microsoft.com/office/powerpoint/2010/main" val="238880405"/>
+      </p:ext>
+    </p:extLst>
+  </p:cSld>
+  <p:clrMapOvr>
+    <a:masterClrMapping/>
+  </p:clrMapOvr>
+  <mc:AlternateContent xmlns:mc="http://schemas.openxmlformats.org/markup-compatibility/2006" xmlns:p14="http://schemas.microsoft.com/office/powerpoint/2010/main">
+    <mc:Choice Requires="p14">
+      <p:transition spd="med" p14:dur="700">
+        <p:fade/>
+      </p:transition>
+    </mc:Choice>
+    <mc:Fallback xmlns="">
+      <p:transition spd="med">
+        <p:fade/>
+      </p:transition>
+    </mc:Fallback>
+  </mc:AlternateContent>
+</p:sld>
+</file>
+
+<file path=ppt/slides/slide8.xml><?xml version="1.0" encoding="utf-8"?>
+<p:sld xmlns:a="http://schemas.openxmlformats.org/drawingml/2006/main" xmlns:r="http://schemas.openxmlformats.org/officeDocument/2006/relationships" xmlns:p="http://schemas.openxmlformats.org/presentationml/2006/main">
+  <p:cSld>
+    <p:spTree>
+      <p:nvGrpSpPr>
+        <p:cNvPr id="1" name=""/>
+        <p:cNvGrpSpPr/>
+        <p:nvPr/>
+      </p:nvGrpSpPr>
+      <p:grpSpPr>
+        <a:xfrm>
+          <a:off x="0" y="0"/>
+          <a:ext cx="0" cy="0"/>
+          <a:chOff x="0" y="0"/>
+          <a:chExt cx="0" cy="0"/>
+        </a:xfrm>
+      </p:grpSpPr>
+      <p:sp>
+        <p:nvSpPr>
+          <p:cNvPr id="2" name="Title 1">
+            <a:extLst>
+              <a:ext uri="{FF2B5EF4-FFF2-40B4-BE49-F238E27FC236}">
+                <a16:creationId xmlns:a16="http://schemas.microsoft.com/office/drawing/2014/main" id="{BDD7C7F8-5422-4861-A26D-07760C905BD9}"/>
+              </a:ext>
+            </a:extLst>
+          </p:cNvPr>
+          <p:cNvSpPr>
+            <a:spLocks noGrp="1"/>
+          </p:cNvSpPr>
+          <p:nvPr>
+            <p:ph type="title"/>
+          </p:nvPr>
+        </p:nvSpPr>
+        <p:spPr>
+          <a:xfrm>
+            <a:off x="0" y="439075"/>
+            <a:ext cx="12192000" cy="887896"/>
+          </a:xfrm>
+          <a:noFill/>
+        </p:spPr>
+        <p:txBody>
+          <a:bodyPr>
+            <a:noAutofit/>
+          </a:bodyPr>
+          <a:lstStyle/>
+          <a:p>
+            <a:pPr algn="ctr"/>
+            <a:br>
+              <a:rPr lang="en-US" sz="4800" dirty="0">
+                <a:solidFill>
+                  <a:schemeClr val="tx1">
+                    <a:lumMod val="75000"/>
+                    <a:lumOff val="25000"/>
+                  </a:schemeClr>
+                </a:solidFill>
+              </a:rPr>
+            </a:br>
+            <a:br>
+              <a:rPr lang="en-US" sz="4800" dirty="0">
+                <a:solidFill>
+                  <a:schemeClr val="tx1">
+                    <a:lumMod val="75000"/>
+                    <a:lumOff val="25000"/>
+                  </a:schemeClr>
+                </a:solidFill>
+              </a:rPr>
+            </a:br>
+            <a:br>
+              <a:rPr lang="en-US" sz="4800" dirty="0">
+                <a:solidFill>
+                  <a:schemeClr val="tx1">
+                    <a:lumMod val="75000"/>
+                    <a:lumOff val="25000"/>
+                  </a:schemeClr>
+                </a:solidFill>
+              </a:rPr>
+            </a:br>
+            <a:br>
+              <a:rPr lang="en-US" sz="4800" dirty="0">
+                <a:solidFill>
+                  <a:schemeClr val="tx1">
+                    <a:lumMod val="75000"/>
+                    <a:lumOff val="25000"/>
+                  </a:schemeClr>
+                </a:solidFill>
+              </a:rPr>
+            </a:br>
+            <a:r>
+              <a:rPr lang="en-US" sz="4800" dirty="0">
+                <a:solidFill>
+                  <a:schemeClr val="tx1">
+                    <a:lumMod val="75000"/>
+                    <a:lumOff val="25000"/>
+                  </a:schemeClr>
+                </a:solidFill>
+                <a:latin typeface="Palatino Linotype" panose="02040502050505030304" pitchFamily="18" charset="0"/>
+              </a:rPr>
+              <a:t>Data Pre-Processing &amp; Cleaning</a:t>
+            </a:r>
+            <a:endParaRPr lang="en-US" sz="4800" dirty="0">
+              <a:solidFill>
+                <a:schemeClr val="tx1">
+                  <a:lumMod val="75000"/>
+                  <a:lumOff val="25000"/>
+                </a:schemeClr>
+              </a:solidFill>
+              <a:latin typeface="Palatino Linotype" panose="02040502050505030304" pitchFamily="18" charset="0"/>
+              <a:cs typeface="Segoe UI Light" panose="020B0502040204020203" pitchFamily="34" charset="0"/>
+            </a:endParaRPr>
+          </a:p>
+        </p:txBody>
+      </p:sp>
+      <p:pic>
+        <p:nvPicPr>
+          <p:cNvPr id="2050" name="Picture 2" descr="Data Cleaning: 7 Techniques + Steps to Cleanse Data">
+            <a:extLst>
+              <a:ext uri="{FF2B5EF4-FFF2-40B4-BE49-F238E27FC236}">
+                <a16:creationId xmlns:a16="http://schemas.microsoft.com/office/drawing/2014/main" id="{C7F91793-2C12-47EA-8903-3D4A88F2E811}"/>
+              </a:ext>
+            </a:extLst>
+          </p:cNvPr>
+          <p:cNvPicPr>
+            <a:picLocks noChangeAspect="1" noChangeArrowheads="1"/>
+          </p:cNvPicPr>
+          <p:nvPr/>
+        </p:nvPicPr>
+        <p:blipFill>
+          <a:blip r:embed="rId3">
+            <a:extLst>
+              <a:ext uri="{28A0092B-C50C-407E-A947-70E740481C1C}">
+                <a14:useLocalDpi xmlns:a14="http://schemas.microsoft.com/office/drawing/2010/main" val="0"/>
+              </a:ext>
+            </a:extLst>
+          </a:blip>
+          <a:srcRect/>
+          <a:stretch>
+            <a:fillRect/>
+          </a:stretch>
+        </p:blipFill>
+        <p:spPr bwMode="auto">
+          <a:xfrm>
+            <a:off x="3347169" y="2030042"/>
+            <a:ext cx="5497662" cy="3793387"/>
+          </a:xfrm>
+          <a:prstGeom prst="rect">
+            <a:avLst/>
+          </a:prstGeom>
+          <a:noFill/>
+          <a:ln w="6350">
+            <a:solidFill>
+              <a:schemeClr val="tx1">
+                <a:lumMod val="75000"/>
+                <a:lumOff val="25000"/>
+              </a:schemeClr>
+            </a:solidFill>
+          </a:ln>
+          <a:effectLst>
+            <a:outerShdw blurRad="50800" dist="38100" dir="2700000" algn="tl" rotWithShape="0">
+              <a:prstClr val="black">
+                <a:alpha val="40000"/>
+              </a:prstClr>
+            </a:outerShdw>
+          </a:effectLst>
+          <a:extLst>
+            <a:ext uri="{909E8E84-426E-40DD-AFC4-6F175D3DCCD1}">
+              <a14:hiddenFill xmlns:a14="http://schemas.microsoft.com/office/drawing/2010/main">
+                <a:solidFill>
+                  <a:srgbClr val="FFFFFF"/>
+                </a:solidFill>
+              </a14:hiddenFill>
+            </a:ext>
+          </a:extLst>
+        </p:spPr>
+      </p:pic>
+      <p:sp>
+        <p:nvSpPr>
+          <p:cNvPr id="4" name="TextBox 3">
+            <a:extLst>
+              <a:ext uri="{FF2B5EF4-FFF2-40B4-BE49-F238E27FC236}">
+                <a16:creationId xmlns:a16="http://schemas.microsoft.com/office/drawing/2014/main" id="{D1925D42-A677-45FD-B62B-7E84CD33E60A}"/>
+              </a:ext>
+            </a:extLst>
+          </p:cNvPr>
+          <p:cNvSpPr txBox="1"/>
+          <p:nvPr/>
+        </p:nvSpPr>
+        <p:spPr>
+          <a:xfrm>
+            <a:off x="11430" y="6550223"/>
+            <a:ext cx="12192000" cy="307777"/>
+          </a:xfrm>
+          <a:prstGeom prst="rect">
+            <a:avLst/>
+          </a:prstGeom>
+          <a:noFill/>
+        </p:spPr>
+        <p:txBody>
+          <a:bodyPr wrap="square" rtlCol="0">
+            <a:spAutoFit/>
+          </a:bodyPr>
+          <a:lstStyle/>
+          <a:p>
+            <a:r>
+              <a:rPr lang="en-US" sz="1400" dirty="0">
+                <a:solidFill>
+                  <a:schemeClr val="tx1">
+                    <a:lumMod val="65000"/>
+                    <a:lumOff val="35000"/>
+                  </a:schemeClr>
+                </a:solidFill>
+                <a:latin typeface="+mj-lt"/>
+                <a:ea typeface="Verdana" panose="020B0604030504040204" pitchFamily="34" charset="0"/>
+              </a:rPr>
+              <a:t>Image Credit: </a:t>
+            </a:r>
+            <a:r>
+              <a:rPr lang="en-US" sz="1400" dirty="0">
+                <a:solidFill>
+                  <a:schemeClr val="tx1">
+                    <a:lumMod val="65000"/>
+                    <a:lumOff val="35000"/>
+                  </a:schemeClr>
+                </a:solidFill>
+                <a:latin typeface="+mj-lt"/>
+              </a:rPr>
+              <a:t>https://www.formpl.us/blog/data-cleaning</a:t>
+            </a:r>
+          </a:p>
+        </p:txBody>
+      </p:sp>
+    </p:spTree>
+    <p:extLst>
+      <p:ext uri="{BB962C8B-B14F-4D97-AF65-F5344CB8AC3E}">
+        <p14:creationId xmlns:p14="http://schemas.microsoft.com/office/powerpoint/2010/main" val="954088865"/>
+      </p:ext>
+    </p:extLst>
+  </p:cSld>
+  <p:clrMapOvr>
+    <a:masterClrMapping/>
+  </p:clrMapOvr>
+  <mc:AlternateContent xmlns:mc="http://schemas.openxmlformats.org/markup-compatibility/2006" xmlns:p14="http://schemas.microsoft.com/office/powerpoint/2010/main">
+    <mc:Choice Requires="p14">
+      <p:transition spd="med" p14:dur="700">
+        <p:fade/>
+      </p:transition>
+    </mc:Choice>
+    <mc:Fallback xmlns="">
+      <p:transition spd="med">
+        <p:fade/>
+      </p:transition>
+    </mc:Fallback>
+  </mc:AlternateContent>
+</p:sld>
+</file>
+
+<file path=ppt/slides/slide9.xml><?xml version="1.0" encoding="utf-8"?>
+<p:sld xmlns:a="http://schemas.openxmlformats.org/drawingml/2006/main" xmlns:r="http://schemas.openxmlformats.org/officeDocument/2006/relationships" xmlns:p="http://schemas.openxmlformats.org/presentationml/2006/main">
+  <p:cSld>
+    <p:spTree>
+      <p:nvGrpSpPr>
+        <p:cNvPr id="1" name=""/>
+        <p:cNvGrpSpPr/>
+        <p:nvPr/>
+      </p:nvGrpSpPr>
+      <p:grpSpPr>
+        <a:xfrm>
+          <a:off x="0" y="0"/>
+          <a:ext cx="0" cy="0"/>
+          <a:chOff x="0" y="0"/>
+          <a:chExt cx="0" cy="0"/>
+        </a:xfrm>
+      </p:grpSpPr>
+      <p:sp>
+        <p:nvSpPr>
+          <p:cNvPr id="2" name="Title 1">
+            <a:extLst>
+              <a:ext uri="{FF2B5EF4-FFF2-40B4-BE49-F238E27FC236}">
+                <a16:creationId xmlns:a16="http://schemas.microsoft.com/office/drawing/2014/main" id="{BDD7C7F8-5422-4861-A26D-07760C905BD9}"/>
+              </a:ext>
+            </a:extLst>
+          </p:cNvPr>
+          <p:cNvSpPr>
+            <a:spLocks noGrp="1"/>
+          </p:cNvSpPr>
+          <p:nvPr>
+            <p:ph type="title"/>
+          </p:nvPr>
+        </p:nvSpPr>
+        <p:spPr>
+          <a:xfrm>
+            <a:off x="0" y="594360"/>
+            <a:ext cx="12192000" cy="887896"/>
+          </a:xfrm>
+          <a:noFill/>
+        </p:spPr>
+        <p:txBody>
+          <a:bodyPr>
+            <a:noAutofit/>
+          </a:bodyPr>
+          <a:lstStyle/>
+          <a:p>
+            <a:pPr algn="ctr"/>
+            <a:br>
+              <a:rPr lang="en-US" sz="4800" dirty="0">
+                <a:solidFill>
+                  <a:schemeClr val="tx1">
+                    <a:lumMod val="75000"/>
+                    <a:lumOff val="25000"/>
+                  </a:schemeClr>
+                </a:solidFill>
+              </a:rPr>
+            </a:br>
+            <a:br>
+              <a:rPr lang="en-US" sz="4800" dirty="0">
+                <a:solidFill>
+                  <a:schemeClr val="tx1">
+                    <a:lumMod val="75000"/>
+                    <a:lumOff val="25000"/>
+                  </a:schemeClr>
+                </a:solidFill>
+              </a:rPr>
+            </a:br>
+            <a:br>
+              <a:rPr lang="en-US" sz="4800" dirty="0">
+                <a:solidFill>
+                  <a:schemeClr val="tx1">
+                    <a:lumMod val="75000"/>
+                    <a:lumOff val="25000"/>
+                  </a:schemeClr>
+                </a:solidFill>
+              </a:rPr>
+            </a:br>
+            <a:br>
+              <a:rPr lang="en-US" sz="4800" dirty="0">
+                <a:solidFill>
+                  <a:schemeClr val="tx1">
+                    <a:lumMod val="75000"/>
+                    <a:lumOff val="25000"/>
+                  </a:schemeClr>
+                </a:solidFill>
+              </a:rPr>
+            </a:br>
+            <a:r>
+              <a:rPr lang="en-US" sz="4800" dirty="0">
+                <a:solidFill>
+                  <a:schemeClr val="tx1">
+                    <a:lumMod val="75000"/>
+                    <a:lumOff val="25000"/>
+                  </a:schemeClr>
+                </a:solidFill>
+                <a:latin typeface="Palatino Linotype" panose="02040502050505030304" pitchFamily="18" charset="0"/>
+              </a:rPr>
+              <a:t>Tokenization</a:t>
+            </a:r>
+            <a:endParaRPr lang="en-US" sz="4800" dirty="0">
+              <a:solidFill>
+                <a:schemeClr val="tx1">
+                  <a:lumMod val="75000"/>
+                  <a:lumOff val="25000"/>
+                </a:schemeClr>
+              </a:solidFill>
+              <a:latin typeface="Palatino Linotype" panose="02040502050505030304" pitchFamily="18" charset="0"/>
+              <a:cs typeface="Segoe UI Light" panose="020B0502040204020203" pitchFamily="34" charset="0"/>
+            </a:endParaRPr>
+          </a:p>
+        </p:txBody>
+      </p:sp>
+      <p:sp>
+        <p:nvSpPr>
+          <p:cNvPr id="4" name="TextBox 3">
+            <a:extLst>
+              <a:ext uri="{FF2B5EF4-FFF2-40B4-BE49-F238E27FC236}">
+                <a16:creationId xmlns:a16="http://schemas.microsoft.com/office/drawing/2014/main" id="{D1925D42-A677-45FD-B62B-7E84CD33E60A}"/>
+              </a:ext>
+            </a:extLst>
+          </p:cNvPr>
+          <p:cNvSpPr txBox="1"/>
+          <p:nvPr/>
+        </p:nvSpPr>
+        <p:spPr>
+          <a:xfrm>
+            <a:off x="11430" y="6550223"/>
+            <a:ext cx="12192000" cy="307777"/>
+          </a:xfrm>
+          <a:prstGeom prst="rect">
+            <a:avLst/>
+          </a:prstGeom>
+          <a:noFill/>
+        </p:spPr>
+        <p:txBody>
+          <a:bodyPr wrap="square" rtlCol="0">
+            <a:spAutoFit/>
+          </a:bodyPr>
+          <a:lstStyle/>
+          <a:p>
+            <a:r>
+              <a:rPr lang="en-US" sz="1400" dirty="0">
+                <a:solidFill>
+                  <a:schemeClr val="tx1">
+                    <a:lumMod val="65000"/>
+                    <a:lumOff val="35000"/>
+                  </a:schemeClr>
+                </a:solidFill>
+                <a:latin typeface="+mj-lt"/>
+                <a:ea typeface="Verdana" panose="020B0604030504040204" pitchFamily="34" charset="0"/>
+              </a:rPr>
+              <a:t>Image Credit: </a:t>
+            </a:r>
+            <a:r>
+              <a:rPr lang="en-US" sz="1400" dirty="0">
+                <a:solidFill>
+                  <a:schemeClr val="tx1">
+                    <a:lumMod val="65000"/>
+                    <a:lumOff val="35000"/>
+                  </a:schemeClr>
+                </a:solidFill>
+                <a:latin typeface="+mj-lt"/>
+              </a:rPr>
+              <a:t>https://www.kdnuggets.com/2020/03/tensorflow-keras-tokenization-text-data-prep.html</a:t>
+            </a:r>
+          </a:p>
+        </p:txBody>
+      </p:sp>
+      <p:pic>
+        <p:nvPicPr>
+          <p:cNvPr id="1026" name="Picture 2" descr="Tokenization and Text Data Preparation with TensorFlow &amp;amp; Keras - KDnuggets">
+            <a:extLst>
+              <a:ext uri="{FF2B5EF4-FFF2-40B4-BE49-F238E27FC236}">
+                <a16:creationId xmlns:a16="http://schemas.microsoft.com/office/drawing/2014/main" id="{AF62F0FF-1B69-44D2-8AEB-B155F6818936}"/>
+              </a:ext>
+            </a:extLst>
+          </p:cNvPr>
+          <p:cNvPicPr>
+            <a:picLocks noChangeAspect="1" noChangeArrowheads="1"/>
+          </p:cNvPicPr>
+          <p:nvPr/>
+        </p:nvPicPr>
+        <p:blipFill>
+          <a:blip r:embed="rId3">
+            <a:extLst>
+              <a:ext uri="{28A0092B-C50C-407E-A947-70E740481C1C}">
+                <a14:useLocalDpi xmlns:a14="http://schemas.microsoft.com/office/drawing/2010/main" val="0"/>
+              </a:ext>
+            </a:extLst>
+          </a:blip>
+          <a:srcRect/>
+          <a:stretch>
+            <a:fillRect/>
+          </a:stretch>
+        </p:blipFill>
+        <p:spPr bwMode="auto">
+          <a:xfrm>
+            <a:off x="2316702" y="2488814"/>
+            <a:ext cx="7558596" cy="1880371"/>
+          </a:xfrm>
+          <a:prstGeom prst="rect">
+            <a:avLst/>
+          </a:prstGeom>
+          <a:noFill/>
+          <a:extLst>
+            <a:ext uri="{909E8E84-426E-40DD-AFC4-6F175D3DCCD1}">
+              <a14:hiddenFill xmlns:a14="http://schemas.microsoft.com/office/drawing/2010/main">
+                <a:solidFill>
+                  <a:srgbClr val="FFFFFF"/>
+                </a:solidFill>
+              </a14:hiddenFill>
+            </a:ext>
+          </a:extLst>
+        </p:spPr>
+      </p:pic>
+    </p:spTree>
+    <p:extLst>
+      <p:ext uri="{BB962C8B-B14F-4D97-AF65-F5344CB8AC3E}">
+        <p14:creationId xmlns:p14="http://schemas.microsoft.com/office/powerpoint/2010/main" val="2574494787"/>
       </p:ext>
     </p:extLst>
   </p:cSld>

--- a/presentations/01_nlp_intro.pptx
+++ b/presentations/01_nlp_intro.pptx
@@ -20,11 +20,11 @@
     <p:sldId id="331" r:id="rId11"/>
     <p:sldId id="330" r:id="rId12"/>
     <p:sldId id="332" r:id="rId13"/>
-    <p:sldId id="323" r:id="rId14"/>
-    <p:sldId id="327" r:id="rId15"/>
-    <p:sldId id="347" r:id="rId16"/>
-    <p:sldId id="346" r:id="rId17"/>
-    <p:sldId id="329" r:id="rId18"/>
+    <p:sldId id="348" r:id="rId14"/>
+    <p:sldId id="323" r:id="rId15"/>
+    <p:sldId id="327" r:id="rId16"/>
+    <p:sldId id="347" r:id="rId17"/>
+    <p:sldId id="346" r:id="rId18"/>
   </p:sldIdLst>
   <p:sldSz cx="12192000" cy="6858000"/>
   <p:notesSz cx="6858000" cy="9144000"/>
@@ -3344,7 +3344,7 @@
           <a:p>
             <a:fld id="{FD93C9B2-20F6-4DB1-B471-224337D0AC79}" type="datetimeFigureOut">
               <a:rPr lang="en-US" smtClean="0"/>
-              <a:t>10/12/2022</a:t>
+              <a:t>10/13/2022</a:t>
             </a:fld>
             <a:endParaRPr lang="en-US"/>
           </a:p>
@@ -3768,7 +3768,19 @@
               <a:rPr lang="en-US" sz="1200" b="0" i="0" u="none" strike="noStrike" baseline="0" dirty="0">
                 <a:latin typeface="+mn-lt"/>
               </a:rPr>
-              <a:t>Normalize case – we usually don't want "car", "CAR", "Car", and "caR" to be treated as separate entities. To do so, we typically convert all text into lowercase (we could also convert it into uppercase if we wanted).</a:t>
+              <a:t>Normalize case – we usually don't want "cat", "CAT", "Cat", and "</a:t>
+            </a:r>
+            <a:r>
+              <a:rPr lang="en-US" sz="1200" b="0" i="0" u="none" strike="noStrike" baseline="0" dirty="0" err="1">
+                <a:latin typeface="+mn-lt"/>
+              </a:rPr>
+              <a:t>caT</a:t>
+            </a:r>
+            <a:r>
+              <a:rPr lang="en-US" sz="1200" b="0" i="0" u="none" strike="noStrike" baseline="0" dirty="0">
+                <a:latin typeface="+mn-lt"/>
+              </a:rPr>
+              <a:t>" to be treated as separate entities. To do so, we typically convert all text into lowercase (we could also convert it into uppercase if we wanted).</a:t>
             </a:r>
           </a:p>
           <a:p>
@@ -4152,177 +4164,10 @@
           <a:bodyPr/>
           <a:lstStyle/>
           <a:p>
-            <a:pPr marL="0" indent="0">
-              <a:buFont typeface="Arial" panose="020B0604020202020204" pitchFamily="34" charset="0"/>
-              <a:buNone/>
-            </a:pPr>
-            <a:r>
-              <a:rPr lang="en-US" sz="1200" dirty="0">
-                <a:solidFill>
-                  <a:schemeClr val="tx1">
-                    <a:lumMod val="65000"/>
-                    <a:lumOff val="35000"/>
-                  </a:schemeClr>
-                </a:solidFill>
-                <a:latin typeface="Palatino Linotype" panose="02040502050505030304" pitchFamily="18" charset="0"/>
-              </a:rPr>
-              <a:t>Today’s second notebook contains three data prep exercises, with a fourth one that is optional:</a:t>
-            </a:r>
-          </a:p>
-          <a:p>
-            <a:pPr marL="0" indent="0">
-              <a:buFont typeface="Arial" panose="020B0604020202020204" pitchFamily="34" charset="0"/>
-              <a:buNone/>
-            </a:pPr>
-            <a:endParaRPr lang="en-US" sz="1200" dirty="0">
-              <a:solidFill>
-                <a:schemeClr val="tx1">
-                  <a:lumMod val="65000"/>
-                  <a:lumOff val="35000"/>
-                </a:schemeClr>
-              </a:solidFill>
-              <a:latin typeface="Palatino Linotype" panose="02040502050505030304" pitchFamily="18" charset="0"/>
-            </a:endParaRPr>
-          </a:p>
-          <a:p>
-            <a:pPr marL="171450" indent="-171450">
-              <a:buFont typeface="Arial" panose="020B0604020202020204" pitchFamily="34" charset="0"/>
-              <a:buChar char="•"/>
-            </a:pPr>
-            <a:r>
-              <a:rPr lang="en-US" sz="1200" dirty="0">
-                <a:solidFill>
-                  <a:schemeClr val="tx1">
-                    <a:lumMod val="65000"/>
-                    <a:lumOff val="35000"/>
-                  </a:schemeClr>
-                </a:solidFill>
-                <a:latin typeface="Palatino Linotype" panose="02040502050505030304" pitchFamily="18" charset="0"/>
-              </a:rPr>
-              <a:t>4.01 (Tokenization, Case Normalization, and Stop Word Removal) – page 166</a:t>
-            </a:r>
-          </a:p>
-          <a:p>
-            <a:pPr marL="171450" indent="-171450">
-              <a:buFont typeface="Arial" panose="020B0604020202020204" pitchFamily="34" charset="0"/>
-              <a:buChar char="•"/>
-            </a:pPr>
-            <a:r>
-              <a:rPr lang="en-US" sz="1200" dirty="0">
-                <a:solidFill>
-                  <a:schemeClr val="tx1">
-                    <a:lumMod val="65000"/>
-                    <a:lumOff val="35000"/>
-                  </a:schemeClr>
-                </a:solidFill>
-                <a:latin typeface="Palatino Linotype" panose="02040502050505030304" pitchFamily="18" charset="0"/>
-              </a:rPr>
-              <a:t>4.02 (Stemming our Data) – page 172</a:t>
-            </a:r>
-          </a:p>
-          <a:p>
-            <a:pPr marL="171450" indent="-171450">
-              <a:buFont typeface="Arial" panose="020B0604020202020204" pitchFamily="34" charset="0"/>
-              <a:buChar char="•"/>
-            </a:pPr>
-            <a:r>
-              <a:rPr lang="en-US" sz="1200" dirty="0">
-                <a:solidFill>
-                  <a:schemeClr val="tx1">
-                    <a:lumMod val="65000"/>
-                    <a:lumOff val="35000"/>
-                  </a:schemeClr>
-                </a:solidFill>
-                <a:latin typeface="Palatino Linotype" panose="02040502050505030304" pitchFamily="18" charset="0"/>
-              </a:rPr>
-              <a:t>4.03 (</a:t>
-            </a:r>
-            <a:r>
-              <a:rPr lang="en-US" sz="1200" b="0" i="0" dirty="0">
-                <a:solidFill>
-                  <a:schemeClr val="tx1">
-                    <a:lumMod val="65000"/>
-                    <a:lumOff val="35000"/>
-                  </a:schemeClr>
-                </a:solidFill>
-                <a:effectLst/>
-                <a:latin typeface="Palatino Linotype" panose="02040502050505030304" pitchFamily="18" charset="0"/>
-              </a:rPr>
-              <a:t>Creating One-Hot Encoding for Our Data</a:t>
-            </a:r>
-            <a:r>
-              <a:rPr lang="en-US" sz="1200" dirty="0">
-                <a:solidFill>
-                  <a:schemeClr val="tx1">
-                    <a:lumMod val="65000"/>
-                    <a:lumOff val="35000"/>
-                  </a:schemeClr>
-                </a:solidFill>
-                <a:latin typeface="Palatino Linotype" panose="02040502050505030304" pitchFamily="18" charset="0"/>
-              </a:rPr>
-              <a:t>) – page 181</a:t>
-            </a:r>
-            <a:endParaRPr lang="en-US" dirty="0"/>
-          </a:p>
-          <a:p>
-            <a:pPr marL="0" marR="0" lvl="0" indent="0" algn="l" defTabSz="914400" rtl="0" eaLnBrk="1" fontAlgn="auto" latinLnBrk="0" hangingPunct="1">
-              <a:lnSpc>
-                <a:spcPct val="100000"/>
-              </a:lnSpc>
-              <a:spcBef>
-                <a:spcPts val="0"/>
-              </a:spcBef>
-              <a:spcAft>
-                <a:spcPts val="0"/>
-              </a:spcAft>
-              <a:buClrTx/>
-              <a:buSzTx/>
-              <a:buFontTx/>
-              <a:buNone/>
-              <a:tabLst/>
-              <a:defRPr/>
-            </a:pPr>
-            <a:endParaRPr lang="en-US" dirty="0"/>
-          </a:p>
-          <a:p>
-            <a:pPr marL="0" marR="0" lvl="0" indent="0" algn="l" defTabSz="914400" rtl="0" eaLnBrk="1" fontAlgn="auto" latinLnBrk="0" hangingPunct="1">
-              <a:lnSpc>
-                <a:spcPct val="100000"/>
-              </a:lnSpc>
-              <a:spcBef>
-                <a:spcPts val="0"/>
-              </a:spcBef>
-              <a:spcAft>
-                <a:spcPts val="0"/>
-              </a:spcAft>
-              <a:buClrTx/>
-              <a:buSzTx/>
-              <a:buFontTx/>
-              <a:buNone/>
-              <a:tabLst/>
-              <a:defRPr/>
-            </a:pPr>
-            <a:endParaRPr lang="en-US" dirty="0"/>
-          </a:p>
-          <a:p>
-            <a:pPr marL="0" marR="0" lvl="0" indent="0" algn="l" defTabSz="914400" rtl="0" eaLnBrk="1" fontAlgn="auto" latinLnBrk="0" hangingPunct="1">
-              <a:lnSpc>
-                <a:spcPct val="100000"/>
-              </a:lnSpc>
-              <a:spcBef>
-                <a:spcPts val="0"/>
-              </a:spcBef>
-              <a:spcAft>
-                <a:spcPts val="0"/>
-              </a:spcAft>
-              <a:buClrTx/>
-              <a:buSzTx/>
-              <a:buFontTx/>
-              <a:buNone/>
-              <a:tabLst/>
-              <a:defRPr/>
-            </a:pPr>
-            <a:endParaRPr lang="en-US" dirty="0"/>
+            <a:r>
+              <a:rPr lang="en-US" dirty="0"/>
+              <a:t>Unfortunately, I did not have time to create a set of slides for term frequencies – text representations which tell us how often a word appears in a body of text.  The notebook, however, has some introductory content and an exercise on this topic.</a:t>
+            </a:r>
           </a:p>
         </p:txBody>
       </p:sp>
@@ -4352,7 +4197,7 @@
     </p:spTree>
     <p:extLst>
       <p:ext uri="{BB962C8B-B14F-4D97-AF65-F5344CB8AC3E}">
-        <p14:creationId xmlns:p14="http://schemas.microsoft.com/office/powerpoint/2010/main" val="2820707112"/>
+        <p14:creationId xmlns:p14="http://schemas.microsoft.com/office/powerpoint/2010/main" val="784065257"/>
       </p:ext>
     </p:extLst>
   </p:cSld>
@@ -4406,27 +4251,117 @@
           <a:bodyPr/>
           <a:lstStyle/>
           <a:p>
-            <a:pPr marL="0" marR="0" lvl="0" indent="0" algn="l" defTabSz="914400" rtl="0" eaLnBrk="1" fontAlgn="auto" latinLnBrk="0" hangingPunct="1">
-              <a:lnSpc>
-                <a:spcPct val="100000"/>
-              </a:lnSpc>
-              <a:spcBef>
-                <a:spcPts val="0"/>
-              </a:spcBef>
-              <a:spcAft>
-                <a:spcPts val="0"/>
-              </a:spcAft>
-              <a:buClrTx/>
-              <a:buSzTx/>
-              <a:buFontTx/>
+            <a:pPr marL="0" indent="0">
+              <a:buFont typeface="Arial" panose="020B0604020202020204" pitchFamily="34" charset="0"/>
               <a:buNone/>
-              <a:tabLst/>
-              <a:defRPr/>
             </a:pPr>
             <a:r>
-              <a:rPr lang="en-US" dirty="0"/>
-              <a:t>This exercise is optional and is included in the notebook for this session.</a:t>
-            </a:r>
+              <a:rPr lang="en-US" sz="1200" dirty="0">
+                <a:solidFill>
+                  <a:schemeClr val="tx1">
+                    <a:lumMod val="65000"/>
+                    <a:lumOff val="35000"/>
+                  </a:schemeClr>
+                </a:solidFill>
+                <a:latin typeface="Palatino Linotype" panose="02040502050505030304" pitchFamily="18" charset="0"/>
+              </a:rPr>
+              <a:t>Today’s second notebook contains three data prep exercises, with a fourth one that is optional:</a:t>
+            </a:r>
+          </a:p>
+          <a:p>
+            <a:pPr marL="0" indent="0">
+              <a:buFont typeface="Arial" panose="020B0604020202020204" pitchFamily="34" charset="0"/>
+              <a:buNone/>
+            </a:pPr>
+            <a:endParaRPr lang="en-US" sz="1200" dirty="0">
+              <a:solidFill>
+                <a:schemeClr val="tx1">
+                  <a:lumMod val="65000"/>
+                  <a:lumOff val="35000"/>
+                </a:schemeClr>
+              </a:solidFill>
+              <a:latin typeface="Palatino Linotype" panose="02040502050505030304" pitchFamily="18" charset="0"/>
+            </a:endParaRPr>
+          </a:p>
+          <a:p>
+            <a:pPr marL="171450" indent="-171450">
+              <a:buFont typeface="Arial" panose="020B0604020202020204" pitchFamily="34" charset="0"/>
+              <a:buChar char="•"/>
+            </a:pPr>
+            <a:r>
+              <a:rPr lang="en-US" sz="1200" dirty="0">
+                <a:solidFill>
+                  <a:schemeClr val="tx1">
+                    <a:lumMod val="65000"/>
+                    <a:lumOff val="35000"/>
+                  </a:schemeClr>
+                </a:solidFill>
+                <a:latin typeface="Palatino Linotype" panose="02040502050505030304" pitchFamily="18" charset="0"/>
+              </a:rPr>
+              <a:t>4.01 (Tokenization, Case Normalization, and Stop Word Removal) – page 166</a:t>
+            </a:r>
+          </a:p>
+          <a:p>
+            <a:pPr marL="171450" indent="-171450">
+              <a:buFont typeface="Arial" panose="020B0604020202020204" pitchFamily="34" charset="0"/>
+              <a:buChar char="•"/>
+            </a:pPr>
+            <a:r>
+              <a:rPr lang="en-US" sz="1200" dirty="0">
+                <a:solidFill>
+                  <a:schemeClr val="tx1">
+                    <a:lumMod val="65000"/>
+                    <a:lumOff val="35000"/>
+                  </a:schemeClr>
+                </a:solidFill>
+                <a:latin typeface="Palatino Linotype" panose="02040502050505030304" pitchFamily="18" charset="0"/>
+              </a:rPr>
+              <a:t>4.02 (Stemming our Data) – page 172</a:t>
+            </a:r>
+          </a:p>
+          <a:p>
+            <a:pPr marL="171450" indent="-171450">
+              <a:buFont typeface="Arial" panose="020B0604020202020204" pitchFamily="34" charset="0"/>
+              <a:buChar char="•"/>
+            </a:pPr>
+            <a:r>
+              <a:rPr lang="en-US" sz="1200" dirty="0">
+                <a:solidFill>
+                  <a:schemeClr val="tx1">
+                    <a:lumMod val="65000"/>
+                    <a:lumOff val="35000"/>
+                  </a:schemeClr>
+                </a:solidFill>
+                <a:latin typeface="Palatino Linotype" panose="02040502050505030304" pitchFamily="18" charset="0"/>
+              </a:rPr>
+              <a:t>4.03 (</a:t>
+            </a:r>
+            <a:r>
+              <a:rPr lang="en-US" sz="1200" b="0" i="0" dirty="0">
+                <a:solidFill>
+                  <a:schemeClr val="tx1">
+                    <a:lumMod val="65000"/>
+                    <a:lumOff val="35000"/>
+                  </a:schemeClr>
+                </a:solidFill>
+                <a:effectLst/>
+                <a:latin typeface="Palatino Linotype" panose="02040502050505030304" pitchFamily="18" charset="0"/>
+              </a:rPr>
+              <a:t>Creating One-Hot Encoding for Our Data</a:t>
+            </a:r>
+            <a:r>
+              <a:rPr lang="en-US" sz="1200" dirty="0">
+                <a:solidFill>
+                  <a:schemeClr val="tx1">
+                    <a:lumMod val="65000"/>
+                    <a:lumOff val="35000"/>
+                  </a:schemeClr>
+                </a:solidFill>
+                <a:latin typeface="Palatino Linotype" panose="02040502050505030304" pitchFamily="18" charset="0"/>
+              </a:rPr>
+              <a:t>) – page 181</a:t>
+            </a:r>
+            <a:endParaRPr lang="en-US" dirty="0"/>
           </a:p>
           <a:p>
             <a:pPr marL="0" marR="0" lvl="0" indent="0" algn="l" defTabSz="914400" rtl="0" eaLnBrk="1" fontAlgn="auto" latinLnBrk="0" hangingPunct="1">
@@ -4466,19 +4401,7 @@
               <a:tabLst/>
               <a:defRPr/>
             </a:pPr>
-            <a:r>
-              <a:rPr lang="en-US" sz="1200" dirty="0">
-                <a:solidFill>
-                  <a:schemeClr val="tx1">
-                    <a:lumMod val="65000"/>
-                    <a:lumOff val="35000"/>
-                  </a:schemeClr>
-                </a:solidFill>
-                <a:latin typeface="Palatino Linotype" panose="02040502050505030304" pitchFamily="18" charset="0"/>
-                <a:cs typeface="Segoe UI Light" panose="020B0502040204020203" pitchFamily="34" charset="0"/>
-              </a:rPr>
-              <a:t>4.04 (Document Term Matrix with TF-IDF) - Page 188</a:t>
-            </a:r>
+            <a:endParaRPr lang="en-US" dirty="0"/>
           </a:p>
           <a:p>
             <a:pPr marL="0" marR="0" lvl="0" indent="0" algn="l" defTabSz="914400" rtl="0" eaLnBrk="1" fontAlgn="auto" latinLnBrk="0" hangingPunct="1">
@@ -4528,7 +4451,7 @@
     </p:spTree>
     <p:extLst>
       <p:ext uri="{BB962C8B-B14F-4D97-AF65-F5344CB8AC3E}">
-        <p14:creationId xmlns:p14="http://schemas.microsoft.com/office/powerpoint/2010/main" val="1974960137"/>
+        <p14:creationId xmlns:p14="http://schemas.microsoft.com/office/powerpoint/2010/main" val="2820707112"/>
       </p:ext>
     </p:extLst>
   </p:cSld>
@@ -4582,14 +4505,99 @@
           <a:bodyPr/>
           <a:lstStyle/>
           <a:p>
-            <a:endParaRPr lang="en-US" dirty="0">
-              <a:latin typeface="Palatino Linotype" panose="02040502050505030304" pitchFamily="18" charset="0"/>
-            </a:endParaRPr>
-          </a:p>
-          <a:p>
-            <a:endParaRPr lang="en-US" dirty="0">
-              <a:latin typeface="Palatino Linotype" panose="02040502050505030304" pitchFamily="18" charset="0"/>
-            </a:endParaRPr>
+            <a:pPr marL="0" marR="0" lvl="0" indent="0" algn="l" defTabSz="914400" rtl="0" eaLnBrk="1" fontAlgn="auto" latinLnBrk="0" hangingPunct="1">
+              <a:lnSpc>
+                <a:spcPct val="100000"/>
+              </a:lnSpc>
+              <a:spcBef>
+                <a:spcPts val="0"/>
+              </a:spcBef>
+              <a:spcAft>
+                <a:spcPts val="0"/>
+              </a:spcAft>
+              <a:buClrTx/>
+              <a:buSzTx/>
+              <a:buFontTx/>
+              <a:buNone/>
+              <a:tabLst/>
+              <a:defRPr/>
+            </a:pPr>
+            <a:r>
+              <a:rPr lang="en-US" dirty="0"/>
+              <a:t>This exercise is optional and is included in the notebook for this session.</a:t>
+            </a:r>
+          </a:p>
+          <a:p>
+            <a:pPr marL="0" marR="0" lvl="0" indent="0" algn="l" defTabSz="914400" rtl="0" eaLnBrk="1" fontAlgn="auto" latinLnBrk="0" hangingPunct="1">
+              <a:lnSpc>
+                <a:spcPct val="100000"/>
+              </a:lnSpc>
+              <a:spcBef>
+                <a:spcPts val="0"/>
+              </a:spcBef>
+              <a:spcAft>
+                <a:spcPts val="0"/>
+              </a:spcAft>
+              <a:buClrTx/>
+              <a:buSzTx/>
+              <a:buFontTx/>
+              <a:buNone/>
+              <a:tabLst/>
+              <a:defRPr/>
+            </a:pPr>
+            <a:endParaRPr lang="en-US" dirty="0"/>
+          </a:p>
+          <a:p>
+            <a:pPr marL="0" marR="0" lvl="0" indent="0" algn="l" defTabSz="914400" rtl="0" eaLnBrk="1" fontAlgn="auto" latinLnBrk="0" hangingPunct="1">
+              <a:lnSpc>
+                <a:spcPct val="100000"/>
+              </a:lnSpc>
+              <a:spcBef>
+                <a:spcPts val="0"/>
+              </a:spcBef>
+              <a:spcAft>
+                <a:spcPts val="0"/>
+              </a:spcAft>
+              <a:buClrTx/>
+              <a:buSzTx/>
+              <a:buFontTx/>
+              <a:buNone/>
+              <a:tabLst/>
+              <a:defRPr/>
+            </a:pPr>
+            <a:r>
+              <a:rPr lang="en-US" sz="1200" dirty="0">
+                <a:solidFill>
+                  <a:schemeClr val="tx1">
+                    <a:lumMod val="65000"/>
+                    <a:lumOff val="35000"/>
+                  </a:schemeClr>
+                </a:solidFill>
+                <a:latin typeface="Palatino Linotype" panose="02040502050505030304" pitchFamily="18" charset="0"/>
+                <a:cs typeface="Segoe UI Light" panose="020B0502040204020203" pitchFamily="34" charset="0"/>
+              </a:rPr>
+              <a:t>4.04 (Document Term Matrix with TF-IDF) - Page 188</a:t>
+            </a:r>
+          </a:p>
+          <a:p>
+            <a:pPr marL="0" marR="0" lvl="0" indent="0" algn="l" defTabSz="914400" rtl="0" eaLnBrk="1" fontAlgn="auto" latinLnBrk="0" hangingPunct="1">
+              <a:lnSpc>
+                <a:spcPct val="100000"/>
+              </a:lnSpc>
+              <a:spcBef>
+                <a:spcPts val="0"/>
+              </a:spcBef>
+              <a:spcAft>
+                <a:spcPts val="0"/>
+              </a:spcAft>
+              <a:buClrTx/>
+              <a:buSzTx/>
+              <a:buFontTx/>
+              <a:buNone/>
+              <a:tabLst/>
+              <a:defRPr/>
+            </a:pPr>
+            <a:endParaRPr lang="en-US" dirty="0"/>
           </a:p>
         </p:txBody>
       </p:sp>
@@ -4610,7 +4618,7 @@
           <a:p>
             <a:fld id="{3148858F-F1DB-4027-9C85-CCA6849540DD}" type="slidenum">
               <a:rPr lang="en-US" smtClean="0"/>
-              <a:t>16</a:t>
+              <a:t>15</a:t>
             </a:fld>
             <a:endParaRPr lang="en-US"/>
           </a:p>
@@ -4619,7 +4627,7 @@
     </p:spTree>
     <p:extLst>
       <p:ext uri="{BB962C8B-B14F-4D97-AF65-F5344CB8AC3E}">
-        <p14:creationId xmlns:p14="http://schemas.microsoft.com/office/powerpoint/2010/main" val="2023840696"/>
+        <p14:creationId xmlns:p14="http://schemas.microsoft.com/office/powerpoint/2010/main" val="1974960137"/>
       </p:ext>
     </p:extLst>
   </p:cSld>
@@ -4673,7 +4681,14 @@
           <a:bodyPr/>
           <a:lstStyle/>
           <a:p>
-            <a:endParaRPr lang="en-US" dirty="0"/>
+            <a:endParaRPr lang="en-US" dirty="0">
+              <a:latin typeface="Palatino Linotype" panose="02040502050505030304" pitchFamily="18" charset="0"/>
+            </a:endParaRPr>
+          </a:p>
+          <a:p>
+            <a:endParaRPr lang="en-US" dirty="0">
+              <a:latin typeface="Palatino Linotype" panose="02040502050505030304" pitchFamily="18" charset="0"/>
+            </a:endParaRPr>
           </a:p>
         </p:txBody>
       </p:sp>
@@ -4703,7 +4718,7 @@
     </p:spTree>
     <p:extLst>
       <p:ext uri="{BB962C8B-B14F-4D97-AF65-F5344CB8AC3E}">
-        <p14:creationId xmlns:p14="http://schemas.microsoft.com/office/powerpoint/2010/main" val="1555070171"/>
+        <p14:creationId xmlns:p14="http://schemas.microsoft.com/office/powerpoint/2010/main" val="2023840696"/>
       </p:ext>
     </p:extLst>
   </p:cSld>
@@ -5508,7 +5523,7 @@
                 <a:effectLst/>
                 <a:latin typeface="+mn-lt"/>
               </a:rPr>
-              <a:t>But before we go any further, we need to acknowledge that NLP isn't easy.  Here are three examples:</a:t>
+              <a:t>But before we go any further, we need to acknowledge that NLP isn't easy because language is ambiguous.  Here are three examples:</a:t>
             </a:r>
           </a:p>
           <a:p>
@@ -5533,7 +5548,7 @@
                 <a:effectLst/>
                 <a:latin typeface="+mn-lt"/>
               </a:rPr>
-              <a:t>Consider the following sentence: "</a:t>
+              <a:t>Consider this sentence: "</a:t>
             </a:r>
             <a:r>
               <a:rPr lang="en-US" b="0" i="1" dirty="0">
@@ -5568,7 +5583,7 @@
                 <a:effectLst/>
                 <a:latin typeface="+mn-lt"/>
               </a:rPr>
-              <a:t>Let's consider another sentence: “</a:t>
+              <a:t>And another sentence: “</a:t>
             </a:r>
             <a:r>
               <a:rPr lang="en-US" b="0" i="1" dirty="0">
@@ -5603,7 +5618,7 @@
                 <a:effectLst/>
                 <a:latin typeface="+mn-lt"/>
               </a:rPr>
-              <a:t>And finally, this sentence: "</a:t>
+              <a:t>And finally: "</a:t>
             </a:r>
             <a:r>
               <a:rPr lang="en-US" b="0" i="1" dirty="0">
@@ -5628,6 +5643,31 @@
           </a:p>
           <a:p>
             <a:pPr algn="l"/>
+            <a:endParaRPr lang="en-US" dirty="0"/>
+          </a:p>
+          <a:p>
+            <a:pPr algn="l"/>
+            <a:r>
+              <a:rPr lang="en-US" dirty="0"/>
+              <a:t>Winograd schemas developed by Hector Levesque – Pronoun resolution.</a:t>
+            </a:r>
+          </a:p>
+          <a:p>
+            <a:pPr algn="l"/>
+            <a:endParaRPr lang="en-US" dirty="0"/>
+          </a:p>
+          <a:p>
+            <a:pPr algn="l"/>
+            <a:r>
+              <a:rPr lang="en-US" b="0" i="0" dirty="0">
+                <a:solidFill>
+                  <a:srgbClr val="202122"/>
+                </a:solidFill>
+                <a:effectLst/>
+                <a:latin typeface="Arial" panose="020B0604020202020204" pitchFamily="34" charset="0"/>
+              </a:rPr>
+              <a:t>The city councilmen refused the demonstrators a permit because they [feared/advocated] violence. Does the pronoun 'they' refer to the city councilmen or the demonstrators?</a:t>
+            </a:r>
             <a:endParaRPr lang="en-US" dirty="0"/>
           </a:p>
         </p:txBody>
@@ -5712,6 +5752,35 @@
           <a:bodyPr/>
           <a:lstStyle/>
           <a:p>
+            <a:pPr marL="0" indent="0" algn="l">
+              <a:buNone/>
+            </a:pPr>
+            <a:r>
+              <a:rPr lang="en-US" b="0" i="0" dirty="0">
+                <a:solidFill>
+                  <a:srgbClr val="3C3C3B"/>
+                </a:solidFill>
+                <a:effectLst/>
+                <a:latin typeface="Calibri" panose="020F0502020204030204" pitchFamily="34" charset="0"/>
+                <a:cs typeface="Calibri" panose="020F0502020204030204" pitchFamily="34" charset="0"/>
+              </a:rPr>
+              <a:t>NLP is all around us, but it really took off when deep neural networks became a reality.</a:t>
+            </a:r>
+          </a:p>
+          <a:p>
+            <a:pPr marL="0" indent="0" algn="l">
+              <a:buNone/>
+            </a:pPr>
+            <a:endParaRPr lang="en-US" b="0" i="0" dirty="0">
+              <a:solidFill>
+                <a:srgbClr val="3C3C3B"/>
+              </a:solidFill>
+              <a:effectLst/>
+              <a:latin typeface="Calibri" panose="020F0502020204030204" pitchFamily="34" charset="0"/>
+              <a:cs typeface="Calibri" panose="020F0502020204030204" pitchFamily="34" charset="0"/>
+            </a:endParaRPr>
+          </a:p>
+          <a:p>
             <a:pPr marL="228600" indent="-228600" algn="l">
               <a:buAutoNum type="arabicPeriod"/>
             </a:pPr>
@@ -5872,22 +5941,6 @@
           <a:bodyPr/>
           <a:lstStyle/>
           <a:p>
-            <a:r>
-              <a:rPr lang="en-US" dirty="0"/>
-              <a:t>Link:  </a:t>
-            </a:r>
-            <a:r>
-              <a:rPr lang="en-US" dirty="0">
-                <a:solidFill>
-                  <a:schemeClr val="accent5">
-                    <a:lumMod val="75000"/>
-                  </a:schemeClr>
-                </a:solidFill>
-              </a:rPr>
-              <a:t>https://github.com/PracticumAI-Test/HPG_Jupyter_Setup</a:t>
-            </a:r>
-          </a:p>
-          <a:p>
             <a:endParaRPr lang="en-US" dirty="0"/>
           </a:p>
           <a:p>
@@ -6419,40 +6472,33 @@
           <a:p>
             <a:pPr algn="l"/>
             <a:r>
+              <a:rPr lang="en-US" sz="1200" b="1" i="0" u="none" strike="noStrike" baseline="0" dirty="0">
+                <a:latin typeface="+mn-lt"/>
+              </a:rPr>
+              <a:t>Tokenization</a:t>
+            </a:r>
+            <a:r>
               <a:rPr lang="en-US" sz="1200" b="0" i="0" u="none" strike="noStrike" baseline="0" dirty="0">
                 <a:latin typeface="+mn-lt"/>
               </a:rPr>
-              <a:t>The first step in preprocessing is usually </a:t>
+              <a:t> is typically the first step in text pre-processing.  It’s the splitting of a raw input text sequence into </a:t>
             </a:r>
             <a:r>
               <a:rPr lang="en-US" sz="1200" b="1" i="0" u="none" strike="noStrike" baseline="0" dirty="0">
                 <a:latin typeface="+mn-lt"/>
               </a:rPr>
-              <a:t>tokenization </a:t>
+              <a:t>tokens</a:t>
             </a:r>
             <a:r>
               <a:rPr lang="en-US" sz="1200" b="0" i="0" u="none" strike="noStrike" baseline="0" dirty="0">
                 <a:latin typeface="+mn-lt"/>
               </a:rPr>
-              <a:t>– splitting the raw input text sequence into </a:t>
-            </a:r>
-            <a:r>
-              <a:rPr lang="en-US" sz="1200" b="1" i="0" u="none" strike="noStrike" baseline="0" dirty="0">
-                <a:latin typeface="+mn-lt"/>
-              </a:rPr>
-              <a:t>tokens</a:t>
-            </a:r>
-            <a:r>
-              <a:rPr lang="en-US" sz="1200" b="0" i="0" u="none" strike="noStrike" baseline="0" dirty="0">
-                <a:latin typeface="+mn-lt"/>
-              </a:rPr>
-              <a:t>. In simple terms, it is breaking the raw text into constituent elements that you want to work on. This token can be a paragraph, sentence, word, or even a character. If you want to separate a paragraph into sentences, then you would tokenize the paragraph into sentences. If you want to separate the words in a sentence, then you would tokenize the sentence into words.</a:t>
-            </a:r>
-            <a:endParaRPr lang="en-US" sz="1200" b="0" i="0" dirty="0">
-              <a:solidFill>
-                <a:srgbClr val="3C3C3B"/>
-              </a:solidFill>
-              <a:effectLst/>
+              <a:t>. In simple terms, it is breaking the raw text into constituent elements that you want to work on. A token can be a paragraph, sentence, word, or even a character. </a:t>
+            </a:r>
+          </a:p>
+          <a:p>
+            <a:pPr algn="l"/>
+            <a:endParaRPr lang="en-US" sz="1200" b="0" i="0" u="none" strike="noStrike" baseline="0" dirty="0">
               <a:latin typeface="+mn-lt"/>
             </a:endParaRPr>
           </a:p>
@@ -6641,7 +6687,7 @@
           <a:p>
             <a:fld id="{C3F78080-8D0A-4BE8-A5B4-CB115102D524}" type="datetimeFigureOut">
               <a:rPr lang="en-US" smtClean="0"/>
-              <a:t>10/12/2022</a:t>
+              <a:t>10/13/2022</a:t>
             </a:fld>
             <a:endParaRPr lang="en-US"/>
           </a:p>
@@ -6839,7 +6885,7 @@
           <a:p>
             <a:fld id="{C3F78080-8D0A-4BE8-A5B4-CB115102D524}" type="datetimeFigureOut">
               <a:rPr lang="en-US" smtClean="0"/>
-              <a:t>10/12/2022</a:t>
+              <a:t>10/13/2022</a:t>
             </a:fld>
             <a:endParaRPr lang="en-US"/>
           </a:p>
@@ -7047,7 +7093,7 @@
           <a:p>
             <a:fld id="{C3F78080-8D0A-4BE8-A5B4-CB115102D524}" type="datetimeFigureOut">
               <a:rPr lang="en-US" smtClean="0"/>
-              <a:t>10/12/2022</a:t>
+              <a:t>10/13/2022</a:t>
             </a:fld>
             <a:endParaRPr lang="en-US"/>
           </a:p>
@@ -7245,7 +7291,7 @@
           <a:p>
             <a:fld id="{C3F78080-8D0A-4BE8-A5B4-CB115102D524}" type="datetimeFigureOut">
               <a:rPr lang="en-US" smtClean="0"/>
-              <a:t>10/12/2022</a:t>
+              <a:t>10/13/2022</a:t>
             </a:fld>
             <a:endParaRPr lang="en-US"/>
           </a:p>
@@ -7520,7 +7566,7 @@
           <a:p>
             <a:fld id="{C3F78080-8D0A-4BE8-A5B4-CB115102D524}" type="datetimeFigureOut">
               <a:rPr lang="en-US" smtClean="0"/>
-              <a:t>10/12/2022</a:t>
+              <a:t>10/13/2022</a:t>
             </a:fld>
             <a:endParaRPr lang="en-US"/>
           </a:p>
@@ -7785,7 +7831,7 @@
           <a:p>
             <a:fld id="{C3F78080-8D0A-4BE8-A5B4-CB115102D524}" type="datetimeFigureOut">
               <a:rPr lang="en-US" smtClean="0"/>
-              <a:t>10/12/2022</a:t>
+              <a:t>10/13/2022</a:t>
             </a:fld>
             <a:endParaRPr lang="en-US"/>
           </a:p>
@@ -8197,7 +8243,7 @@
           <a:p>
             <a:fld id="{C3F78080-8D0A-4BE8-A5B4-CB115102D524}" type="datetimeFigureOut">
               <a:rPr lang="en-US" smtClean="0"/>
-              <a:t>10/12/2022</a:t>
+              <a:t>10/13/2022</a:t>
             </a:fld>
             <a:endParaRPr lang="en-US"/>
           </a:p>
@@ -8338,7 +8384,7 @@
           <a:p>
             <a:fld id="{C3F78080-8D0A-4BE8-A5B4-CB115102D524}" type="datetimeFigureOut">
               <a:rPr lang="en-US" smtClean="0"/>
-              <a:t>10/12/2022</a:t>
+              <a:t>10/13/2022</a:t>
             </a:fld>
             <a:endParaRPr lang="en-US"/>
           </a:p>
@@ -8451,7 +8497,7 @@
           <a:p>
             <a:fld id="{C3F78080-8D0A-4BE8-A5B4-CB115102D524}" type="datetimeFigureOut">
               <a:rPr lang="en-US" smtClean="0"/>
-              <a:t>10/12/2022</a:t>
+              <a:t>10/13/2022</a:t>
             </a:fld>
             <a:endParaRPr lang="en-US"/>
           </a:p>
@@ -8762,7 +8808,7 @@
           <a:p>
             <a:fld id="{C3F78080-8D0A-4BE8-A5B4-CB115102D524}" type="datetimeFigureOut">
               <a:rPr lang="en-US" smtClean="0"/>
-              <a:t>10/12/2022</a:t>
+              <a:t>10/13/2022</a:t>
             </a:fld>
             <a:endParaRPr lang="en-US"/>
           </a:p>
@@ -9050,7 +9096,7 @@
           <a:p>
             <a:fld id="{C3F78080-8D0A-4BE8-A5B4-CB115102D524}" type="datetimeFigureOut">
               <a:rPr lang="en-US" smtClean="0"/>
-              <a:t>10/12/2022</a:t>
+              <a:t>10/13/2022</a:t>
             </a:fld>
             <a:endParaRPr lang="en-US"/>
           </a:p>
@@ -9291,7 +9337,7 @@
           <a:p>
             <a:fld id="{C3F78080-8D0A-4BE8-A5B4-CB115102D524}" type="datetimeFigureOut">
               <a:rPr lang="en-US" smtClean="0"/>
-              <a:t>10/12/2022</a:t>
+              <a:t>10/13/2022</a:t>
             </a:fld>
             <a:endParaRPr lang="en-US"/>
           </a:p>
@@ -10079,7 +10125,31 @@
                 <a:latin typeface="Palatino Linotype" panose="02040502050505030304" pitchFamily="18" charset="0"/>
                 <a:cs typeface="Segoe UI Light" panose="020B0502040204020203" pitchFamily="34" charset="0"/>
               </a:rPr>
-              <a:t>“CAR”, “Car”, and “caR”</a:t>
+              <a:t>“CAT”, “Cat”, and “</a:t>
+            </a:r>
+            <a:r>
+              <a:rPr lang="en-US" sz="3600" dirty="0" err="1">
+                <a:solidFill>
+                  <a:schemeClr val="accent1">
+                    <a:lumMod val="75000"/>
+                  </a:schemeClr>
+                </a:solidFill>
+                <a:latin typeface="Palatino Linotype" panose="02040502050505030304" pitchFamily="18" charset="0"/>
+                <a:cs typeface="Segoe UI Light" panose="020B0502040204020203" pitchFamily="34" charset="0"/>
+              </a:rPr>
+              <a:t>caT</a:t>
+            </a:r>
+            <a:r>
+              <a:rPr lang="en-US" sz="3600" dirty="0">
+                <a:solidFill>
+                  <a:schemeClr val="accent1">
+                    <a:lumMod val="75000"/>
+                  </a:schemeClr>
+                </a:solidFill>
+                <a:latin typeface="Palatino Linotype" panose="02040502050505030304" pitchFamily="18" charset="0"/>
+                <a:cs typeface="Segoe UI Light" panose="020B0502040204020203" pitchFamily="34" charset="0"/>
+              </a:rPr>
+              <a:t>”</a:t>
             </a:r>
           </a:p>
         </p:txBody>
@@ -11097,6 +11167,225 @@
           <a:chExt cx="0" cy="0"/>
         </a:xfrm>
       </p:grpSpPr>
+      <p:sp>
+        <p:nvSpPr>
+          <p:cNvPr id="4" name="Title 1">
+            <a:extLst>
+              <a:ext uri="{FF2B5EF4-FFF2-40B4-BE49-F238E27FC236}">
+                <a16:creationId xmlns:a16="http://schemas.microsoft.com/office/drawing/2014/main" id="{747FC3C3-9024-05CA-7BEE-3817AB80B6E3}"/>
+              </a:ext>
+            </a:extLst>
+          </p:cNvPr>
+          <p:cNvSpPr txBox="1">
+            <a:spLocks/>
+          </p:cNvSpPr>
+          <p:nvPr/>
+        </p:nvSpPr>
+        <p:spPr>
+          <a:xfrm>
+            <a:off x="0" y="772462"/>
+            <a:ext cx="12192000" cy="760138"/>
+          </a:xfrm>
+          <a:prstGeom prst="rect">
+            <a:avLst/>
+          </a:prstGeom>
+          <a:noFill/>
+        </p:spPr>
+        <p:txBody>
+          <a:bodyPr>
+            <a:noAutofit/>
+          </a:bodyPr>
+          <a:lstStyle>
+            <a:lvl1pPr algn="l" defTabSz="914400" rtl="0" eaLnBrk="1" latinLnBrk="0" hangingPunct="1">
+              <a:lnSpc>
+                <a:spcPct val="90000"/>
+              </a:lnSpc>
+              <a:spcBef>
+                <a:spcPct val="0"/>
+              </a:spcBef>
+              <a:buNone/>
+              <a:defRPr sz="4400" kern="1200">
+                <a:solidFill>
+                  <a:schemeClr val="tx1"/>
+                </a:solidFill>
+                <a:latin typeface="+mj-lt"/>
+                <a:ea typeface="+mj-ea"/>
+                <a:cs typeface="+mj-cs"/>
+              </a:defRPr>
+            </a:lvl1pPr>
+          </a:lstStyle>
+          <a:p>
+            <a:pPr algn="ctr"/>
+            <a:r>
+              <a:rPr lang="en-US" sz="4800" dirty="0">
+                <a:solidFill>
+                  <a:schemeClr val="tx1">
+                    <a:lumMod val="75000"/>
+                    <a:lumOff val="25000"/>
+                  </a:schemeClr>
+                </a:solidFill>
+                <a:latin typeface="Palatino Linotype" panose="02040502050505030304" pitchFamily="18" charset="0"/>
+              </a:rPr>
+              <a:t>Term Frequencies</a:t>
+            </a:r>
+            <a:endParaRPr lang="en-US" sz="4800" dirty="0">
+              <a:solidFill>
+                <a:schemeClr val="tx1">
+                  <a:lumMod val="75000"/>
+                  <a:lumOff val="25000"/>
+                </a:schemeClr>
+              </a:solidFill>
+              <a:latin typeface="Palatino Linotype" panose="02040502050505030304" pitchFamily="18" charset="0"/>
+              <a:cs typeface="Segoe UI Light" panose="020B0502040204020203" pitchFamily="34" charset="0"/>
+            </a:endParaRPr>
+          </a:p>
+        </p:txBody>
+      </p:sp>
+      <p:pic>
+        <p:nvPicPr>
+          <p:cNvPr id="1026" name="Picture 2" descr="2,728 Coming Soon Sign Stock Photos, Pictures &amp; Royalty-Free Images - iStock">
+            <a:extLst>
+              <a:ext uri="{FF2B5EF4-FFF2-40B4-BE49-F238E27FC236}">
+                <a16:creationId xmlns:a16="http://schemas.microsoft.com/office/drawing/2014/main" id="{88AACAD2-869C-0991-A56E-BF0C6BE76C07}"/>
+              </a:ext>
+            </a:extLst>
+          </p:cNvPr>
+          <p:cNvPicPr>
+            <a:picLocks noChangeAspect="1" noChangeArrowheads="1"/>
+          </p:cNvPicPr>
+          <p:nvPr/>
+        </p:nvPicPr>
+        <p:blipFill>
+          <a:blip r:embed="rId3">
+            <a:extLst>
+              <a:ext uri="{28A0092B-C50C-407E-A947-70E740481C1C}">
+                <a14:useLocalDpi xmlns:a14="http://schemas.microsoft.com/office/drawing/2010/main" val="0"/>
+              </a:ext>
+            </a:extLst>
+          </a:blip>
+          <a:srcRect/>
+          <a:stretch>
+            <a:fillRect/>
+          </a:stretch>
+        </p:blipFill>
+        <p:spPr bwMode="auto">
+          <a:xfrm>
+            <a:off x="3181350" y="2451360"/>
+            <a:ext cx="5829300" cy="2914650"/>
+          </a:xfrm>
+          <a:prstGeom prst="rect">
+            <a:avLst/>
+          </a:prstGeom>
+          <a:noFill/>
+          <a:extLst>
+            <a:ext uri="{909E8E84-426E-40DD-AFC4-6F175D3DCCD1}">
+              <a14:hiddenFill xmlns:a14="http://schemas.microsoft.com/office/drawing/2010/main">
+                <a:solidFill>
+                  <a:srgbClr val="FFFFFF"/>
+                </a:solidFill>
+              </a14:hiddenFill>
+            </a:ext>
+          </a:extLst>
+        </p:spPr>
+      </p:pic>
+      <p:sp>
+        <p:nvSpPr>
+          <p:cNvPr id="6" name="TextBox 5">
+            <a:extLst>
+              <a:ext uri="{FF2B5EF4-FFF2-40B4-BE49-F238E27FC236}">
+                <a16:creationId xmlns:a16="http://schemas.microsoft.com/office/drawing/2014/main" id="{FB264829-131F-9D33-2554-D4499258F3B4}"/>
+              </a:ext>
+            </a:extLst>
+          </p:cNvPr>
+          <p:cNvSpPr txBox="1"/>
+          <p:nvPr/>
+        </p:nvSpPr>
+        <p:spPr>
+          <a:xfrm>
+            <a:off x="0" y="6550223"/>
+            <a:ext cx="12192000" cy="307777"/>
+          </a:xfrm>
+          <a:prstGeom prst="rect">
+            <a:avLst/>
+          </a:prstGeom>
+          <a:noFill/>
+        </p:spPr>
+        <p:txBody>
+          <a:bodyPr wrap="square" rtlCol="0">
+            <a:spAutoFit/>
+          </a:bodyPr>
+          <a:lstStyle/>
+          <a:p>
+            <a:r>
+              <a:rPr lang="en-US" sz="1400" dirty="0">
+                <a:solidFill>
+                  <a:schemeClr val="tx1">
+                    <a:lumMod val="65000"/>
+                    <a:lumOff val="35000"/>
+                  </a:schemeClr>
+                </a:solidFill>
+                <a:latin typeface="+mj-lt"/>
+                <a:ea typeface="Verdana" panose="020B0604030504040204" pitchFamily="34" charset="0"/>
+              </a:rPr>
+              <a:t>Image Credit: </a:t>
+            </a:r>
+            <a:r>
+              <a:rPr lang="en-US" sz="1400" dirty="0">
+                <a:solidFill>
+                  <a:schemeClr val="tx1">
+                    <a:lumMod val="65000"/>
+                    <a:lumOff val="35000"/>
+                  </a:schemeClr>
+                </a:solidFill>
+              </a:rPr>
+              <a:t>https://www.istockphoto.com/photos/coming-soon-sign</a:t>
+            </a:r>
+            <a:r>
+              <a:rPr lang="en-US" sz="1400" dirty="0">
+                <a:solidFill>
+                  <a:schemeClr val="tx1">
+                    <a:lumMod val="65000"/>
+                    <a:lumOff val="35000"/>
+                  </a:schemeClr>
+                </a:solidFill>
+                <a:latin typeface="+mj-lt"/>
+                <a:ea typeface="Verdana" panose="020B0604030504040204" pitchFamily="34" charset="0"/>
+              </a:rPr>
+              <a:t> </a:t>
+            </a:r>
+          </a:p>
+        </p:txBody>
+      </p:sp>
+    </p:spTree>
+    <p:extLst>
+      <p:ext uri="{BB962C8B-B14F-4D97-AF65-F5344CB8AC3E}">
+        <p14:creationId xmlns:p14="http://schemas.microsoft.com/office/powerpoint/2010/main" val="4141290656"/>
+      </p:ext>
+    </p:extLst>
+  </p:cSld>
+  <p:clrMapOvr>
+    <a:masterClrMapping/>
+  </p:clrMapOvr>
+</p:sld>
+</file>
+
+<file path=ppt/slides/slide14.xml><?xml version="1.0" encoding="utf-8"?>
+<p:sld xmlns:a="http://schemas.openxmlformats.org/drawingml/2006/main" xmlns:r="http://schemas.openxmlformats.org/officeDocument/2006/relationships" xmlns:p="http://schemas.openxmlformats.org/presentationml/2006/main">
+  <p:cSld>
+    <p:spTree>
+      <p:nvGrpSpPr>
+        <p:cNvPr id="1" name=""/>
+        <p:cNvGrpSpPr/>
+        <p:nvPr/>
+      </p:nvGrpSpPr>
+      <p:grpSpPr>
+        <a:xfrm>
+          <a:off x="0" y="0"/>
+          <a:ext cx="0" cy="0"/>
+          <a:chOff x="0" y="0"/>
+          <a:chExt cx="0" cy="0"/>
+        </a:xfrm>
+      </p:grpSpPr>
       <p:pic>
         <p:nvPicPr>
           <p:cNvPr id="4" name="Picture 3">
@@ -11212,7 +11501,7 @@
 </p:sld>
 </file>
 
-<file path=ppt/slides/slide14.xml><?xml version="1.0" encoding="utf-8"?>
+<file path=ppt/slides/slide15.xml><?xml version="1.0" encoding="utf-8"?>
 <p:sld xmlns:a="http://schemas.openxmlformats.org/drawingml/2006/main" xmlns:r="http://schemas.openxmlformats.org/officeDocument/2006/relationships" xmlns:p="http://schemas.openxmlformats.org/presentationml/2006/main">
   <p:cSld>
     <p:spTree>
@@ -11359,7 +11648,7 @@
 </p:sld>
 </file>
 
-<file path=ppt/slides/slide15.xml><?xml version="1.0" encoding="utf-8"?>
+<file path=ppt/slides/slide16.xml><?xml version="1.0" encoding="utf-8"?>
 <p:sld xmlns:a="http://schemas.openxmlformats.org/drawingml/2006/main" xmlns:r="http://schemas.openxmlformats.org/officeDocument/2006/relationships" xmlns:p="http://schemas.openxmlformats.org/presentationml/2006/main">
   <p:cSld>
     <p:spTree>
@@ -11389,7 +11678,7 @@
 </p:sld>
 </file>
 
-<file path=ppt/slides/slide16.xml><?xml version="1.0" encoding="utf-8"?>
+<file path=ppt/slides/slide17.xml><?xml version="1.0" encoding="utf-8"?>
 <p:sld xmlns:a="http://schemas.openxmlformats.org/drawingml/2006/main" xmlns:r="http://schemas.openxmlformats.org/officeDocument/2006/relationships" xmlns:p="http://schemas.openxmlformats.org/presentationml/2006/main">
   <p:cSld>
     <p:spTree>
@@ -11490,441 +11779,6 @@
     <p:extLst>
       <p:ext uri="{BB962C8B-B14F-4D97-AF65-F5344CB8AC3E}">
         <p14:creationId xmlns:p14="http://schemas.microsoft.com/office/powerpoint/2010/main" val="2944933400"/>
-      </p:ext>
-    </p:extLst>
-  </p:cSld>
-  <p:clrMapOvr>
-    <a:masterClrMapping/>
-  </p:clrMapOvr>
-  <mc:AlternateContent xmlns:mc="http://schemas.openxmlformats.org/markup-compatibility/2006" xmlns:p14="http://schemas.microsoft.com/office/powerpoint/2010/main">
-    <mc:Choice Requires="p14">
-      <p:transition spd="med" p14:dur="700">
-        <p:fade/>
-      </p:transition>
-    </mc:Choice>
-    <mc:Fallback xmlns="">
-      <p:transition spd="med">
-        <p:fade/>
-      </p:transition>
-    </mc:Fallback>
-  </mc:AlternateContent>
-</p:sld>
-</file>
-
-<file path=ppt/slides/slide17.xml><?xml version="1.0" encoding="utf-8"?>
-<p:sld xmlns:a="http://schemas.openxmlformats.org/drawingml/2006/main" xmlns:r="http://schemas.openxmlformats.org/officeDocument/2006/relationships" xmlns:p="http://schemas.openxmlformats.org/presentationml/2006/main">
-  <p:cSld>
-    <p:spTree>
-      <p:nvGrpSpPr>
-        <p:cNvPr id="1" name=""/>
-        <p:cNvGrpSpPr/>
-        <p:nvPr/>
-      </p:nvGrpSpPr>
-      <p:grpSpPr>
-        <a:xfrm>
-          <a:off x="0" y="0"/>
-          <a:ext cx="0" cy="0"/>
-          <a:chOff x="0" y="0"/>
-          <a:chExt cx="0" cy="0"/>
-        </a:xfrm>
-      </p:grpSpPr>
-      <p:sp>
-        <p:nvSpPr>
-          <p:cNvPr id="6" name="Rectangle 5">
-            <a:extLst>
-              <a:ext uri="{FF2B5EF4-FFF2-40B4-BE49-F238E27FC236}">
-                <a16:creationId xmlns:a16="http://schemas.microsoft.com/office/drawing/2014/main" id="{0AED260D-91FC-4000-B413-7CBF6388F332}"/>
-              </a:ext>
-            </a:extLst>
-          </p:cNvPr>
-          <p:cNvSpPr/>
-          <p:nvPr/>
-        </p:nvSpPr>
-        <p:spPr>
-          <a:xfrm>
-            <a:off x="7799944" y="3567896"/>
-            <a:ext cx="1482954" cy="753006"/>
-          </a:xfrm>
-          <a:prstGeom prst="rect">
-            <a:avLst/>
-          </a:prstGeom>
-          <a:ln>
-            <a:solidFill>
-              <a:schemeClr val="tx1">
-                <a:lumMod val="65000"/>
-                <a:lumOff val="35000"/>
-              </a:schemeClr>
-            </a:solidFill>
-          </a:ln>
-          <a:effectLst>
-            <a:outerShdw blurRad="50800" dist="38100" dir="2700000" algn="tl" rotWithShape="0">
-              <a:prstClr val="black">
-                <a:alpha val="40000"/>
-              </a:prstClr>
-            </a:outerShdw>
-          </a:effectLst>
-        </p:spPr>
-        <p:style>
-          <a:lnRef idx="2">
-            <a:schemeClr val="accent1"/>
-          </a:lnRef>
-          <a:fillRef idx="1">
-            <a:schemeClr val="lt1"/>
-          </a:fillRef>
-          <a:effectRef idx="0">
-            <a:schemeClr val="accent1"/>
-          </a:effectRef>
-          <a:fontRef idx="minor">
-            <a:schemeClr val="dk1"/>
-          </a:fontRef>
-        </p:style>
-        <p:txBody>
-          <a:bodyPr tIns="45720" rtlCol="0" anchor="t" anchorCtr="0"/>
-          <a:lstStyle/>
-          <a:p>
-            <a:pPr algn="ctr"/>
-            <a:r>
-              <a:rPr lang="en-US" dirty="0">
-                <a:latin typeface="Palatino Linotype" panose="02040502050505030304" pitchFamily="18" charset="0"/>
-              </a:rPr>
-              <a:t>Other</a:t>
-            </a:r>
-            <a:endParaRPr lang="en-US" dirty="0"/>
-          </a:p>
-        </p:txBody>
-      </p:sp>
-      <p:sp>
-        <p:nvSpPr>
-          <p:cNvPr id="7" name="Rectangle 6">
-            <a:extLst>
-              <a:ext uri="{FF2B5EF4-FFF2-40B4-BE49-F238E27FC236}">
-                <a16:creationId xmlns:a16="http://schemas.microsoft.com/office/drawing/2014/main" id="{E260980E-7AEF-4A9A-8082-EB6FC9E0ED8C}"/>
-              </a:ext>
-            </a:extLst>
-          </p:cNvPr>
-          <p:cNvSpPr/>
-          <p:nvPr/>
-        </p:nvSpPr>
-        <p:spPr>
-          <a:xfrm>
-            <a:off x="5419750" y="2337435"/>
-            <a:ext cx="1757894" cy="753006"/>
-          </a:xfrm>
-          <a:prstGeom prst="rect">
-            <a:avLst/>
-          </a:prstGeom>
-          <a:ln>
-            <a:solidFill>
-              <a:schemeClr val="tx1">
-                <a:lumMod val="65000"/>
-                <a:lumOff val="35000"/>
-              </a:schemeClr>
-            </a:solidFill>
-          </a:ln>
-          <a:effectLst>
-            <a:outerShdw blurRad="50800" dist="38100" dir="2700000" algn="tl" rotWithShape="0">
-              <a:prstClr val="black">
-                <a:alpha val="40000"/>
-              </a:prstClr>
-            </a:outerShdw>
-          </a:effectLst>
-        </p:spPr>
-        <p:style>
-          <a:lnRef idx="2">
-            <a:schemeClr val="accent1"/>
-          </a:lnRef>
-          <a:fillRef idx="1">
-            <a:schemeClr val="lt1"/>
-          </a:fillRef>
-          <a:effectRef idx="0">
-            <a:schemeClr val="accent1"/>
-          </a:effectRef>
-          <a:fontRef idx="minor">
-            <a:schemeClr val="dk1"/>
-          </a:fontRef>
-        </p:style>
-        <p:txBody>
-          <a:bodyPr tIns="45720" rtlCol="0" anchor="t" anchorCtr="0"/>
-          <a:lstStyle/>
-          <a:p>
-            <a:pPr algn="ctr"/>
-            <a:r>
-              <a:rPr lang="en-US" dirty="0">
-                <a:latin typeface="Palatino Linotype" panose="02040502050505030304" pitchFamily="18" charset="0"/>
-              </a:rPr>
-              <a:t>Humanities</a:t>
-            </a:r>
-            <a:endParaRPr lang="en-US" dirty="0"/>
-          </a:p>
-        </p:txBody>
-      </p:sp>
-      <p:sp>
-        <p:nvSpPr>
-          <p:cNvPr id="8" name="Rectangle 7">
-            <a:extLst>
-              <a:ext uri="{FF2B5EF4-FFF2-40B4-BE49-F238E27FC236}">
-                <a16:creationId xmlns:a16="http://schemas.microsoft.com/office/drawing/2014/main" id="{0E92874E-9331-4F4C-ABDE-9C086CEA8A60}"/>
-              </a:ext>
-            </a:extLst>
-          </p:cNvPr>
-          <p:cNvSpPr/>
-          <p:nvPr/>
-        </p:nvSpPr>
-        <p:spPr>
-          <a:xfrm>
-            <a:off x="3036386" y="2337435"/>
-            <a:ext cx="1757894" cy="753006"/>
-          </a:xfrm>
-          <a:prstGeom prst="rect">
-            <a:avLst/>
-          </a:prstGeom>
-          <a:ln>
-            <a:solidFill>
-              <a:schemeClr val="tx1">
-                <a:lumMod val="65000"/>
-                <a:lumOff val="35000"/>
-              </a:schemeClr>
-            </a:solidFill>
-          </a:ln>
-          <a:effectLst>
-            <a:outerShdw blurRad="50800" dist="38100" dir="2700000" algn="tl" rotWithShape="0">
-              <a:prstClr val="black">
-                <a:alpha val="40000"/>
-              </a:prstClr>
-            </a:outerShdw>
-          </a:effectLst>
-        </p:spPr>
-        <p:style>
-          <a:lnRef idx="2">
-            <a:schemeClr val="accent1"/>
-          </a:lnRef>
-          <a:fillRef idx="1">
-            <a:schemeClr val="lt1"/>
-          </a:fillRef>
-          <a:effectRef idx="0">
-            <a:schemeClr val="accent1"/>
-          </a:effectRef>
-          <a:fontRef idx="minor">
-            <a:schemeClr val="dk1"/>
-          </a:fontRef>
-        </p:style>
-        <p:txBody>
-          <a:bodyPr tIns="45720" rtlCol="0" anchor="t" anchorCtr="0"/>
-          <a:lstStyle/>
-          <a:p>
-            <a:pPr algn="ctr"/>
-            <a:r>
-              <a:rPr lang="en-US" dirty="0">
-                <a:latin typeface="Palatino Linotype" panose="02040502050505030304" pitchFamily="18" charset="0"/>
-              </a:rPr>
-              <a:t>Arts</a:t>
-            </a:r>
-            <a:endParaRPr lang="en-US" dirty="0"/>
-          </a:p>
-        </p:txBody>
-      </p:sp>
-      <p:sp>
-        <p:nvSpPr>
-          <p:cNvPr id="12" name="Rectangle 11">
-            <a:extLst>
-              <a:ext uri="{FF2B5EF4-FFF2-40B4-BE49-F238E27FC236}">
-                <a16:creationId xmlns:a16="http://schemas.microsoft.com/office/drawing/2014/main" id="{8F83821C-3A0E-4A25-A9C8-69146CE3B874}"/>
-              </a:ext>
-            </a:extLst>
-          </p:cNvPr>
-          <p:cNvSpPr/>
-          <p:nvPr/>
-        </p:nvSpPr>
-        <p:spPr>
-          <a:xfrm>
-            <a:off x="3036385" y="3567896"/>
-            <a:ext cx="1757895" cy="753006"/>
-          </a:xfrm>
-          <a:prstGeom prst="rect">
-            <a:avLst/>
-          </a:prstGeom>
-          <a:ln>
-            <a:solidFill>
-              <a:schemeClr val="tx1">
-                <a:lumMod val="65000"/>
-                <a:lumOff val="35000"/>
-              </a:schemeClr>
-            </a:solidFill>
-          </a:ln>
-          <a:effectLst>
-            <a:outerShdw blurRad="50800" dist="38100" dir="2700000" algn="tl" rotWithShape="0">
-              <a:prstClr val="black">
-                <a:alpha val="40000"/>
-              </a:prstClr>
-            </a:outerShdw>
-          </a:effectLst>
-        </p:spPr>
-        <p:style>
-          <a:lnRef idx="2">
-            <a:schemeClr val="accent1"/>
-          </a:lnRef>
-          <a:fillRef idx="1">
-            <a:schemeClr val="lt1"/>
-          </a:fillRef>
-          <a:effectRef idx="0">
-            <a:schemeClr val="accent1"/>
-          </a:effectRef>
-          <a:fontRef idx="minor">
-            <a:schemeClr val="dk1"/>
-          </a:fontRef>
-        </p:style>
-        <p:txBody>
-          <a:bodyPr tIns="45720" rtlCol="0" anchor="t" anchorCtr="0"/>
-          <a:lstStyle/>
-          <a:p>
-            <a:pPr algn="ctr"/>
-            <a:r>
-              <a:rPr lang="en-US" dirty="0">
-                <a:latin typeface="Palatino Linotype" panose="02040502050505030304" pitchFamily="18" charset="0"/>
-              </a:rPr>
-              <a:t>Social Science</a:t>
-            </a:r>
-            <a:r>
-              <a:rPr lang="en-US" sz="1600" dirty="0">
-                <a:latin typeface="Palatino Linotype" panose="02040502050505030304" pitchFamily="18" charset="0"/>
-              </a:rPr>
-              <a:t>s</a:t>
-            </a:r>
-            <a:endParaRPr lang="en-US" sz="1600" dirty="0"/>
-          </a:p>
-        </p:txBody>
-      </p:sp>
-      <p:sp>
-        <p:nvSpPr>
-          <p:cNvPr id="14" name="Rectangle 13">
-            <a:extLst>
-              <a:ext uri="{FF2B5EF4-FFF2-40B4-BE49-F238E27FC236}">
-                <a16:creationId xmlns:a16="http://schemas.microsoft.com/office/drawing/2014/main" id="{4294EF1F-50C2-4C3B-80DC-74C7D03E62F6}"/>
-              </a:ext>
-            </a:extLst>
-          </p:cNvPr>
-          <p:cNvSpPr/>
-          <p:nvPr/>
-        </p:nvSpPr>
-        <p:spPr>
-          <a:xfrm>
-            <a:off x="5419749" y="3567896"/>
-            <a:ext cx="1757893" cy="753006"/>
-          </a:xfrm>
-          <a:prstGeom prst="rect">
-            <a:avLst/>
-          </a:prstGeom>
-          <a:ln>
-            <a:solidFill>
-              <a:schemeClr val="tx1">
-                <a:lumMod val="65000"/>
-                <a:lumOff val="35000"/>
-              </a:schemeClr>
-            </a:solidFill>
-          </a:ln>
-          <a:effectLst>
-            <a:outerShdw blurRad="50800" dist="38100" dir="2700000" algn="tl" rotWithShape="0">
-              <a:prstClr val="black">
-                <a:alpha val="40000"/>
-              </a:prstClr>
-            </a:outerShdw>
-          </a:effectLst>
-        </p:spPr>
-        <p:style>
-          <a:lnRef idx="2">
-            <a:schemeClr val="accent1"/>
-          </a:lnRef>
-          <a:fillRef idx="1">
-            <a:schemeClr val="lt1"/>
-          </a:fillRef>
-          <a:effectRef idx="0">
-            <a:schemeClr val="accent1"/>
-          </a:effectRef>
-          <a:fontRef idx="minor">
-            <a:schemeClr val="dk1"/>
-          </a:fontRef>
-        </p:style>
-        <p:txBody>
-          <a:bodyPr tIns="45720" rtlCol="0" anchor="t" anchorCtr="0"/>
-          <a:lstStyle/>
-          <a:p>
-            <a:pPr algn="ctr"/>
-            <a:r>
-              <a:rPr lang="en-US" dirty="0">
-                <a:latin typeface="Palatino Linotype" panose="02040502050505030304" pitchFamily="18" charset="0"/>
-              </a:rPr>
-              <a:t>Business</a:t>
-            </a:r>
-            <a:endParaRPr lang="en-US" dirty="0"/>
-          </a:p>
-        </p:txBody>
-      </p:sp>
-      <p:sp>
-        <p:nvSpPr>
-          <p:cNvPr id="16" name="Rectangle 15">
-            <a:extLst>
-              <a:ext uri="{FF2B5EF4-FFF2-40B4-BE49-F238E27FC236}">
-                <a16:creationId xmlns:a16="http://schemas.microsoft.com/office/drawing/2014/main" id="{D641EAC9-1F0C-490E-A240-22DFF4823135}"/>
-              </a:ext>
-            </a:extLst>
-          </p:cNvPr>
-          <p:cNvSpPr/>
-          <p:nvPr/>
-        </p:nvSpPr>
-        <p:spPr>
-          <a:xfrm>
-            <a:off x="7799944" y="2337435"/>
-            <a:ext cx="1482954" cy="753006"/>
-          </a:xfrm>
-          <a:prstGeom prst="rect">
-            <a:avLst/>
-          </a:prstGeom>
-          <a:ln>
-            <a:solidFill>
-              <a:schemeClr val="tx1">
-                <a:lumMod val="65000"/>
-                <a:lumOff val="35000"/>
-              </a:schemeClr>
-            </a:solidFill>
-          </a:ln>
-          <a:effectLst>
-            <a:outerShdw blurRad="50800" dist="38100" dir="2700000" algn="tl" rotWithShape="0">
-              <a:prstClr val="black">
-                <a:alpha val="40000"/>
-              </a:prstClr>
-            </a:outerShdw>
-          </a:effectLst>
-        </p:spPr>
-        <p:style>
-          <a:lnRef idx="2">
-            <a:schemeClr val="accent1"/>
-          </a:lnRef>
-          <a:fillRef idx="1">
-            <a:schemeClr val="lt1"/>
-          </a:fillRef>
-          <a:effectRef idx="0">
-            <a:schemeClr val="accent1"/>
-          </a:effectRef>
-          <a:fontRef idx="minor">
-            <a:schemeClr val="dk1"/>
-          </a:fontRef>
-        </p:style>
-        <p:txBody>
-          <a:bodyPr tIns="45720" rtlCol="0" anchor="t" anchorCtr="0"/>
-          <a:lstStyle/>
-          <a:p>
-            <a:pPr algn="ctr"/>
-            <a:r>
-              <a:rPr lang="en-US" dirty="0"/>
-              <a:t>Science</a:t>
-            </a:r>
-          </a:p>
-        </p:txBody>
-      </p:sp>
-    </p:spTree>
-    <p:extLst>
-      <p:ext uri="{BB962C8B-B14F-4D97-AF65-F5344CB8AC3E}">
-        <p14:creationId xmlns:p14="http://schemas.microsoft.com/office/powerpoint/2010/main" val="3167454443"/>
       </p:ext>
     </p:extLst>
   </p:cSld>
@@ -12467,7 +12321,7 @@
         </p:nvSpPr>
         <p:spPr>
           <a:xfrm>
-            <a:off x="0" y="2953213"/>
+            <a:off x="0" y="674708"/>
             <a:ext cx="12192000" cy="951574"/>
           </a:xfrm>
           <a:noFill/>
@@ -12565,6 +12419,228 @@
               <a:t>Ambiguous</a:t>
             </a:r>
             <a:endParaRPr lang="en-US" sz="6700" dirty="0">
+              <a:solidFill>
+                <a:srgbClr val="80BE63"/>
+              </a:solidFill>
+              <a:latin typeface="Palatino Linotype" panose="02040502050505030304" pitchFamily="18" charset="0"/>
+              <a:cs typeface="Segoe UI Light" panose="020B0502040204020203" pitchFamily="34" charset="0"/>
+            </a:endParaRPr>
+          </a:p>
+        </p:txBody>
+      </p:sp>
+      <p:sp>
+        <p:nvSpPr>
+          <p:cNvPr id="4" name="Title 1">
+            <a:extLst>
+              <a:ext uri="{FF2B5EF4-FFF2-40B4-BE49-F238E27FC236}">
+                <a16:creationId xmlns:a16="http://schemas.microsoft.com/office/drawing/2014/main" id="{3C0D47E6-9FAC-A40F-7FEF-71A6DB197B14}"/>
+              </a:ext>
+            </a:extLst>
+          </p:cNvPr>
+          <p:cNvSpPr txBox="1">
+            <a:spLocks/>
+          </p:cNvSpPr>
+          <p:nvPr/>
+        </p:nvSpPr>
+        <p:spPr>
+          <a:xfrm>
+            <a:off x="495924" y="2565966"/>
+            <a:ext cx="11696076" cy="671908"/>
+          </a:xfrm>
+          <a:prstGeom prst="rect">
+            <a:avLst/>
+          </a:prstGeom>
+          <a:noFill/>
+        </p:spPr>
+        <p:txBody>
+          <a:bodyPr vert="horz" lIns="91440" tIns="45720" rIns="91440" bIns="45720" rtlCol="0" anchor="b">
+            <a:normAutofit/>
+          </a:bodyPr>
+          <a:lstStyle>
+            <a:lvl1pPr algn="l" defTabSz="914400" rtl="0" eaLnBrk="1" latinLnBrk="0" hangingPunct="1">
+              <a:lnSpc>
+                <a:spcPct val="90000"/>
+              </a:lnSpc>
+              <a:spcBef>
+                <a:spcPct val="0"/>
+              </a:spcBef>
+              <a:buNone/>
+              <a:defRPr sz="6000" kern="1200">
+                <a:solidFill>
+                  <a:schemeClr val="tx1"/>
+                </a:solidFill>
+                <a:latin typeface="+mj-lt"/>
+                <a:ea typeface="+mj-ea"/>
+                <a:cs typeface="+mj-cs"/>
+              </a:defRPr>
+            </a:lvl1pPr>
+          </a:lstStyle>
+          <a:p>
+            <a:pPr marL="571500" indent="-571500">
+              <a:buFont typeface="Courier New" panose="02070309020205020404" pitchFamily="49" charset="0"/>
+              <a:buChar char="o"/>
+            </a:pPr>
+            <a:r>
+              <a:rPr lang="en-US" sz="3600" dirty="0">
+                <a:solidFill>
+                  <a:schemeClr val="tx1">
+                    <a:lumMod val="75000"/>
+                    <a:lumOff val="25000"/>
+                  </a:schemeClr>
+                </a:solidFill>
+                <a:latin typeface="Palatino Linotype" panose="02040502050505030304" pitchFamily="18" charset="0"/>
+              </a:rPr>
+              <a:t>The boy saw a man with a telescope.</a:t>
+            </a:r>
+            <a:endParaRPr lang="en-US" sz="3600" dirty="0">
+              <a:solidFill>
+                <a:srgbClr val="80BE63"/>
+              </a:solidFill>
+              <a:latin typeface="Palatino Linotype" panose="02040502050505030304" pitchFamily="18" charset="0"/>
+              <a:cs typeface="Segoe UI Light" panose="020B0502040204020203" pitchFamily="34" charset="0"/>
+            </a:endParaRPr>
+          </a:p>
+        </p:txBody>
+      </p:sp>
+      <p:sp>
+        <p:nvSpPr>
+          <p:cNvPr id="5" name="Title 1">
+            <a:extLst>
+              <a:ext uri="{FF2B5EF4-FFF2-40B4-BE49-F238E27FC236}">
+                <a16:creationId xmlns:a16="http://schemas.microsoft.com/office/drawing/2014/main" id="{16D977C3-7088-1C3B-2A86-FC467A475A52}"/>
+              </a:ext>
+            </a:extLst>
+          </p:cNvPr>
+          <p:cNvSpPr txBox="1">
+            <a:spLocks/>
+          </p:cNvSpPr>
+          <p:nvPr/>
+        </p:nvSpPr>
+        <p:spPr>
+          <a:xfrm>
+            <a:off x="495924" y="4674286"/>
+            <a:ext cx="11696076" cy="671908"/>
+          </a:xfrm>
+          <a:prstGeom prst="rect">
+            <a:avLst/>
+          </a:prstGeom>
+          <a:noFill/>
+        </p:spPr>
+        <p:txBody>
+          <a:bodyPr vert="horz" lIns="91440" tIns="45720" rIns="91440" bIns="45720" rtlCol="0" anchor="b">
+            <a:normAutofit/>
+          </a:bodyPr>
+          <a:lstStyle>
+            <a:lvl1pPr algn="l" defTabSz="914400" rtl="0" eaLnBrk="1" latinLnBrk="0" hangingPunct="1">
+              <a:lnSpc>
+                <a:spcPct val="90000"/>
+              </a:lnSpc>
+              <a:spcBef>
+                <a:spcPct val="0"/>
+              </a:spcBef>
+              <a:buNone/>
+              <a:defRPr sz="6000" kern="1200">
+                <a:solidFill>
+                  <a:schemeClr val="tx1"/>
+                </a:solidFill>
+                <a:latin typeface="+mj-lt"/>
+                <a:ea typeface="+mj-ea"/>
+                <a:cs typeface="+mj-cs"/>
+              </a:defRPr>
+            </a:lvl1pPr>
+          </a:lstStyle>
+          <a:p>
+            <a:pPr marL="571500" indent="-571500">
+              <a:buFont typeface="Courier New" panose="02070309020205020404" pitchFamily="49" charset="0"/>
+              <a:buChar char="o"/>
+            </a:pPr>
+            <a:r>
+              <a:rPr lang="en-US" sz="3600" dirty="0">
+                <a:solidFill>
+                  <a:schemeClr val="tx1">
+                    <a:lumMod val="75000"/>
+                    <a:lumOff val="25000"/>
+                  </a:schemeClr>
+                </a:solidFill>
+                <a:latin typeface="Palatino Linotype" panose="02040502050505030304" pitchFamily="18" charset="0"/>
+              </a:rPr>
+              <a:t>Robin has quit skydiving.</a:t>
+            </a:r>
+            <a:endParaRPr lang="en-US" sz="3600" dirty="0">
+              <a:solidFill>
+                <a:srgbClr val="80BE63"/>
+              </a:solidFill>
+              <a:latin typeface="Palatino Linotype" panose="02040502050505030304" pitchFamily="18" charset="0"/>
+              <a:cs typeface="Segoe UI Light" panose="020B0502040204020203" pitchFamily="34" charset="0"/>
+            </a:endParaRPr>
+          </a:p>
+        </p:txBody>
+      </p:sp>
+      <p:sp>
+        <p:nvSpPr>
+          <p:cNvPr id="6" name="Title 1">
+            <a:extLst>
+              <a:ext uri="{FF2B5EF4-FFF2-40B4-BE49-F238E27FC236}">
+                <a16:creationId xmlns:a16="http://schemas.microsoft.com/office/drawing/2014/main" id="{05396779-C523-7754-2849-7B959C8EB2A3}"/>
+              </a:ext>
+            </a:extLst>
+          </p:cNvPr>
+          <p:cNvSpPr txBox="1">
+            <a:spLocks/>
+          </p:cNvSpPr>
+          <p:nvPr/>
+        </p:nvSpPr>
+        <p:spPr>
+          <a:xfrm>
+            <a:off x="495924" y="3620126"/>
+            <a:ext cx="11696076" cy="671908"/>
+          </a:xfrm>
+          <a:prstGeom prst="rect">
+            <a:avLst/>
+          </a:prstGeom>
+          <a:noFill/>
+        </p:spPr>
+        <p:txBody>
+          <a:bodyPr vert="horz" lIns="91440" tIns="45720" rIns="91440" bIns="45720" rtlCol="0" anchor="b">
+            <a:normAutofit/>
+          </a:bodyPr>
+          <a:lstStyle>
+            <a:lvl1pPr algn="l" defTabSz="914400" rtl="0" eaLnBrk="1" latinLnBrk="0" hangingPunct="1">
+              <a:lnSpc>
+                <a:spcPct val="90000"/>
+              </a:lnSpc>
+              <a:spcBef>
+                <a:spcPct val="0"/>
+              </a:spcBef>
+              <a:buNone/>
+              <a:defRPr sz="6000" kern="1200">
+                <a:solidFill>
+                  <a:schemeClr val="tx1"/>
+                </a:solidFill>
+                <a:latin typeface="+mj-lt"/>
+                <a:ea typeface="+mj-ea"/>
+                <a:cs typeface="+mj-cs"/>
+              </a:defRPr>
+            </a:lvl1pPr>
+          </a:lstStyle>
+          <a:p>
+            <a:pPr marL="571500" indent="-571500">
+              <a:buFont typeface="Courier New" panose="02070309020205020404" pitchFamily="49" charset="0"/>
+              <a:buChar char="o"/>
+            </a:pPr>
+            <a:r>
+              <a:rPr lang="en-US" sz="3600" dirty="0">
+                <a:solidFill>
+                  <a:schemeClr val="tx1">
+                    <a:lumMod val="75000"/>
+                    <a:lumOff val="25000"/>
+                  </a:schemeClr>
+                </a:solidFill>
+                <a:latin typeface="Palatino Linotype" panose="02040502050505030304" pitchFamily="18" charset="0"/>
+              </a:rPr>
+              <a:t>Bob convinced Robin to buy a television for himself.</a:t>
+            </a:r>
+            <a:endParaRPr lang="en-US" sz="3600" dirty="0">
               <a:solidFill>
                 <a:srgbClr val="80BE63"/>
               </a:solidFill>
@@ -12596,6 +12672,200 @@
       </p:transition>
     </mc:Fallback>
   </mc:AlternateContent>
+  <p:timing>
+    <p:tnLst>
+      <p:par>
+        <p:cTn id="1" dur="indefinite" restart="never" nodeType="tmRoot">
+          <p:childTnLst>
+            <p:seq concurrent="1" nextAc="seek">
+              <p:cTn id="2" dur="indefinite" nodeType="mainSeq">
+                <p:childTnLst>
+                  <p:par>
+                    <p:cTn id="3" fill="hold">
+                      <p:stCondLst>
+                        <p:cond delay="indefinite"/>
+                      </p:stCondLst>
+                      <p:childTnLst>
+                        <p:par>
+                          <p:cTn id="4" fill="hold">
+                            <p:stCondLst>
+                              <p:cond delay="0"/>
+                            </p:stCondLst>
+                            <p:childTnLst>
+                              <p:par>
+                                <p:cTn id="5" presetID="10" presetClass="entr" presetSubtype="0" fill="hold" grpId="0" nodeType="clickEffect">
+                                  <p:stCondLst>
+                                    <p:cond delay="0"/>
+                                  </p:stCondLst>
+                                  <p:childTnLst>
+                                    <p:set>
+                                      <p:cBhvr>
+                                        <p:cTn id="6" dur="1" fill="hold">
+                                          <p:stCondLst>
+                                            <p:cond delay="0"/>
+                                          </p:stCondLst>
+                                        </p:cTn>
+                                        <p:tgtEl>
+                                          <p:spTgt spid="4"/>
+                                        </p:tgtEl>
+                                        <p:attrNameLst>
+                                          <p:attrName>style.visibility</p:attrName>
+                                        </p:attrNameLst>
+                                      </p:cBhvr>
+                                      <p:to>
+                                        <p:strVal val="visible"/>
+                                      </p:to>
+                                    </p:set>
+                                    <p:animEffect transition="in" filter="fade">
+                                      <p:cBhvr>
+                                        <p:cTn id="7" dur="500"/>
+                                        <p:tgtEl>
+                                          <p:spTgt spid="4"/>
+                                        </p:tgtEl>
+                                      </p:cBhvr>
+                                    </p:animEffect>
+                                  </p:childTnLst>
+                                </p:cTn>
+                              </p:par>
+                            </p:childTnLst>
+                          </p:cTn>
+                        </p:par>
+                      </p:childTnLst>
+                    </p:cTn>
+                  </p:par>
+                  <p:par>
+                    <p:cTn id="8" fill="hold">
+                      <p:stCondLst>
+                        <p:cond delay="indefinite"/>
+                      </p:stCondLst>
+                      <p:childTnLst>
+                        <p:par>
+                          <p:cTn id="9" fill="hold">
+                            <p:stCondLst>
+                              <p:cond delay="0"/>
+                            </p:stCondLst>
+                            <p:childTnLst>
+                              <p:par>
+                                <p:cTn id="10" presetID="10" presetClass="entr" presetSubtype="0" fill="hold" grpId="0" nodeType="clickEffect">
+                                  <p:stCondLst>
+                                    <p:cond delay="0"/>
+                                  </p:stCondLst>
+                                  <p:childTnLst>
+                                    <p:set>
+                                      <p:cBhvr>
+                                        <p:cTn id="11" dur="1" fill="hold">
+                                          <p:stCondLst>
+                                            <p:cond delay="0"/>
+                                          </p:stCondLst>
+                                        </p:cTn>
+                                        <p:tgtEl>
+                                          <p:spTgt spid="6"/>
+                                        </p:tgtEl>
+                                        <p:attrNameLst>
+                                          <p:attrName>style.visibility</p:attrName>
+                                        </p:attrNameLst>
+                                      </p:cBhvr>
+                                      <p:to>
+                                        <p:strVal val="visible"/>
+                                      </p:to>
+                                    </p:set>
+                                    <p:animEffect transition="in" filter="fade">
+                                      <p:cBhvr>
+                                        <p:cTn id="12" dur="500"/>
+                                        <p:tgtEl>
+                                          <p:spTgt spid="6"/>
+                                        </p:tgtEl>
+                                      </p:cBhvr>
+                                    </p:animEffect>
+                                  </p:childTnLst>
+                                </p:cTn>
+                              </p:par>
+                            </p:childTnLst>
+                          </p:cTn>
+                        </p:par>
+                      </p:childTnLst>
+                    </p:cTn>
+                  </p:par>
+                  <p:par>
+                    <p:cTn id="13" fill="hold">
+                      <p:stCondLst>
+                        <p:cond delay="indefinite"/>
+                      </p:stCondLst>
+                      <p:childTnLst>
+                        <p:par>
+                          <p:cTn id="14" fill="hold">
+                            <p:stCondLst>
+                              <p:cond delay="0"/>
+                            </p:stCondLst>
+                            <p:childTnLst>
+                              <p:par>
+                                <p:cTn id="15" presetID="10" presetClass="entr" presetSubtype="0" fill="hold" grpId="0" nodeType="clickEffect">
+                                  <p:stCondLst>
+                                    <p:cond delay="0"/>
+                                  </p:stCondLst>
+                                  <p:childTnLst>
+                                    <p:set>
+                                      <p:cBhvr>
+                                        <p:cTn id="16" dur="1" fill="hold">
+                                          <p:stCondLst>
+                                            <p:cond delay="0"/>
+                                          </p:stCondLst>
+                                        </p:cTn>
+                                        <p:tgtEl>
+                                          <p:spTgt spid="5"/>
+                                        </p:tgtEl>
+                                        <p:attrNameLst>
+                                          <p:attrName>style.visibility</p:attrName>
+                                        </p:attrNameLst>
+                                      </p:cBhvr>
+                                      <p:to>
+                                        <p:strVal val="visible"/>
+                                      </p:to>
+                                    </p:set>
+                                    <p:animEffect transition="in" filter="fade">
+                                      <p:cBhvr>
+                                        <p:cTn id="17" dur="500"/>
+                                        <p:tgtEl>
+                                          <p:spTgt spid="5"/>
+                                        </p:tgtEl>
+                                      </p:cBhvr>
+                                    </p:animEffect>
+                                  </p:childTnLst>
+                                </p:cTn>
+                              </p:par>
+                            </p:childTnLst>
+                          </p:cTn>
+                        </p:par>
+                      </p:childTnLst>
+                    </p:cTn>
+                  </p:par>
+                </p:childTnLst>
+              </p:cTn>
+              <p:prevCondLst>
+                <p:cond evt="onPrev" delay="0">
+                  <p:tgtEl>
+                    <p:sldTgt/>
+                  </p:tgtEl>
+                </p:cond>
+              </p:prevCondLst>
+              <p:nextCondLst>
+                <p:cond evt="onNext" delay="0">
+                  <p:tgtEl>
+                    <p:sldTgt/>
+                  </p:tgtEl>
+                </p:cond>
+              </p:nextCondLst>
+            </p:seq>
+          </p:childTnLst>
+        </p:cTn>
+      </p:par>
+    </p:tnLst>
+    <p:bldLst>
+      <p:bldP spid="4" grpId="0"/>
+      <p:bldP spid="5" grpId="0"/>
+      <p:bldP spid="6" grpId="0"/>
+    </p:bldLst>
+  </p:timing>
 </p:sld>
 </file>
 

--- a/presentations/01_nlp_intro.pptx
+++ b/presentations/01_nlp_intro.pptx
@@ -3344,7 +3344,7 @@
           <a:p>
             <a:fld id="{FD93C9B2-20F6-4DB1-B471-224337D0AC79}" type="datetimeFigureOut">
               <a:rPr lang="en-US" smtClean="0"/>
-              <a:t>10/13/2022</a:t>
+              <a:t>10/17/2022</a:t>
             </a:fld>
             <a:endParaRPr lang="en-US"/>
           </a:p>
@@ -4826,18 +4826,15 @@
                 <a:effectLst/>
                 <a:latin typeface="+mn-lt"/>
               </a:rPr>
-              <a:t>An NLP model mimics human language abilities but has no human-level understanding – </a:t>
-            </a:r>
-            <a:r>
-              <a:rPr lang="en-US" b="1" i="0" dirty="0">
-                <a:solidFill>
-                  <a:srgbClr val="3C3C3B"/>
-                </a:solidFill>
-                <a:effectLst/>
-                <a:latin typeface="+mn-lt"/>
-              </a:rPr>
-              <a:t>key point</a:t>
-            </a:r>
+              <a:t>An NLP model mimics human language abilities but has no human-level understanding </a:t>
+            </a:r>
+            <a:endParaRPr lang="en-US" b="1" i="0" dirty="0">
+              <a:solidFill>
+                <a:srgbClr val="3C3C3B"/>
+              </a:solidFill>
+              <a:effectLst/>
+              <a:latin typeface="+mn-lt"/>
+            </a:endParaRPr>
           </a:p>
           <a:p>
             <a:pPr marL="228600" marR="0" lvl="0" indent="-228600" algn="l" defTabSz="914400" rtl="0" eaLnBrk="1" fontAlgn="auto" latinLnBrk="0" hangingPunct="1">
@@ -6687,7 +6684,7 @@
           <a:p>
             <a:fld id="{C3F78080-8D0A-4BE8-A5B4-CB115102D524}" type="datetimeFigureOut">
               <a:rPr lang="en-US" smtClean="0"/>
-              <a:t>10/13/2022</a:t>
+              <a:t>10/17/2022</a:t>
             </a:fld>
             <a:endParaRPr lang="en-US"/>
           </a:p>
@@ -6885,7 +6882,7 @@
           <a:p>
             <a:fld id="{C3F78080-8D0A-4BE8-A5B4-CB115102D524}" type="datetimeFigureOut">
               <a:rPr lang="en-US" smtClean="0"/>
-              <a:t>10/13/2022</a:t>
+              <a:t>10/17/2022</a:t>
             </a:fld>
             <a:endParaRPr lang="en-US"/>
           </a:p>
@@ -7093,7 +7090,7 @@
           <a:p>
             <a:fld id="{C3F78080-8D0A-4BE8-A5B4-CB115102D524}" type="datetimeFigureOut">
               <a:rPr lang="en-US" smtClean="0"/>
-              <a:t>10/13/2022</a:t>
+              <a:t>10/17/2022</a:t>
             </a:fld>
             <a:endParaRPr lang="en-US"/>
           </a:p>
@@ -7291,7 +7288,7 @@
           <a:p>
             <a:fld id="{C3F78080-8D0A-4BE8-A5B4-CB115102D524}" type="datetimeFigureOut">
               <a:rPr lang="en-US" smtClean="0"/>
-              <a:t>10/13/2022</a:t>
+              <a:t>10/17/2022</a:t>
             </a:fld>
             <a:endParaRPr lang="en-US"/>
           </a:p>
@@ -7566,7 +7563,7 @@
           <a:p>
             <a:fld id="{C3F78080-8D0A-4BE8-A5B4-CB115102D524}" type="datetimeFigureOut">
               <a:rPr lang="en-US" smtClean="0"/>
-              <a:t>10/13/2022</a:t>
+              <a:t>10/17/2022</a:t>
             </a:fld>
             <a:endParaRPr lang="en-US"/>
           </a:p>
@@ -7831,7 +7828,7 @@
           <a:p>
             <a:fld id="{C3F78080-8D0A-4BE8-A5B4-CB115102D524}" type="datetimeFigureOut">
               <a:rPr lang="en-US" smtClean="0"/>
-              <a:t>10/13/2022</a:t>
+              <a:t>10/17/2022</a:t>
             </a:fld>
             <a:endParaRPr lang="en-US"/>
           </a:p>
@@ -8243,7 +8240,7 @@
           <a:p>
             <a:fld id="{C3F78080-8D0A-4BE8-A5B4-CB115102D524}" type="datetimeFigureOut">
               <a:rPr lang="en-US" smtClean="0"/>
-              <a:t>10/13/2022</a:t>
+              <a:t>10/17/2022</a:t>
             </a:fld>
             <a:endParaRPr lang="en-US"/>
           </a:p>
@@ -8384,7 +8381,7 @@
           <a:p>
             <a:fld id="{C3F78080-8D0A-4BE8-A5B4-CB115102D524}" type="datetimeFigureOut">
               <a:rPr lang="en-US" smtClean="0"/>
-              <a:t>10/13/2022</a:t>
+              <a:t>10/17/2022</a:t>
             </a:fld>
             <a:endParaRPr lang="en-US"/>
           </a:p>
@@ -8497,7 +8494,7 @@
           <a:p>
             <a:fld id="{C3F78080-8D0A-4BE8-A5B4-CB115102D524}" type="datetimeFigureOut">
               <a:rPr lang="en-US" smtClean="0"/>
-              <a:t>10/13/2022</a:t>
+              <a:t>10/17/2022</a:t>
             </a:fld>
             <a:endParaRPr lang="en-US"/>
           </a:p>
@@ -8808,7 +8805,7 @@
           <a:p>
             <a:fld id="{C3F78080-8D0A-4BE8-A5B4-CB115102D524}" type="datetimeFigureOut">
               <a:rPr lang="en-US" smtClean="0"/>
-              <a:t>10/13/2022</a:t>
+              <a:t>10/17/2022</a:t>
             </a:fld>
             <a:endParaRPr lang="en-US"/>
           </a:p>
@@ -9096,7 +9093,7 @@
           <a:p>
             <a:fld id="{C3F78080-8D0A-4BE8-A5B4-CB115102D524}" type="datetimeFigureOut">
               <a:rPr lang="en-US" smtClean="0"/>
-              <a:t>10/13/2022</a:t>
+              <a:t>10/17/2022</a:t>
             </a:fld>
             <a:endParaRPr lang="en-US"/>
           </a:p>
@@ -9337,7 +9334,7 @@
           <a:p>
             <a:fld id="{C3F78080-8D0A-4BE8-A5B4-CB115102D524}" type="datetimeFigureOut">
               <a:rPr lang="en-US" smtClean="0"/>
-              <a:t>10/13/2022</a:t>
+              <a:t>10/17/2022</a:t>
             </a:fld>
             <a:endParaRPr lang="en-US"/>
           </a:p>
